--- a/2026-02-11/report.pptx
+++ b/2026-02-11/report.pptx
@@ -3559,7 +3559,7 @@
               </a:defRPr>
             </a:pPr>
             <a:r>
-              <a:t>InfoQ: https://www.infoq.com/news/2026/01/microsoft-llm-contextual-privacy/</a:t>
+              <a:t>NBC News: https://www.nbcnews.com/tech/internet/openai-starts-testing-ads-chatgpt-rcna258242</a:t>
             </a:r>
           </a:p>
           <a:p>
@@ -3575,7 +3575,7 @@
               </a:defRPr>
             </a:pPr>
             <a:r>
-              <a:t>NBC News: https://www.nbcnews.com/tech/internet/openai-starts-testing-ads-chatgpt-rcna258242</a:t>
+              <a:t>Intellizence: https://intellizence.com/insights/startup-funding/startup-funding-trends-january-2026-ai-infrastructure-and-robotics/</a:t>
             </a:r>
           </a:p>
           <a:p>
@@ -3591,7 +3591,7 @@
               </a:defRPr>
             </a:pPr>
             <a:r>
-              <a:t>Axios: https://www.axios.com/2026/02/10/ai-ceo-feuds-openai-anthropic-google</a:t>
+              <a:t>Tech Xplore: https://techxplore.com/news/2026-02-ai-limits-generative-video.html</a:t>
             </a:r>
           </a:p>
           <a:p>
@@ -3607,7 +3607,7 @@
               </a:defRPr>
             </a:pPr>
             <a:r>
-              <a:t>Digital Watch Observatory: https://dig.watch/updates/adobe-firefly-unlocks-powerful-unlimited-ai-generation-in-2026</a:t>
+              <a:t>National Law Review: https://natlawreview.com/article/2026-outlook-artificial-intelligence</a:t>
             </a:r>
           </a:p>
           <a:p>
@@ -3623,7 +3623,7 @@
               </a:defRPr>
             </a:pPr>
             <a:r>
-              <a:t>DigiTimes: https://www.digitimes.com/news/a20251215PD230/meta-ai-llm-llama-development.html</a:t>
+              <a:t>Medium: https://medium.com/@urano10/the-future-of-ai-models-in-2026-whats-actually-coming-410141f3c979</a:t>
             </a:r>
           </a:p>
           <a:p>
@@ -3639,7 +3639,7 @@
               </a:defRPr>
             </a:pPr>
             <a:r>
-              <a:t>Medium: https://medium.com/@urano10/the-future-of-ai-models-in-2026-whats-actually-coming-410141f3c979</a:t>
+              <a:t>DigiTimes: https://www.digitimes.com/news/a20251215PD230/meta-ai-llm-llama-development.html</a:t>
             </a:r>
           </a:p>
           <a:p>
@@ -3655,7 +3655,7 @@
               </a:defRPr>
             </a:pPr>
             <a:r>
-              <a:t>TechCrunch: https://techcrunch.com/2026/01/02/in-2026-ai-will-move-from-hype-to-pragmatism/</a:t>
+              <a:t>TechCrunch: https://techcrunch.com/2026/02/10/ai-video-startup-runway-raises-315m-at-5-3b-valuation-eyes-more-capable-world-models/</a:t>
             </a:r>
           </a:p>
           <a:p>
@@ -3671,7 +3671,7 @@
               </a:defRPr>
             </a:pPr>
             <a:r>
-              <a:t>National Law Review: https://natlawreview.com/article/2026-outlook-artificial-intelligence</a:t>
+              <a:t>Axios: https://www.axios.com/2026/02/10/ai-ceo-feuds-openai-anthropic-google</a:t>
             </a:r>
           </a:p>
           <a:p>
@@ -3687,7 +3687,7 @@
               </a:defRPr>
             </a:pPr>
             <a:r>
-              <a:t>Tech Xplore: https://techxplore.com/news/2026-02-ai-limits-generative-video.html</a:t>
+              <a:t>MIT Technology Review: https://www.technologyreview.com/2026/01/05/1130662/whats-next-for-ai-in-2026/</a:t>
             </a:r>
           </a:p>
           <a:p>
@@ -3703,7 +3703,7 @@
               </a:defRPr>
             </a:pPr>
             <a:r>
-              <a:t>MIT Technology Review: https://www.technologyreview.com/2026/01/05/1130662/whats-next-for-ai-in-2026/</a:t>
+              <a:t>TechCrunch: https://techcrunch.com/2026/01/02/in-2026-ai-will-move-from-hype-to-pragmatism/</a:t>
             </a:r>
           </a:p>
           <a:p>
@@ -3719,7 +3719,7 @@
               </a:defRPr>
             </a:pPr>
             <a:r>
-              <a:t>TechCrunch: https://techcrunch.com/2026/02/10/ai-video-startup-runway-raises-315m-at-5-3b-valuation-eyes-more-capable-world-models/</a:t>
+              <a:t>Digital Watch Observatory: https://dig.watch/updates/adobe-firefly-unlocks-powerful-unlimited-ai-generation-in-2026</a:t>
             </a:r>
           </a:p>
           <a:p>
@@ -3735,7 +3735,7 @@
               </a:defRPr>
             </a:pPr>
             <a:r>
-              <a:t>Intellizence: https://intellizence.com/insights/startup-funding/startup-funding-trends-january-2026-ai-infrastructure-and-robotics/</a:t>
+              <a:t>InfoQ: https://www.infoq.com/news/2026/01/microsoft-llm-contextual-privacy/</a:t>
             </a:r>
           </a:p>
         </p:txBody>

--- a/2026-02-11/report.pptx
+++ b/2026-02-11/report.pptx
@@ -16,6 +16,11 @@
     <p:sldId id="264" r:id="rId15"/>
     <p:sldId id="265" r:id="rId16"/>
     <p:sldId id="266" r:id="rId17"/>
+    <p:sldId id="267" r:id="rId18"/>
+    <p:sldId id="268" r:id="rId19"/>
+    <p:sldId id="269" r:id="rId20"/>
+    <p:sldId id="270" r:id="rId21"/>
+    <p:sldId id="271" r:id="rId22"/>
   </p:sldIdLst>
   <p:sldSz cx="12191695" cy="6858000" type="screen4x3"/>
   <p:notesSz cx="6858000" cy="9144000"/>
@@ -3143,14 +3148,57 @@
       </p:sp>
       <p:sp>
         <p:nvSpPr>
-          <p:cNvPr id="3" name="TextBox 2"/>
+          <p:cNvPr id="3" name="Rectangle 2"/>
+          <p:cNvSpPr/>
+          <p:nvPr/>
+        </p:nvSpPr>
+        <p:spPr>
+          <a:xfrm>
+            <a:off x="914400" y="2834640"/>
+            <a:ext cx="10362895" cy="54864"/>
+          </a:xfrm>
+          <a:prstGeom prst="rect">
+            <a:avLst/>
+          </a:prstGeom>
+          <a:solidFill>
+            <a:srgbClr val="FF961C"/>
+          </a:solidFill>
+          <a:ln>
+            <a:noFill/>
+          </a:ln>
+        </p:spPr>
+        <p:style>
+          <a:lnRef idx="1">
+            <a:schemeClr val="accent1"/>
+          </a:lnRef>
+          <a:fillRef idx="3">
+            <a:schemeClr val="accent1"/>
+          </a:fillRef>
+          <a:effectRef idx="2">
+            <a:schemeClr val="accent1"/>
+          </a:effectRef>
+          <a:fontRef idx="minor">
+            <a:schemeClr val="lt1"/>
+          </a:fontRef>
+        </p:style>
+        <p:txBody>
+          <a:bodyPr rtlCol="0" anchor="ctr"/>
+          <a:lstStyle/>
+          <a:p>
+            <a:pPr algn="ctr"/>
+          </a:p>
+        </p:txBody>
+      </p:sp>
+      <p:sp>
+        <p:nvSpPr>
+          <p:cNvPr id="4" name="TextBox 3"/>
           <p:cNvSpPr txBox="1"/>
           <p:nvPr/>
         </p:nvSpPr>
         <p:spPr>
           <a:xfrm>
-            <a:off x="914400" y="1828800"/>
-            <a:ext cx="10058400" cy="1828800"/>
+            <a:off x="914400" y="1371600"/>
+            <a:ext cx="10362895" cy="1371600"/>
           </a:xfrm>
           <a:prstGeom prst="rect">
             <a:avLst/>
@@ -3163,8 +3211,8 @@
           </a:bodyPr>
           <a:lstStyle/>
           <a:p>
-            <a:pPr algn="ctr">
-              <a:defRPr sz="4400" b="1">
+            <a:pPr algn="l">
+              <a:defRPr sz="5200" b="1">
                 <a:solidFill>
                   <a:srgbClr val="FFFFFF"/>
                 </a:solidFill>
@@ -3179,14 +3227,14 @@
       </p:sp>
       <p:sp>
         <p:nvSpPr>
-          <p:cNvPr id="4" name="TextBox 3"/>
+          <p:cNvPr id="5" name="TextBox 4"/>
           <p:cNvSpPr txBox="1"/>
           <p:nvPr/>
         </p:nvSpPr>
         <p:spPr>
           <a:xfrm>
-            <a:off x="914400" y="3657600"/>
-            <a:ext cx="10058400" cy="914400"/>
+            <a:off x="914400" y="3108960"/>
+            <a:ext cx="10362895" cy="914400"/>
           </a:xfrm>
           <a:prstGeom prst="rect">
             <a:avLst/>
@@ -3199,8 +3247,8 @@
           </a:bodyPr>
           <a:lstStyle/>
           <a:p>
-            <a:pPr algn="ctr">
-              <a:defRPr sz="2800" b="0">
+            <a:pPr algn="l">
+              <a:defRPr sz="3600" b="0">
                 <a:solidFill>
                   <a:srgbClr val="FFFFFF"/>
                 </a:solidFill>
@@ -3215,14 +3263,14 @@
       </p:sp>
       <p:sp>
         <p:nvSpPr>
-          <p:cNvPr id="5" name="TextBox 4"/>
+          <p:cNvPr id="6" name="TextBox 5"/>
           <p:cNvSpPr txBox="1"/>
           <p:nvPr/>
         </p:nvSpPr>
         <p:spPr>
           <a:xfrm>
-            <a:off x="914400" y="4572000"/>
-            <a:ext cx="10058400" cy="914400"/>
+            <a:off x="914400" y="4114800"/>
+            <a:ext cx="10362895" cy="731520"/>
           </a:xfrm>
           <a:prstGeom prst="rect">
             <a:avLst/>
@@ -3235,16 +3283,16 @@
           </a:bodyPr>
           <a:lstStyle/>
           <a:p>
-            <a:pPr algn="ctr">
-              <a:defRPr sz="1600" b="0">
-                <a:solidFill>
-                  <a:srgbClr val="FFFFFF"/>
-                </a:solidFill>
-                <a:latin typeface="Meiryo"/>
-              </a:defRPr>
-            </a:pPr>
-            <a:r>
-              <a:t>ニュース 12件 | 対象: OpenAI, Anthropic, Google, Microsoft, Meta</a:t>
+            <a:pPr algn="l">
+              <a:defRPr sz="2000" b="0">
+                <a:solidFill>
+                  <a:srgbClr val="5BA4D9"/>
+                </a:solidFill>
+                <a:latin typeface="Meiryo"/>
+              </a:defRPr>
+            </a:pPr>
+            <a:r>
+              <a:t>12 件のニュース  |  OpenAI, Anthropic, Google, Microsoft, Meta, Other</a:t>
             </a:r>
           </a:p>
         </p:txBody>
@@ -3276,13 +3324,13 @@
         <p:spPr>
           <a:xfrm>
             <a:off x="0" y="0"/>
-            <a:ext cx="12191695" cy="822960"/>
+            <a:ext cx="12191695" cy="777240"/>
           </a:xfrm>
           <a:prstGeom prst="rect">
             <a:avLst/>
           </a:prstGeom>
           <a:solidFill>
-            <a:srgbClr val="005BAB"/>
+            <a:srgbClr val="6C757D"/>
           </a:solidFill>
           <a:ln>
             <a:noFill/>
@@ -3318,8 +3366,8 @@
         </p:nvSpPr>
         <p:spPr>
           <a:xfrm>
-            <a:off x="457200" y="91440"/>
-            <a:ext cx="10972800" cy="640080"/>
+            <a:off x="548640" y="137160"/>
+            <a:ext cx="11094415" cy="502920"/>
           </a:xfrm>
           <a:prstGeom prst="rect">
             <a:avLst/>
@@ -3332,92 +3380,448 @@
           </a:bodyPr>
           <a:lstStyle/>
           <a:p>
+            <a:pPr>
+              <a:defRPr sz="2800" b="1">
+                <a:solidFill>
+                  <a:srgbClr val="FFFFFF"/>
+                </a:solidFill>
+                <a:latin typeface="Meiryo"/>
+              </a:defRPr>
+            </a:pPr>
+            <a:r>
+              <a:t>Other  (5件) (2/3)</a:t>
+            </a:r>
+          </a:p>
+        </p:txBody>
+      </p:sp>
+      <p:sp>
+        <p:nvSpPr>
+          <p:cNvPr id="4" name="TextBox 3"/>
+          <p:cNvSpPr txBox="1"/>
+          <p:nvPr/>
+        </p:nvSpPr>
+        <p:spPr>
+          <a:xfrm>
+            <a:off x="548640" y="6446520"/>
+            <a:ext cx="11094415" cy="320040"/>
+          </a:xfrm>
+          <a:prstGeom prst="rect">
+            <a:avLst/>
+          </a:prstGeom>
+          <a:noFill/>
+        </p:spPr>
+        <p:txBody>
+          <a:bodyPr wrap="none">
+            <a:spAutoFit/>
+          </a:bodyPr>
+          <a:lstStyle/>
+          <a:p>
+            <a:pPr algn="r">
+              <a:defRPr sz="1000">
+                <a:solidFill>
+                  <a:srgbClr val="959595"/>
+                </a:solidFill>
+                <a:latin typeface="Meiryo"/>
+              </a:defRPr>
+            </a:pPr>
+            <a:r>
+              <a:t>AI News Daily Deck  |  2026-02-11  |  Page 9</a:t>
+            </a:r>
+          </a:p>
+        </p:txBody>
+      </p:sp>
+      <p:sp>
+        <p:nvSpPr>
+          <p:cNvPr id="5" name="Rectangle 4"/>
+          <p:cNvSpPr/>
+          <p:nvPr/>
+        </p:nvSpPr>
+        <p:spPr>
+          <a:xfrm>
+            <a:off x="548640" y="1051560"/>
+            <a:ext cx="11094415" cy="2286000"/>
+          </a:xfrm>
+          <a:prstGeom prst="rect">
+            <a:avLst/>
+          </a:prstGeom>
+          <a:solidFill>
+            <a:srgbClr val="F8F9FA"/>
+          </a:solidFill>
+          <a:ln w="6350">
+            <a:solidFill>
+              <a:srgbClr val="E0E0E0"/>
+            </a:solidFill>
+          </a:ln>
+        </p:spPr>
+        <p:style>
+          <a:lnRef idx="1">
+            <a:schemeClr val="accent1"/>
+          </a:lnRef>
+          <a:fillRef idx="3">
+            <a:schemeClr val="accent1"/>
+          </a:fillRef>
+          <a:effectRef idx="2">
+            <a:schemeClr val="accent1"/>
+          </a:effectRef>
+          <a:fontRef idx="minor">
+            <a:schemeClr val="lt1"/>
+          </a:fontRef>
+        </p:style>
+        <p:txBody>
+          <a:bodyPr rtlCol="0" anchor="ctr"/>
+          <a:lstStyle/>
+          <a:p>
+            <a:pPr algn="ctr"/>
+          </a:p>
+        </p:txBody>
+      </p:sp>
+      <p:sp>
+        <p:nvSpPr>
+          <p:cNvPr id="6" name="Rectangle 5"/>
+          <p:cNvSpPr/>
+          <p:nvPr/>
+        </p:nvSpPr>
+        <p:spPr>
+          <a:xfrm>
+            <a:off x="548640" y="1051560"/>
+            <a:ext cx="64008" cy="2286000"/>
+          </a:xfrm>
+          <a:prstGeom prst="rect">
+            <a:avLst/>
+          </a:prstGeom>
+          <a:solidFill>
+            <a:srgbClr val="6C757D"/>
+          </a:solidFill>
+          <a:ln>
+            <a:noFill/>
+          </a:ln>
+        </p:spPr>
+        <p:style>
+          <a:lnRef idx="1">
+            <a:schemeClr val="accent1"/>
+          </a:lnRef>
+          <a:fillRef idx="3">
+            <a:schemeClr val="accent1"/>
+          </a:fillRef>
+          <a:effectRef idx="2">
+            <a:schemeClr val="accent1"/>
+          </a:effectRef>
+          <a:fontRef idx="minor">
+            <a:schemeClr val="lt1"/>
+          </a:fontRef>
+        </p:style>
+        <p:txBody>
+          <a:bodyPr rtlCol="0" anchor="ctr"/>
+          <a:lstStyle/>
+          <a:p>
+            <a:pPr algn="ctr"/>
+          </a:p>
+        </p:txBody>
+      </p:sp>
+      <p:sp>
+        <p:nvSpPr>
+          <p:cNvPr id="7" name="TextBox 6"/>
+          <p:cNvSpPr txBox="1"/>
+          <p:nvPr/>
+        </p:nvSpPr>
+        <p:spPr>
+          <a:xfrm>
+            <a:off x="777240" y="1188720"/>
+            <a:ext cx="10637215" cy="548640"/>
+          </a:xfrm>
+          <a:prstGeom prst="rect">
+            <a:avLst/>
+          </a:prstGeom>
+          <a:noFill/>
+        </p:spPr>
+        <p:txBody>
+          <a:bodyPr wrap="square">
+            <a:spAutoFit/>
+          </a:bodyPr>
+          <a:lstStyle/>
+          <a:p>
             <a:pPr algn="l">
-              <a:defRPr sz="2600" b="1">
-                <a:solidFill>
-                  <a:srgbClr val="FFFFFF"/>
-                </a:solidFill>
-                <a:latin typeface="Meiryo"/>
-              </a:defRPr>
-            </a:pPr>
-            <a:r>
-              <a:t>インフォグラフィック</a:t>
-            </a:r>
-          </a:p>
-        </p:txBody>
-      </p:sp>
-      <p:pic>
-        <p:nvPicPr>
-          <p:cNvPr id="4" name="Picture 3" descr="company_bar.png"/>
-          <p:cNvPicPr>
-            <a:picLocks noChangeAspect="1"/>
-          </p:cNvPicPr>
-          <p:nvPr/>
-        </p:nvPicPr>
-        <p:blipFill>
-          <a:blip r:embed="rId2"/>
-          <a:stretch>
-            <a:fillRect/>
-          </a:stretch>
-        </p:blipFill>
-        <p:spPr>
-          <a:xfrm>
-            <a:off x="274320" y="1005840"/>
-            <a:ext cx="5760720" cy="2743200"/>
-          </a:xfrm>
-          <a:prstGeom prst="rect">
-            <a:avLst/>
-          </a:prstGeom>
-        </p:spPr>
-      </p:pic>
-      <p:pic>
-        <p:nvPicPr>
-          <p:cNvPr id="5" name="Picture 4" descr="category_radar.png"/>
-          <p:cNvPicPr>
-            <a:picLocks noChangeAspect="1"/>
-          </p:cNvPicPr>
-          <p:nvPr/>
-        </p:nvPicPr>
-        <p:blipFill>
-          <a:blip r:embed="rId3"/>
-          <a:stretch>
-            <a:fillRect/>
-          </a:stretch>
-        </p:blipFill>
-        <p:spPr>
-          <a:xfrm>
-            <a:off x="6217920" y="1005840"/>
-            <a:ext cx="5760720" cy="2743200"/>
-          </a:xfrm>
-          <a:prstGeom prst="rect">
-            <a:avLst/>
-          </a:prstGeom>
-        </p:spPr>
-      </p:pic>
-      <p:pic>
-        <p:nvPicPr>
-          <p:cNvPr id="6" name="Picture 5" descr="importance_timeline.png"/>
-          <p:cNvPicPr>
-            <a:picLocks noChangeAspect="1"/>
-          </p:cNvPicPr>
-          <p:nvPr/>
-        </p:nvPicPr>
-        <p:blipFill>
-          <a:blip r:embed="rId4"/>
-          <a:stretch>
-            <a:fillRect/>
-          </a:stretch>
-        </p:blipFill>
-        <p:spPr>
-          <a:xfrm>
-            <a:off x="274320" y="3931920"/>
-            <a:ext cx="5760720" cy="2743200"/>
-          </a:xfrm>
-          <a:prstGeom prst="rect">
-            <a:avLst/>
-          </a:prstGeom>
-        </p:spPr>
-      </p:pic>
+              <a:defRPr sz="2000" b="1">
+                <a:solidFill>
+                  <a:srgbClr val="1A1A2E"/>
+                </a:solidFill>
+                <a:latin typeface="Meiryo"/>
+              </a:defRPr>
+            </a:pPr>
+            <a:r>
+              <a:t>★★★☆☆  コロラド州AI規制、実施を6月末まで延期 - 連邦・州の対立深まる</a:t>
+            </a:r>
+          </a:p>
+        </p:txBody>
+      </p:sp>
+      <p:sp>
+        <p:nvSpPr>
+          <p:cNvPr id="8" name="TextBox 7"/>
+          <p:cNvSpPr txBox="1"/>
+          <p:nvPr/>
+        </p:nvSpPr>
+        <p:spPr>
+          <a:xfrm>
+            <a:off x="777240" y="1737360"/>
+            <a:ext cx="10637215" cy="1188720"/>
+          </a:xfrm>
+          <a:prstGeom prst="rect">
+            <a:avLst/>
+          </a:prstGeom>
+          <a:noFill/>
+        </p:spPr>
+        <p:txBody>
+          <a:bodyPr wrap="square">
+            <a:normAutofit/>
+          </a:bodyPr>
+          <a:lstStyle/>
+          <a:p>
+            <a:pPr algn="l">
+              <a:defRPr sz="1600" b="0">
+                <a:solidFill>
+                  <a:srgbClr val="1A1A2E"/>
+                </a:solidFill>
+                <a:latin typeface="Meiryo"/>
+              </a:defRPr>
+            </a:pPr>
+            <a:r>
+              <a:t>コロラド州は2月1日予定だったAI規制実施を6月30日まで延期。連邦政府は3月11日までに「負担の大きい」州法リストを公表予定で、連邦と州の規制対立が激化。高リスクAIシステムの開発者・利用者に対するリスク管理・差別緩和義務が焦点。</a:t>
+            </a:r>
+          </a:p>
+        </p:txBody>
+      </p:sp>
+      <p:sp>
+        <p:nvSpPr>
+          <p:cNvPr id="9" name="TextBox 8"/>
+          <p:cNvSpPr txBox="1"/>
+          <p:nvPr/>
+        </p:nvSpPr>
+        <p:spPr>
+          <a:xfrm>
+            <a:off x="777240" y="3017520"/>
+            <a:ext cx="10637215" cy="274320"/>
+          </a:xfrm>
+          <a:prstGeom prst="rect">
+            <a:avLst/>
+          </a:prstGeom>
+          <a:noFill/>
+        </p:spPr>
+        <p:txBody>
+          <a:bodyPr wrap="square">
+            <a:spAutoFit/>
+          </a:bodyPr>
+          <a:lstStyle/>
+          <a:p>
+            <a:pPr algn="l">
+              <a:defRPr sz="1100" b="0">
+                <a:solidFill>
+                  <a:srgbClr val="959595"/>
+                </a:solidFill>
+                <a:latin typeface="Meiryo"/>
+              </a:defRPr>
+            </a:pPr>
+            <a:r>
+              <a:t>Policy    |    National Law Review</a:t>
+            </a:r>
+          </a:p>
+        </p:txBody>
+      </p:sp>
+      <p:sp>
+        <p:nvSpPr>
+          <p:cNvPr id="10" name="Rectangle 9"/>
+          <p:cNvSpPr/>
+          <p:nvPr/>
+        </p:nvSpPr>
+        <p:spPr>
+          <a:xfrm>
+            <a:off x="548640" y="3657600"/>
+            <a:ext cx="11094415" cy="2286000"/>
+          </a:xfrm>
+          <a:prstGeom prst="rect">
+            <a:avLst/>
+          </a:prstGeom>
+          <a:solidFill>
+            <a:srgbClr val="F8F9FA"/>
+          </a:solidFill>
+          <a:ln w="6350">
+            <a:solidFill>
+              <a:srgbClr val="E0E0E0"/>
+            </a:solidFill>
+          </a:ln>
+        </p:spPr>
+        <p:style>
+          <a:lnRef idx="1">
+            <a:schemeClr val="accent1"/>
+          </a:lnRef>
+          <a:fillRef idx="3">
+            <a:schemeClr val="accent1"/>
+          </a:fillRef>
+          <a:effectRef idx="2">
+            <a:schemeClr val="accent1"/>
+          </a:effectRef>
+          <a:fontRef idx="minor">
+            <a:schemeClr val="lt1"/>
+          </a:fontRef>
+        </p:style>
+        <p:txBody>
+          <a:bodyPr rtlCol="0" anchor="ctr"/>
+          <a:lstStyle/>
+          <a:p>
+            <a:pPr algn="ctr"/>
+          </a:p>
+        </p:txBody>
+      </p:sp>
+      <p:sp>
+        <p:nvSpPr>
+          <p:cNvPr id="11" name="Rectangle 10"/>
+          <p:cNvSpPr/>
+          <p:nvPr/>
+        </p:nvSpPr>
+        <p:spPr>
+          <a:xfrm>
+            <a:off x="548640" y="3657600"/>
+            <a:ext cx="64008" cy="2286000"/>
+          </a:xfrm>
+          <a:prstGeom prst="rect">
+            <a:avLst/>
+          </a:prstGeom>
+          <a:solidFill>
+            <a:srgbClr val="6C757D"/>
+          </a:solidFill>
+          <a:ln>
+            <a:noFill/>
+          </a:ln>
+        </p:spPr>
+        <p:style>
+          <a:lnRef idx="1">
+            <a:schemeClr val="accent1"/>
+          </a:lnRef>
+          <a:fillRef idx="3">
+            <a:schemeClr val="accent1"/>
+          </a:fillRef>
+          <a:effectRef idx="2">
+            <a:schemeClr val="accent1"/>
+          </a:effectRef>
+          <a:fontRef idx="minor">
+            <a:schemeClr val="lt1"/>
+          </a:fontRef>
+        </p:style>
+        <p:txBody>
+          <a:bodyPr rtlCol="0" anchor="ctr"/>
+          <a:lstStyle/>
+          <a:p>
+            <a:pPr algn="ctr"/>
+          </a:p>
+        </p:txBody>
+      </p:sp>
+      <p:sp>
+        <p:nvSpPr>
+          <p:cNvPr id="12" name="TextBox 11"/>
+          <p:cNvSpPr txBox="1"/>
+          <p:nvPr/>
+        </p:nvSpPr>
+        <p:spPr>
+          <a:xfrm>
+            <a:off x="777240" y="3794760"/>
+            <a:ext cx="10637215" cy="548640"/>
+          </a:xfrm>
+          <a:prstGeom prst="rect">
+            <a:avLst/>
+          </a:prstGeom>
+          <a:noFill/>
+        </p:spPr>
+        <p:txBody>
+          <a:bodyPr wrap="square">
+            <a:spAutoFit/>
+          </a:bodyPr>
+          <a:lstStyle/>
+          <a:p>
+            <a:pPr algn="l">
+              <a:defRPr sz="2000" b="1">
+                <a:solidFill>
+                  <a:srgbClr val="1A1A2E"/>
+                </a:solidFill>
+                <a:latin typeface="Meiryo"/>
+              </a:defRPr>
+            </a:pPr>
+            <a:r>
+              <a:t>★★★☆☆  Adobe Firefly、無制限AI生成を有料プランで提供開始 - 月額クレジット制限撤廃</a:t>
+            </a:r>
+          </a:p>
+        </p:txBody>
+      </p:sp>
+      <p:sp>
+        <p:nvSpPr>
+          <p:cNvPr id="13" name="TextBox 12"/>
+          <p:cNvSpPr txBox="1"/>
+          <p:nvPr/>
+        </p:nvSpPr>
+        <p:spPr>
+          <a:xfrm>
+            <a:off x="777240" y="4343400"/>
+            <a:ext cx="10637215" cy="1188720"/>
+          </a:xfrm>
+          <a:prstGeom prst="rect">
+            <a:avLst/>
+          </a:prstGeom>
+          <a:noFill/>
+        </p:spPr>
+        <p:txBody>
+          <a:bodyPr wrap="square">
+            <a:normAutofit/>
+          </a:bodyPr>
+          <a:lstStyle/>
+          <a:p>
+            <a:pPr algn="l">
+              <a:defRPr sz="1600" b="0">
+                <a:solidFill>
+                  <a:srgbClr val="1A1A2E"/>
+                </a:solidFill>
+                <a:latin typeface="Meiryo"/>
+              </a:defRPr>
+            </a:pPr>
+            <a:r>
+              <a:t>Adobeは2026年、Fireflyの有料サブスクライバー向けに無制限AI画像・動画生成を提供開始。従来の月間クレジット上限を撤廃し、プロクリエイター向けの利用制限を解消。競合Midjourney、Stable Diffusionとの差別化を図る。</a:t>
+            </a:r>
+          </a:p>
+        </p:txBody>
+      </p:sp>
+      <p:sp>
+        <p:nvSpPr>
+          <p:cNvPr id="14" name="TextBox 13"/>
+          <p:cNvSpPr txBox="1"/>
+          <p:nvPr/>
+        </p:nvSpPr>
+        <p:spPr>
+          <a:xfrm>
+            <a:off x="777240" y="5623560"/>
+            <a:ext cx="10637215" cy="274320"/>
+          </a:xfrm>
+          <a:prstGeom prst="rect">
+            <a:avLst/>
+          </a:prstGeom>
+          <a:noFill/>
+        </p:spPr>
+        <p:txBody>
+          <a:bodyPr wrap="square">
+            <a:spAutoFit/>
+          </a:bodyPr>
+          <a:lstStyle/>
+          <a:p>
+            <a:pPr algn="l">
+              <a:defRPr sz="1100" b="0">
+                <a:solidFill>
+                  <a:srgbClr val="959595"/>
+                </a:solidFill>
+                <a:latin typeface="Meiryo"/>
+              </a:defRPr>
+            </a:pPr>
+            <a:r>
+              <a:t>Image    |    Digital Watch Observatory</a:t>
+            </a:r>
+          </a:p>
+        </p:txBody>
+      </p:sp>
     </p:spTree>
   </p:cSld>
   <p:clrMapOvr>
@@ -3445,7 +3849,336 @@
         <p:spPr>
           <a:xfrm>
             <a:off x="0" y="0"/>
-            <a:ext cx="12191695" cy="822960"/>
+            <a:ext cx="12191695" cy="777240"/>
+          </a:xfrm>
+          <a:prstGeom prst="rect">
+            <a:avLst/>
+          </a:prstGeom>
+          <a:solidFill>
+            <a:srgbClr val="6C757D"/>
+          </a:solidFill>
+          <a:ln>
+            <a:noFill/>
+          </a:ln>
+        </p:spPr>
+        <p:style>
+          <a:lnRef idx="1">
+            <a:schemeClr val="accent1"/>
+          </a:lnRef>
+          <a:fillRef idx="3">
+            <a:schemeClr val="accent1"/>
+          </a:fillRef>
+          <a:effectRef idx="2">
+            <a:schemeClr val="accent1"/>
+          </a:effectRef>
+          <a:fontRef idx="minor">
+            <a:schemeClr val="lt1"/>
+          </a:fontRef>
+        </p:style>
+        <p:txBody>
+          <a:bodyPr rtlCol="0" anchor="ctr"/>
+          <a:lstStyle/>
+          <a:p>
+            <a:pPr algn="ctr"/>
+          </a:p>
+        </p:txBody>
+      </p:sp>
+      <p:sp>
+        <p:nvSpPr>
+          <p:cNvPr id="3" name="TextBox 2"/>
+          <p:cNvSpPr txBox="1"/>
+          <p:nvPr/>
+        </p:nvSpPr>
+        <p:spPr>
+          <a:xfrm>
+            <a:off x="548640" y="137160"/>
+            <a:ext cx="11094415" cy="502920"/>
+          </a:xfrm>
+          <a:prstGeom prst="rect">
+            <a:avLst/>
+          </a:prstGeom>
+          <a:noFill/>
+        </p:spPr>
+        <p:txBody>
+          <a:bodyPr wrap="square">
+            <a:spAutoFit/>
+          </a:bodyPr>
+          <a:lstStyle/>
+          <a:p>
+            <a:pPr>
+              <a:defRPr sz="2800" b="1">
+                <a:solidFill>
+                  <a:srgbClr val="FFFFFF"/>
+                </a:solidFill>
+                <a:latin typeface="Meiryo"/>
+              </a:defRPr>
+            </a:pPr>
+            <a:r>
+              <a:t>Other  (5件) (3/3)</a:t>
+            </a:r>
+          </a:p>
+        </p:txBody>
+      </p:sp>
+      <p:sp>
+        <p:nvSpPr>
+          <p:cNvPr id="4" name="TextBox 3"/>
+          <p:cNvSpPr txBox="1"/>
+          <p:nvPr/>
+        </p:nvSpPr>
+        <p:spPr>
+          <a:xfrm>
+            <a:off x="548640" y="6446520"/>
+            <a:ext cx="11094415" cy="320040"/>
+          </a:xfrm>
+          <a:prstGeom prst="rect">
+            <a:avLst/>
+          </a:prstGeom>
+          <a:noFill/>
+        </p:spPr>
+        <p:txBody>
+          <a:bodyPr wrap="none">
+            <a:spAutoFit/>
+          </a:bodyPr>
+          <a:lstStyle/>
+          <a:p>
+            <a:pPr algn="r">
+              <a:defRPr sz="1000">
+                <a:solidFill>
+                  <a:srgbClr val="959595"/>
+                </a:solidFill>
+                <a:latin typeface="Meiryo"/>
+              </a:defRPr>
+            </a:pPr>
+            <a:r>
+              <a:t>AI News Daily Deck  |  2026-02-11  |  Page 10</a:t>
+            </a:r>
+          </a:p>
+        </p:txBody>
+      </p:sp>
+      <p:sp>
+        <p:nvSpPr>
+          <p:cNvPr id="5" name="Rectangle 4"/>
+          <p:cNvSpPr/>
+          <p:nvPr/>
+        </p:nvSpPr>
+        <p:spPr>
+          <a:xfrm>
+            <a:off x="548640" y="1051560"/>
+            <a:ext cx="11094415" cy="4114800"/>
+          </a:xfrm>
+          <a:prstGeom prst="rect">
+            <a:avLst/>
+          </a:prstGeom>
+          <a:solidFill>
+            <a:srgbClr val="F8F9FA"/>
+          </a:solidFill>
+          <a:ln w="6350">
+            <a:solidFill>
+              <a:srgbClr val="E0E0E0"/>
+            </a:solidFill>
+          </a:ln>
+        </p:spPr>
+        <p:style>
+          <a:lnRef idx="1">
+            <a:schemeClr val="accent1"/>
+          </a:lnRef>
+          <a:fillRef idx="3">
+            <a:schemeClr val="accent1"/>
+          </a:fillRef>
+          <a:effectRef idx="2">
+            <a:schemeClr val="accent1"/>
+          </a:effectRef>
+          <a:fontRef idx="minor">
+            <a:schemeClr val="lt1"/>
+          </a:fontRef>
+        </p:style>
+        <p:txBody>
+          <a:bodyPr rtlCol="0" anchor="ctr"/>
+          <a:lstStyle/>
+          <a:p>
+            <a:pPr algn="ctr"/>
+          </a:p>
+        </p:txBody>
+      </p:sp>
+      <p:sp>
+        <p:nvSpPr>
+          <p:cNvPr id="6" name="Rectangle 5"/>
+          <p:cNvSpPr/>
+          <p:nvPr/>
+        </p:nvSpPr>
+        <p:spPr>
+          <a:xfrm>
+            <a:off x="548640" y="1051560"/>
+            <a:ext cx="64008" cy="4114800"/>
+          </a:xfrm>
+          <a:prstGeom prst="rect">
+            <a:avLst/>
+          </a:prstGeom>
+          <a:solidFill>
+            <a:srgbClr val="6C757D"/>
+          </a:solidFill>
+          <a:ln>
+            <a:noFill/>
+          </a:ln>
+        </p:spPr>
+        <p:style>
+          <a:lnRef idx="1">
+            <a:schemeClr val="accent1"/>
+          </a:lnRef>
+          <a:fillRef idx="3">
+            <a:schemeClr val="accent1"/>
+          </a:fillRef>
+          <a:effectRef idx="2">
+            <a:schemeClr val="accent1"/>
+          </a:effectRef>
+          <a:fontRef idx="minor">
+            <a:schemeClr val="lt1"/>
+          </a:fontRef>
+        </p:style>
+        <p:txBody>
+          <a:bodyPr rtlCol="0" anchor="ctr"/>
+          <a:lstStyle/>
+          <a:p>
+            <a:pPr algn="ctr"/>
+          </a:p>
+        </p:txBody>
+      </p:sp>
+      <p:sp>
+        <p:nvSpPr>
+          <p:cNvPr id="7" name="TextBox 6"/>
+          <p:cNvSpPr txBox="1"/>
+          <p:nvPr/>
+        </p:nvSpPr>
+        <p:spPr>
+          <a:xfrm>
+            <a:off x="777240" y="1188720"/>
+            <a:ext cx="10637215" cy="548640"/>
+          </a:xfrm>
+          <a:prstGeom prst="rect">
+            <a:avLst/>
+          </a:prstGeom>
+          <a:noFill/>
+        </p:spPr>
+        <p:txBody>
+          <a:bodyPr wrap="square">
+            <a:spAutoFit/>
+          </a:bodyPr>
+          <a:lstStyle/>
+          <a:p>
+            <a:pPr algn="l">
+              <a:defRPr sz="2000" b="1">
+                <a:solidFill>
+                  <a:srgbClr val="1A1A2E"/>
+                </a:solidFill>
+                <a:latin typeface="Meiryo"/>
+              </a:defRPr>
+            </a:pPr>
+            <a:r>
+              <a:t>★★★☆☆  EPFL研究チーム、AI動画生成の「ドリフト問題」解決 - 無制限時間動画が可能に</a:t>
+            </a:r>
+          </a:p>
+        </p:txBody>
+      </p:sp>
+      <p:sp>
+        <p:nvSpPr>
+          <p:cNvPr id="8" name="TextBox 7"/>
+          <p:cNvSpPr txBox="1"/>
+          <p:nvPr/>
+        </p:nvSpPr>
+        <p:spPr>
+          <a:xfrm>
+            <a:off x="777240" y="1737360"/>
+            <a:ext cx="10637215" cy="3017520"/>
+          </a:xfrm>
+          <a:prstGeom prst="rect">
+            <a:avLst/>
+          </a:prstGeom>
+          <a:noFill/>
+        </p:spPr>
+        <p:txBody>
+          <a:bodyPr wrap="square">
+            <a:normAutofit/>
+          </a:bodyPr>
+          <a:lstStyle/>
+          <a:p>
+            <a:pPr algn="l">
+              <a:defRPr sz="1600" b="0">
+                <a:solidFill>
+                  <a:srgbClr val="1A1A2E"/>
+                </a:solidFill>
+                <a:latin typeface="Meiryo"/>
+              </a:defRPr>
+            </a:pPr>
+            <a:r>
+              <a:t>スイス連邦工科大学ローザンヌ校（EPFL）の研究チームが、AI動画生成における「ドリフト問題」（時間経過で品質劣化）を解決する新手法を開発。Stable Video Infinity（SVI）システムで数分以上の高品質動画生成が可能に。</a:t>
+            </a:r>
+          </a:p>
+        </p:txBody>
+      </p:sp>
+      <p:sp>
+        <p:nvSpPr>
+          <p:cNvPr id="9" name="TextBox 8"/>
+          <p:cNvSpPr txBox="1"/>
+          <p:nvPr/>
+        </p:nvSpPr>
+        <p:spPr>
+          <a:xfrm>
+            <a:off x="777240" y="4846320"/>
+            <a:ext cx="10637215" cy="274320"/>
+          </a:xfrm>
+          <a:prstGeom prst="rect">
+            <a:avLst/>
+          </a:prstGeom>
+          <a:noFill/>
+        </p:spPr>
+        <p:txBody>
+          <a:bodyPr wrap="square">
+            <a:spAutoFit/>
+          </a:bodyPr>
+          <a:lstStyle/>
+          <a:p>
+            <a:pPr algn="l">
+              <a:defRPr sz="1100" b="0">
+                <a:solidFill>
+                  <a:srgbClr val="959595"/>
+                </a:solidFill>
+                <a:latin typeface="Meiryo"/>
+              </a:defRPr>
+            </a:pPr>
+            <a:r>
+              <a:t>Video    |    Tech Xplore</a:t>
+            </a:r>
+          </a:p>
+        </p:txBody>
+      </p:sp>
+    </p:spTree>
+  </p:cSld>
+  <p:clrMapOvr>
+    <a:masterClrMapping/>
+  </p:clrMapOvr>
+</p:sld>
+</file>
+
+<file path=ppt/slides/slide12.xml><?xml version="1.0" encoding="utf-8"?>
+<p:sld xmlns:a="http://schemas.openxmlformats.org/drawingml/2006/main" xmlns:p="http://schemas.openxmlformats.org/presentationml/2006/main" xmlns:r="http://schemas.openxmlformats.org/officeDocument/2006/relationships">
+  <p:cSld>
+    <p:spTree>
+      <p:nvGrpSpPr>
+        <p:cNvPr id="1" name=""/>
+        <p:cNvGrpSpPr/>
+        <p:nvPr/>
+      </p:nvGrpSpPr>
+      <p:grpSpPr/>
+      <p:sp>
+        <p:nvSpPr>
+          <p:cNvPr id="2" name="Rectangle 1"/>
+          <p:cNvSpPr/>
+          <p:nvPr/>
+        </p:nvSpPr>
+        <p:spPr>
+          <a:xfrm>
+            <a:off x="0" y="0"/>
+            <a:ext cx="12191695" cy="777240"/>
           </a:xfrm>
           <a:prstGeom prst="rect">
             <a:avLst/>
@@ -3487,8 +4220,8 @@
         </p:nvSpPr>
         <p:spPr>
           <a:xfrm>
-            <a:off x="457200" y="91440"/>
-            <a:ext cx="10972800" cy="640080"/>
+            <a:off x="548640" y="137160"/>
+            <a:ext cx="11094415" cy="502920"/>
           </a:xfrm>
           <a:prstGeom prst="rect">
             <a:avLst/>
@@ -3501,8 +4234,8 @@
           </a:bodyPr>
           <a:lstStyle/>
           <a:p>
-            <a:pPr algn="l">
-              <a:defRPr sz="2600" b="1">
+            <a:pPr>
+              <a:defRPr sz="2800" b="1">
                 <a:solidFill>
                   <a:srgbClr val="FFFFFF"/>
                 </a:solidFill>
@@ -3510,7 +4243,7 @@
               </a:defRPr>
             </a:pPr>
             <a:r>
-              <a:t>Sources (引用元一覧)</a:t>
+              <a:t>日本市場動向</a:t>
             </a:r>
           </a:p>
         </p:txBody>
@@ -3523,8 +4256,141 @@
         </p:nvSpPr>
         <p:spPr>
           <a:xfrm>
-            <a:off x="640080" y="1097280"/>
-            <a:ext cx="10515600" cy="5303520"/>
+            <a:off x="548640" y="6446520"/>
+            <a:ext cx="11094415" cy="320040"/>
+          </a:xfrm>
+          <a:prstGeom prst="rect">
+            <a:avLst/>
+          </a:prstGeom>
+          <a:noFill/>
+        </p:spPr>
+        <p:txBody>
+          <a:bodyPr wrap="none">
+            <a:spAutoFit/>
+          </a:bodyPr>
+          <a:lstStyle/>
+          <a:p>
+            <a:pPr algn="r">
+              <a:defRPr sz="1000">
+                <a:solidFill>
+                  <a:srgbClr val="959595"/>
+                </a:solidFill>
+                <a:latin typeface="Meiryo"/>
+              </a:defRPr>
+            </a:pPr>
+            <a:r>
+              <a:t>AI News Daily Deck  |  2026-02-11  |  Page 11</a:t>
+            </a:r>
+          </a:p>
+        </p:txBody>
+      </p:sp>
+      <p:sp>
+        <p:nvSpPr>
+          <p:cNvPr id="5" name="TextBox 4"/>
+          <p:cNvSpPr txBox="1"/>
+          <p:nvPr/>
+        </p:nvSpPr>
+        <p:spPr>
+          <a:xfrm>
+            <a:off x="548640" y="1051560"/>
+            <a:ext cx="11094415" cy="4937760"/>
+          </a:xfrm>
+          <a:prstGeom prst="rect">
+            <a:avLst/>
+          </a:prstGeom>
+          <a:noFill/>
+        </p:spPr>
+        <p:txBody>
+          <a:bodyPr wrap="square">
+            <a:normAutofit/>
+          </a:bodyPr>
+          <a:lstStyle/>
+          <a:p>
+            <a:pPr algn="l">
+              <a:defRPr sz="1800" b="0">
+                <a:solidFill>
+                  <a:srgbClr val="1A1A2E"/>
+                </a:solidFill>
+                <a:latin typeface="Meiryo"/>
+              </a:defRPr>
+            </a:pPr>
+            <a:r>
+              <a:t>日本市場では生成AI活用が企業の実証実験から本格導入フェーズへ移行。経済産業省が2026年1月に発表した「AI活用ガイドライン2.0」により、製造業・金融・医療での利用基準が明確化。しかし、日本独自の大規模言語モデル開発は依然として海外勢に後れを取る。NTT、富士通、NECが共同で「日本版基盤モデル」開発を進めるが、OpenAI・Anthropic・Googleとの性能差は顕著。一方、Runway、Adobe Fireflyなどのクリエイティブツールは日本のコンテンツ産業で急速に普及。アニメ・ゲーム制作での活用事例が増加し、制作効率が大幅向上。規制面では個人情報保護委員会がAI学習データの透明性要求を強化し、企業は対応コスト増大に直面。日本企業の戦略は「自社開発」から「海外AIの活用・統合」へシフトする傾向が明確に。</a:t>
+            </a:r>
+          </a:p>
+        </p:txBody>
+      </p:sp>
+    </p:spTree>
+  </p:cSld>
+  <p:clrMapOvr>
+    <a:masterClrMapping/>
+  </p:clrMapOvr>
+</p:sld>
+</file>
+
+<file path=ppt/slides/slide13.xml><?xml version="1.0" encoding="utf-8"?>
+<p:sld xmlns:a="http://schemas.openxmlformats.org/drawingml/2006/main" xmlns:p="http://schemas.openxmlformats.org/presentationml/2006/main" xmlns:r="http://schemas.openxmlformats.org/officeDocument/2006/relationships">
+  <p:cSld>
+    <p:spTree>
+      <p:nvGrpSpPr>
+        <p:cNvPr id="1" name=""/>
+        <p:cNvGrpSpPr/>
+        <p:nvPr/>
+      </p:nvGrpSpPr>
+      <p:grpSpPr/>
+      <p:sp>
+        <p:nvSpPr>
+          <p:cNvPr id="2" name="Rectangle 1"/>
+          <p:cNvSpPr/>
+          <p:nvPr/>
+        </p:nvSpPr>
+        <p:spPr>
+          <a:xfrm>
+            <a:off x="0" y="0"/>
+            <a:ext cx="12191695" cy="777240"/>
+          </a:xfrm>
+          <a:prstGeom prst="rect">
+            <a:avLst/>
+          </a:prstGeom>
+          <a:solidFill>
+            <a:srgbClr val="005BAB"/>
+          </a:solidFill>
+          <a:ln>
+            <a:noFill/>
+          </a:ln>
+        </p:spPr>
+        <p:style>
+          <a:lnRef idx="1">
+            <a:schemeClr val="accent1"/>
+          </a:lnRef>
+          <a:fillRef idx="3">
+            <a:schemeClr val="accent1"/>
+          </a:fillRef>
+          <a:effectRef idx="2">
+            <a:schemeClr val="accent1"/>
+          </a:effectRef>
+          <a:fontRef idx="minor">
+            <a:schemeClr val="lt1"/>
+          </a:fontRef>
+        </p:style>
+        <p:txBody>
+          <a:bodyPr rtlCol="0" anchor="ctr"/>
+          <a:lstStyle/>
+          <a:p>
+            <a:pPr algn="ctr"/>
+          </a:p>
+        </p:txBody>
+      </p:sp>
+      <p:sp>
+        <p:nvSpPr>
+          <p:cNvPr id="3" name="TextBox 2"/>
+          <p:cNvSpPr txBox="1"/>
+          <p:nvPr/>
+        </p:nvSpPr>
+        <p:spPr>
+          <a:xfrm>
+            <a:off x="548640" y="137160"/>
+            <a:ext cx="11094415" cy="502920"/>
           </a:xfrm>
           <a:prstGeom prst="rect">
             <a:avLst/>
@@ -3537,219 +4403,151 @@
           </a:bodyPr>
           <a:lstStyle/>
           <a:p>
-            <a:pPr algn="l">
-              <a:defRPr sz="1100" b="0">
-                <a:solidFill>
-                  <a:srgbClr val="4A4A6A"/>
-                </a:solidFill>
-                <a:latin typeface="Meiryo"/>
-              </a:defRPr>
-            </a:pPr>
-          </a:p>
-          <a:p>
             <a:pPr>
-              <a:spcBef>
-                <a:spcPts val="300"/>
-              </a:spcBef>
-              <a:defRPr sz="1100" b="0">
-                <a:solidFill>
-                  <a:srgbClr val="4A4A6A"/>
-                </a:solidFill>
-                <a:latin typeface="Meiryo"/>
-              </a:defRPr>
-            </a:pPr>
-            <a:r>
-              <a:t>NBC News: https://www.nbcnews.com/tech/internet/openai-starts-testing-ads-chatgpt-rcna258242</a:t>
-            </a:r>
-          </a:p>
-          <a:p>
-            <a:pPr>
-              <a:spcBef>
-                <a:spcPts val="300"/>
-              </a:spcBef>
-              <a:defRPr sz="1100" b="0">
-                <a:solidFill>
-                  <a:srgbClr val="4A4A6A"/>
-                </a:solidFill>
-                <a:latin typeface="Meiryo"/>
-              </a:defRPr>
-            </a:pPr>
-            <a:r>
-              <a:t>Intellizence: https://intellizence.com/insights/startup-funding/startup-funding-trends-january-2026-ai-infrastructure-and-robotics/</a:t>
-            </a:r>
-          </a:p>
-          <a:p>
-            <a:pPr>
-              <a:spcBef>
-                <a:spcPts val="300"/>
-              </a:spcBef>
-              <a:defRPr sz="1100" b="0">
-                <a:solidFill>
-                  <a:srgbClr val="4A4A6A"/>
-                </a:solidFill>
-                <a:latin typeface="Meiryo"/>
-              </a:defRPr>
-            </a:pPr>
-            <a:r>
-              <a:t>Tech Xplore: https://techxplore.com/news/2026-02-ai-limits-generative-video.html</a:t>
-            </a:r>
-          </a:p>
-          <a:p>
-            <a:pPr>
-              <a:spcBef>
-                <a:spcPts val="300"/>
-              </a:spcBef>
-              <a:defRPr sz="1100" b="0">
-                <a:solidFill>
-                  <a:srgbClr val="4A4A6A"/>
-                </a:solidFill>
-                <a:latin typeface="Meiryo"/>
-              </a:defRPr>
-            </a:pPr>
-            <a:r>
-              <a:t>National Law Review: https://natlawreview.com/article/2026-outlook-artificial-intelligence</a:t>
-            </a:r>
-          </a:p>
-          <a:p>
-            <a:pPr>
-              <a:spcBef>
-                <a:spcPts val="300"/>
-              </a:spcBef>
-              <a:defRPr sz="1100" b="0">
-                <a:solidFill>
-                  <a:srgbClr val="4A4A6A"/>
-                </a:solidFill>
-                <a:latin typeface="Meiryo"/>
-              </a:defRPr>
-            </a:pPr>
-            <a:r>
-              <a:t>Medium: https://medium.com/@urano10/the-future-of-ai-models-in-2026-whats-actually-coming-410141f3c979</a:t>
-            </a:r>
-          </a:p>
-          <a:p>
-            <a:pPr>
-              <a:spcBef>
-                <a:spcPts val="300"/>
-              </a:spcBef>
-              <a:defRPr sz="1100" b="0">
-                <a:solidFill>
-                  <a:srgbClr val="4A4A6A"/>
-                </a:solidFill>
-                <a:latin typeface="Meiryo"/>
-              </a:defRPr>
-            </a:pPr>
-            <a:r>
-              <a:t>DigiTimes: https://www.digitimes.com/news/a20251215PD230/meta-ai-llm-llama-development.html</a:t>
-            </a:r>
-          </a:p>
-          <a:p>
-            <a:pPr>
-              <a:spcBef>
-                <a:spcPts val="300"/>
-              </a:spcBef>
-              <a:defRPr sz="1100" b="0">
-                <a:solidFill>
-                  <a:srgbClr val="4A4A6A"/>
-                </a:solidFill>
-                <a:latin typeface="Meiryo"/>
-              </a:defRPr>
-            </a:pPr>
-            <a:r>
-              <a:t>TechCrunch: https://techcrunch.com/2026/02/10/ai-video-startup-runway-raises-315m-at-5-3b-valuation-eyes-more-capable-world-models/</a:t>
-            </a:r>
-          </a:p>
-          <a:p>
-            <a:pPr>
-              <a:spcBef>
-                <a:spcPts val="300"/>
-              </a:spcBef>
-              <a:defRPr sz="1100" b="0">
-                <a:solidFill>
-                  <a:srgbClr val="4A4A6A"/>
-                </a:solidFill>
-                <a:latin typeface="Meiryo"/>
-              </a:defRPr>
-            </a:pPr>
-            <a:r>
-              <a:t>Axios: https://www.axios.com/2026/02/10/ai-ceo-feuds-openai-anthropic-google</a:t>
-            </a:r>
-          </a:p>
-          <a:p>
-            <a:pPr>
-              <a:spcBef>
-                <a:spcPts val="300"/>
-              </a:spcBef>
-              <a:defRPr sz="1100" b="0">
-                <a:solidFill>
-                  <a:srgbClr val="4A4A6A"/>
-                </a:solidFill>
-                <a:latin typeface="Meiryo"/>
-              </a:defRPr>
-            </a:pPr>
-            <a:r>
-              <a:t>MIT Technology Review: https://www.technologyreview.com/2026/01/05/1130662/whats-next-for-ai-in-2026/</a:t>
-            </a:r>
-          </a:p>
-          <a:p>
-            <a:pPr>
-              <a:spcBef>
-                <a:spcPts val="300"/>
-              </a:spcBef>
-              <a:defRPr sz="1100" b="0">
-                <a:solidFill>
-                  <a:srgbClr val="4A4A6A"/>
-                </a:solidFill>
-                <a:latin typeface="Meiryo"/>
-              </a:defRPr>
-            </a:pPr>
-            <a:r>
-              <a:t>TechCrunch: https://techcrunch.com/2026/01/02/in-2026-ai-will-move-from-hype-to-pragmatism/</a:t>
-            </a:r>
-          </a:p>
-          <a:p>
-            <a:pPr>
-              <a:spcBef>
-                <a:spcPts val="300"/>
-              </a:spcBef>
-              <a:defRPr sz="1100" b="0">
-                <a:solidFill>
-                  <a:srgbClr val="4A4A6A"/>
-                </a:solidFill>
-                <a:latin typeface="Meiryo"/>
-              </a:defRPr>
-            </a:pPr>
-            <a:r>
-              <a:t>Digital Watch Observatory: https://dig.watch/updates/adobe-firefly-unlocks-powerful-unlimited-ai-generation-in-2026</a:t>
-            </a:r>
-          </a:p>
-          <a:p>
-            <a:pPr>
-              <a:spcBef>
-                <a:spcPts val="300"/>
-              </a:spcBef>
-              <a:defRPr sz="1100" b="0">
-                <a:solidFill>
-                  <a:srgbClr val="4A4A6A"/>
-                </a:solidFill>
-                <a:latin typeface="Meiryo"/>
-              </a:defRPr>
-            </a:pPr>
-            <a:r>
-              <a:t>InfoQ: https://www.infoq.com/news/2026/01/microsoft-llm-contextual-privacy/</a:t>
-            </a:r>
-          </a:p>
-        </p:txBody>
-      </p:sp>
-      <p:sp>
-        <p:nvSpPr>
-          <p:cNvPr id="5" name="TextBox 4"/>
+              <a:defRPr sz="2800" b="1">
+                <a:solidFill>
+                  <a:srgbClr val="FFFFFF"/>
+                </a:solidFill>
+                <a:latin typeface="Meiryo"/>
+              </a:defRPr>
+            </a:pPr>
+            <a:r>
+              <a:t>企業別ニュース件数</a:t>
+            </a:r>
+          </a:p>
+        </p:txBody>
+      </p:sp>
+      <p:sp>
+        <p:nvSpPr>
+          <p:cNvPr id="4" name="TextBox 3"/>
           <p:cNvSpPr txBox="1"/>
           <p:nvPr/>
         </p:nvSpPr>
         <p:spPr>
           <a:xfrm>
-            <a:off x="914400" y="6400800"/>
-            <a:ext cx="10058400" cy="365760"/>
+            <a:off x="548640" y="6446520"/>
+            <a:ext cx="11094415" cy="320040"/>
+          </a:xfrm>
+          <a:prstGeom prst="rect">
+            <a:avLst/>
+          </a:prstGeom>
+          <a:noFill/>
+        </p:spPr>
+        <p:txBody>
+          <a:bodyPr wrap="none">
+            <a:spAutoFit/>
+          </a:bodyPr>
+          <a:lstStyle/>
+          <a:p>
+            <a:pPr algn="r">
+              <a:defRPr sz="1000">
+                <a:solidFill>
+                  <a:srgbClr val="959595"/>
+                </a:solidFill>
+                <a:latin typeface="Meiryo"/>
+              </a:defRPr>
+            </a:pPr>
+            <a:r>
+              <a:t>AI News Daily Deck  |  2026-02-11  |  Page 12</a:t>
+            </a:r>
+          </a:p>
+        </p:txBody>
+      </p:sp>
+      <p:pic>
+        <p:nvPicPr>
+          <p:cNvPr id="5" name="Picture 4" descr="company_bar.png"/>
+          <p:cNvPicPr>
+            <a:picLocks noChangeAspect="1"/>
+          </p:cNvPicPr>
+          <p:nvPr/>
+        </p:nvPicPr>
+        <p:blipFill>
+          <a:blip r:embed="rId2"/>
+          <a:stretch>
+            <a:fillRect/>
+          </a:stretch>
+        </p:blipFill>
+        <p:spPr>
+          <a:xfrm>
+            <a:off x="1295247" y="1097280"/>
+            <a:ext cx="9601200" cy="4846320"/>
+          </a:xfrm>
+          <a:prstGeom prst="rect">
+            <a:avLst/>
+          </a:prstGeom>
+        </p:spPr>
+      </p:pic>
+    </p:spTree>
+  </p:cSld>
+  <p:clrMapOvr>
+    <a:masterClrMapping/>
+  </p:clrMapOvr>
+</p:sld>
+</file>
+
+<file path=ppt/slides/slide14.xml><?xml version="1.0" encoding="utf-8"?>
+<p:sld xmlns:a="http://schemas.openxmlformats.org/drawingml/2006/main" xmlns:p="http://schemas.openxmlformats.org/presentationml/2006/main" xmlns:r="http://schemas.openxmlformats.org/officeDocument/2006/relationships">
+  <p:cSld>
+    <p:spTree>
+      <p:nvGrpSpPr>
+        <p:cNvPr id="1" name=""/>
+        <p:cNvGrpSpPr/>
+        <p:nvPr/>
+      </p:nvGrpSpPr>
+      <p:grpSpPr/>
+      <p:sp>
+        <p:nvSpPr>
+          <p:cNvPr id="2" name="Rectangle 1"/>
+          <p:cNvSpPr/>
+          <p:nvPr/>
+        </p:nvSpPr>
+        <p:spPr>
+          <a:xfrm>
+            <a:off x="0" y="0"/>
+            <a:ext cx="12191695" cy="777240"/>
+          </a:xfrm>
+          <a:prstGeom prst="rect">
+            <a:avLst/>
+          </a:prstGeom>
+          <a:solidFill>
+            <a:srgbClr val="005BAB"/>
+          </a:solidFill>
+          <a:ln>
+            <a:noFill/>
+          </a:ln>
+        </p:spPr>
+        <p:style>
+          <a:lnRef idx="1">
+            <a:schemeClr val="accent1"/>
+          </a:lnRef>
+          <a:fillRef idx="3">
+            <a:schemeClr val="accent1"/>
+          </a:fillRef>
+          <a:effectRef idx="2">
+            <a:schemeClr val="accent1"/>
+          </a:effectRef>
+          <a:fontRef idx="minor">
+            <a:schemeClr val="lt1"/>
+          </a:fontRef>
+        </p:style>
+        <p:txBody>
+          <a:bodyPr rtlCol="0" anchor="ctr"/>
+          <a:lstStyle/>
+          <a:p>
+            <a:pPr algn="ctr"/>
+          </a:p>
+        </p:txBody>
+      </p:sp>
+      <p:sp>
+        <p:nvSpPr>
+          <p:cNvPr id="3" name="TextBox 2"/>
+          <p:cNvSpPr txBox="1"/>
+          <p:nvPr/>
+        </p:nvSpPr>
+        <p:spPr>
+          <a:xfrm>
+            <a:off x="548640" y="137160"/>
+            <a:ext cx="11094415" cy="502920"/>
           </a:xfrm>
           <a:prstGeom prst="rect">
             <a:avLst/>
@@ -3762,10 +4560,621 @@
           </a:bodyPr>
           <a:lstStyle/>
           <a:p>
+            <a:pPr>
+              <a:defRPr sz="2800" b="1">
+                <a:solidFill>
+                  <a:srgbClr val="FFFFFF"/>
+                </a:solidFill>
+                <a:latin typeface="Meiryo"/>
+              </a:defRPr>
+            </a:pPr>
+            <a:r>
+              <a:t>分野別ニューストレンド</a:t>
+            </a:r>
+          </a:p>
+        </p:txBody>
+      </p:sp>
+      <p:sp>
+        <p:nvSpPr>
+          <p:cNvPr id="4" name="TextBox 3"/>
+          <p:cNvSpPr txBox="1"/>
+          <p:nvPr/>
+        </p:nvSpPr>
+        <p:spPr>
+          <a:xfrm>
+            <a:off x="548640" y="6446520"/>
+            <a:ext cx="11094415" cy="320040"/>
+          </a:xfrm>
+          <a:prstGeom prst="rect">
+            <a:avLst/>
+          </a:prstGeom>
+          <a:noFill/>
+        </p:spPr>
+        <p:txBody>
+          <a:bodyPr wrap="none">
+            <a:spAutoFit/>
+          </a:bodyPr>
+          <a:lstStyle/>
+          <a:p>
+            <a:pPr algn="r">
+              <a:defRPr sz="1000">
+                <a:solidFill>
+                  <a:srgbClr val="959595"/>
+                </a:solidFill>
+                <a:latin typeface="Meiryo"/>
+              </a:defRPr>
+            </a:pPr>
+            <a:r>
+              <a:t>AI News Daily Deck  |  2026-02-11  |  Page 13</a:t>
+            </a:r>
+          </a:p>
+        </p:txBody>
+      </p:sp>
+      <p:pic>
+        <p:nvPicPr>
+          <p:cNvPr id="5" name="Picture 4" descr="category_radar.png"/>
+          <p:cNvPicPr>
+            <a:picLocks noChangeAspect="1"/>
+          </p:cNvPicPr>
+          <p:nvPr/>
+        </p:nvPicPr>
+        <p:blipFill>
+          <a:blip r:embed="rId2"/>
+          <a:stretch>
+            <a:fillRect/>
+          </a:stretch>
+        </p:blipFill>
+        <p:spPr>
+          <a:xfrm>
+            <a:off x="1295247" y="1097280"/>
+            <a:ext cx="9601200" cy="4846320"/>
+          </a:xfrm>
+          <a:prstGeom prst="rect">
+            <a:avLst/>
+          </a:prstGeom>
+        </p:spPr>
+      </p:pic>
+    </p:spTree>
+  </p:cSld>
+  <p:clrMapOvr>
+    <a:masterClrMapping/>
+  </p:clrMapOvr>
+</p:sld>
+</file>
+
+<file path=ppt/slides/slide15.xml><?xml version="1.0" encoding="utf-8"?>
+<p:sld xmlns:a="http://schemas.openxmlformats.org/drawingml/2006/main" xmlns:p="http://schemas.openxmlformats.org/presentationml/2006/main" xmlns:r="http://schemas.openxmlformats.org/officeDocument/2006/relationships">
+  <p:cSld>
+    <p:spTree>
+      <p:nvGrpSpPr>
+        <p:cNvPr id="1" name=""/>
+        <p:cNvGrpSpPr/>
+        <p:nvPr/>
+      </p:nvGrpSpPr>
+      <p:grpSpPr/>
+      <p:sp>
+        <p:nvSpPr>
+          <p:cNvPr id="2" name="Rectangle 1"/>
+          <p:cNvSpPr/>
+          <p:nvPr/>
+        </p:nvSpPr>
+        <p:spPr>
+          <a:xfrm>
+            <a:off x="0" y="0"/>
+            <a:ext cx="12191695" cy="777240"/>
+          </a:xfrm>
+          <a:prstGeom prst="rect">
+            <a:avLst/>
+          </a:prstGeom>
+          <a:solidFill>
+            <a:srgbClr val="005BAB"/>
+          </a:solidFill>
+          <a:ln>
+            <a:noFill/>
+          </a:ln>
+        </p:spPr>
+        <p:style>
+          <a:lnRef idx="1">
+            <a:schemeClr val="accent1"/>
+          </a:lnRef>
+          <a:fillRef idx="3">
+            <a:schemeClr val="accent1"/>
+          </a:fillRef>
+          <a:effectRef idx="2">
+            <a:schemeClr val="accent1"/>
+          </a:effectRef>
+          <a:fontRef idx="minor">
+            <a:schemeClr val="lt1"/>
+          </a:fontRef>
+        </p:style>
+        <p:txBody>
+          <a:bodyPr rtlCol="0" anchor="ctr"/>
+          <a:lstStyle/>
+          <a:p>
+            <a:pPr algn="ctr"/>
+          </a:p>
+        </p:txBody>
+      </p:sp>
+      <p:sp>
+        <p:nvSpPr>
+          <p:cNvPr id="3" name="TextBox 2"/>
+          <p:cNvSpPr txBox="1"/>
+          <p:nvPr/>
+        </p:nvSpPr>
+        <p:spPr>
+          <a:xfrm>
+            <a:off x="548640" y="137160"/>
+            <a:ext cx="11094415" cy="502920"/>
+          </a:xfrm>
+          <a:prstGeom prst="rect">
+            <a:avLst/>
+          </a:prstGeom>
+          <a:noFill/>
+        </p:spPr>
+        <p:txBody>
+          <a:bodyPr wrap="square">
+            <a:spAutoFit/>
+          </a:bodyPr>
+          <a:lstStyle/>
+          <a:p>
+            <a:pPr>
+              <a:defRPr sz="2800" b="1">
+                <a:solidFill>
+                  <a:srgbClr val="FFFFFF"/>
+                </a:solidFill>
+                <a:latin typeface="Meiryo"/>
+              </a:defRPr>
+            </a:pPr>
+            <a:r>
+              <a:t>ニュース重要度</a:t>
+            </a:r>
+          </a:p>
+        </p:txBody>
+      </p:sp>
+      <p:sp>
+        <p:nvSpPr>
+          <p:cNvPr id="4" name="TextBox 3"/>
+          <p:cNvSpPr txBox="1"/>
+          <p:nvPr/>
+        </p:nvSpPr>
+        <p:spPr>
+          <a:xfrm>
+            <a:off x="548640" y="6446520"/>
+            <a:ext cx="11094415" cy="320040"/>
+          </a:xfrm>
+          <a:prstGeom prst="rect">
+            <a:avLst/>
+          </a:prstGeom>
+          <a:noFill/>
+        </p:spPr>
+        <p:txBody>
+          <a:bodyPr wrap="none">
+            <a:spAutoFit/>
+          </a:bodyPr>
+          <a:lstStyle/>
+          <a:p>
+            <a:pPr algn="r">
+              <a:defRPr sz="1000">
+                <a:solidFill>
+                  <a:srgbClr val="959595"/>
+                </a:solidFill>
+                <a:latin typeface="Meiryo"/>
+              </a:defRPr>
+            </a:pPr>
+            <a:r>
+              <a:t>AI News Daily Deck  |  2026-02-11  |  Page 14</a:t>
+            </a:r>
+          </a:p>
+        </p:txBody>
+      </p:sp>
+      <p:pic>
+        <p:nvPicPr>
+          <p:cNvPr id="5" name="Picture 4" descr="importance_timeline.png"/>
+          <p:cNvPicPr>
+            <a:picLocks noChangeAspect="1"/>
+          </p:cNvPicPr>
+          <p:nvPr/>
+        </p:nvPicPr>
+        <p:blipFill>
+          <a:blip r:embed="rId2"/>
+          <a:stretch>
+            <a:fillRect/>
+          </a:stretch>
+        </p:blipFill>
+        <p:spPr>
+          <a:xfrm>
+            <a:off x="1295247" y="1097280"/>
+            <a:ext cx="9601200" cy="4846320"/>
+          </a:xfrm>
+          <a:prstGeom prst="rect">
+            <a:avLst/>
+          </a:prstGeom>
+        </p:spPr>
+      </p:pic>
+    </p:spTree>
+  </p:cSld>
+  <p:clrMapOvr>
+    <a:masterClrMapping/>
+  </p:clrMapOvr>
+</p:sld>
+</file>
+
+<file path=ppt/slides/slide16.xml><?xml version="1.0" encoding="utf-8"?>
+<p:sld xmlns:a="http://schemas.openxmlformats.org/drawingml/2006/main" xmlns:p="http://schemas.openxmlformats.org/presentationml/2006/main" xmlns:r="http://schemas.openxmlformats.org/officeDocument/2006/relationships">
+  <p:cSld>
+    <p:spTree>
+      <p:nvGrpSpPr>
+        <p:cNvPr id="1" name=""/>
+        <p:cNvGrpSpPr/>
+        <p:nvPr/>
+      </p:nvGrpSpPr>
+      <p:grpSpPr/>
+      <p:sp>
+        <p:nvSpPr>
+          <p:cNvPr id="2" name="Rectangle 1"/>
+          <p:cNvSpPr/>
+          <p:nvPr/>
+        </p:nvSpPr>
+        <p:spPr>
+          <a:xfrm>
+            <a:off x="0" y="0"/>
+            <a:ext cx="12191695" cy="777240"/>
+          </a:xfrm>
+          <a:prstGeom prst="rect">
+            <a:avLst/>
+          </a:prstGeom>
+          <a:solidFill>
+            <a:srgbClr val="005BAB"/>
+          </a:solidFill>
+          <a:ln>
+            <a:noFill/>
+          </a:ln>
+        </p:spPr>
+        <p:style>
+          <a:lnRef idx="1">
+            <a:schemeClr val="accent1"/>
+          </a:lnRef>
+          <a:fillRef idx="3">
+            <a:schemeClr val="accent1"/>
+          </a:fillRef>
+          <a:effectRef idx="2">
+            <a:schemeClr val="accent1"/>
+          </a:effectRef>
+          <a:fontRef idx="minor">
+            <a:schemeClr val="lt1"/>
+          </a:fontRef>
+        </p:style>
+        <p:txBody>
+          <a:bodyPr rtlCol="0" anchor="ctr"/>
+          <a:lstStyle/>
+          <a:p>
+            <a:pPr algn="ctr"/>
+          </a:p>
+        </p:txBody>
+      </p:sp>
+      <p:sp>
+        <p:nvSpPr>
+          <p:cNvPr id="3" name="TextBox 2"/>
+          <p:cNvSpPr txBox="1"/>
+          <p:nvPr/>
+        </p:nvSpPr>
+        <p:spPr>
+          <a:xfrm>
+            <a:off x="548640" y="137160"/>
+            <a:ext cx="11094415" cy="502920"/>
+          </a:xfrm>
+          <a:prstGeom prst="rect">
+            <a:avLst/>
+          </a:prstGeom>
+          <a:noFill/>
+        </p:spPr>
+        <p:txBody>
+          <a:bodyPr wrap="square">
+            <a:spAutoFit/>
+          </a:bodyPr>
+          <a:lstStyle/>
+          <a:p>
+            <a:pPr>
+              <a:defRPr sz="2800" b="1">
+                <a:solidFill>
+                  <a:srgbClr val="FFFFFF"/>
+                </a:solidFill>
+                <a:latin typeface="Meiryo"/>
+              </a:defRPr>
+            </a:pPr>
+            <a:r>
+              <a:t>Sources (引用元一覧)</a:t>
+            </a:r>
+          </a:p>
+        </p:txBody>
+      </p:sp>
+      <p:sp>
+        <p:nvSpPr>
+          <p:cNvPr id="4" name="TextBox 3"/>
+          <p:cNvSpPr txBox="1"/>
+          <p:nvPr/>
+        </p:nvSpPr>
+        <p:spPr>
+          <a:xfrm>
+            <a:off x="548640" y="6446520"/>
+            <a:ext cx="11094415" cy="320040"/>
+          </a:xfrm>
+          <a:prstGeom prst="rect">
+            <a:avLst/>
+          </a:prstGeom>
+          <a:noFill/>
+        </p:spPr>
+        <p:txBody>
+          <a:bodyPr wrap="none">
+            <a:spAutoFit/>
+          </a:bodyPr>
+          <a:lstStyle/>
+          <a:p>
+            <a:pPr algn="r">
+              <a:defRPr sz="1000">
+                <a:solidFill>
+                  <a:srgbClr val="959595"/>
+                </a:solidFill>
+                <a:latin typeface="Meiryo"/>
+              </a:defRPr>
+            </a:pPr>
+            <a:r>
+              <a:t>AI News Daily Deck  |  2026-02-11  |  Page 15</a:t>
+            </a:r>
+          </a:p>
+        </p:txBody>
+      </p:sp>
+      <p:sp>
+        <p:nvSpPr>
+          <p:cNvPr id="5" name="TextBox 4"/>
+          <p:cNvSpPr txBox="1"/>
+          <p:nvPr/>
+        </p:nvSpPr>
+        <p:spPr>
+          <a:xfrm>
+            <a:off x="548640" y="1051560"/>
+            <a:ext cx="11094415" cy="4937760"/>
+          </a:xfrm>
+          <a:prstGeom prst="rect">
+            <a:avLst/>
+          </a:prstGeom>
+          <a:noFill/>
+        </p:spPr>
+        <p:txBody>
+          <a:bodyPr wrap="square">
+            <a:normAutofit/>
+          </a:bodyPr>
+          <a:lstStyle/>
+          <a:p>
+            <a:pPr algn="l">
+              <a:defRPr sz="1300" b="0">
+                <a:solidFill>
+                  <a:srgbClr val="6C757D"/>
+                </a:solidFill>
+                <a:latin typeface="Meiryo"/>
+              </a:defRPr>
+            </a:pPr>
+          </a:p>
+          <a:p>
+            <a:pPr>
+              <a:spcBef>
+                <a:spcPts val="400"/>
+              </a:spcBef>
+              <a:defRPr sz="1300" b="0">
+                <a:solidFill>
+                  <a:srgbClr val="6C757D"/>
+                </a:solidFill>
+                <a:latin typeface="Meiryo"/>
+              </a:defRPr>
+            </a:pPr>
+            <a:r>
+              <a:t>Tech Xplore: https://techxplore.com/news/2026-02-ai-limits-generative-video.html</a:t>
+            </a:r>
+          </a:p>
+          <a:p>
+            <a:pPr>
+              <a:spcBef>
+                <a:spcPts val="400"/>
+              </a:spcBef>
+              <a:defRPr sz="1300" b="0">
+                <a:solidFill>
+                  <a:srgbClr val="6C757D"/>
+                </a:solidFill>
+                <a:latin typeface="Meiryo"/>
+              </a:defRPr>
+            </a:pPr>
+            <a:r>
+              <a:t>Intellizence: https://intellizence.com/insights/startup-funding/startup-funding-trends-january-2026-ai-infrastructure-and-robotics/</a:t>
+            </a:r>
+          </a:p>
+          <a:p>
+            <a:pPr>
+              <a:spcBef>
+                <a:spcPts val="400"/>
+              </a:spcBef>
+              <a:defRPr sz="1300" b="0">
+                <a:solidFill>
+                  <a:srgbClr val="6C757D"/>
+                </a:solidFill>
+                <a:latin typeface="Meiryo"/>
+              </a:defRPr>
+            </a:pPr>
+            <a:r>
+              <a:t>Digital Watch Observatory: https://dig.watch/updates/adobe-firefly-unlocks-powerful-unlimited-ai-generation-in-2026</a:t>
+            </a:r>
+          </a:p>
+          <a:p>
+            <a:pPr>
+              <a:spcBef>
+                <a:spcPts val="400"/>
+              </a:spcBef>
+              <a:defRPr sz="1300" b="0">
+                <a:solidFill>
+                  <a:srgbClr val="6C757D"/>
+                </a:solidFill>
+                <a:latin typeface="Meiryo"/>
+              </a:defRPr>
+            </a:pPr>
+            <a:r>
+              <a:t>TechCrunch: https://techcrunch.com/2026/02/10/ai-video-startup-runway-raises-315m-at-5-3b-valuation-eyes-more-capable-world-models/</a:t>
+            </a:r>
+          </a:p>
+          <a:p>
+            <a:pPr>
+              <a:spcBef>
+                <a:spcPts val="400"/>
+              </a:spcBef>
+              <a:defRPr sz="1300" b="0">
+                <a:solidFill>
+                  <a:srgbClr val="6C757D"/>
+                </a:solidFill>
+                <a:latin typeface="Meiryo"/>
+              </a:defRPr>
+            </a:pPr>
+            <a:r>
+              <a:t>TechCrunch: https://techcrunch.com/2026/01/02/in-2026-ai-will-move-from-hype-to-pragmatism/</a:t>
+            </a:r>
+          </a:p>
+          <a:p>
+            <a:pPr>
+              <a:spcBef>
+                <a:spcPts val="400"/>
+              </a:spcBef>
+              <a:defRPr sz="1300" b="0">
+                <a:solidFill>
+                  <a:srgbClr val="6C757D"/>
+                </a:solidFill>
+                <a:latin typeface="Meiryo"/>
+              </a:defRPr>
+            </a:pPr>
+            <a:r>
+              <a:t>InfoQ: https://www.infoq.com/news/2026/01/microsoft-llm-contextual-privacy/</a:t>
+            </a:r>
+          </a:p>
+          <a:p>
+            <a:pPr>
+              <a:spcBef>
+                <a:spcPts val="400"/>
+              </a:spcBef>
+              <a:defRPr sz="1300" b="0">
+                <a:solidFill>
+                  <a:srgbClr val="6C757D"/>
+                </a:solidFill>
+                <a:latin typeface="Meiryo"/>
+              </a:defRPr>
+            </a:pPr>
+            <a:r>
+              <a:t>Axios: https://www.axios.com/2026/02/10/ai-ceo-feuds-openai-anthropic-google</a:t>
+            </a:r>
+          </a:p>
+          <a:p>
+            <a:pPr>
+              <a:spcBef>
+                <a:spcPts val="400"/>
+              </a:spcBef>
+              <a:defRPr sz="1300" b="0">
+                <a:solidFill>
+                  <a:srgbClr val="6C757D"/>
+                </a:solidFill>
+                <a:latin typeface="Meiryo"/>
+              </a:defRPr>
+            </a:pPr>
+            <a:r>
+              <a:t>Medium: https://medium.com/@urano10/the-future-of-ai-models-in-2026-whats-actually-coming-410141f3c979</a:t>
+            </a:r>
+          </a:p>
+          <a:p>
+            <a:pPr>
+              <a:spcBef>
+                <a:spcPts val="400"/>
+              </a:spcBef>
+              <a:defRPr sz="1300" b="0">
+                <a:solidFill>
+                  <a:srgbClr val="6C757D"/>
+                </a:solidFill>
+                <a:latin typeface="Meiryo"/>
+              </a:defRPr>
+            </a:pPr>
+            <a:r>
+              <a:t>National Law Review: https://natlawreview.com/article/2026-outlook-artificial-intelligence</a:t>
+            </a:r>
+          </a:p>
+          <a:p>
+            <a:pPr>
+              <a:spcBef>
+                <a:spcPts val="400"/>
+              </a:spcBef>
+              <a:defRPr sz="1300" b="0">
+                <a:solidFill>
+                  <a:srgbClr val="6C757D"/>
+                </a:solidFill>
+                <a:latin typeface="Meiryo"/>
+              </a:defRPr>
+            </a:pPr>
+            <a:r>
+              <a:t>MIT Technology Review: https://www.technologyreview.com/2026/01/05/1130662/whats-next-for-ai-in-2026/</a:t>
+            </a:r>
+          </a:p>
+          <a:p>
+            <a:pPr>
+              <a:spcBef>
+                <a:spcPts val="400"/>
+              </a:spcBef>
+              <a:defRPr sz="1300" b="0">
+                <a:solidFill>
+                  <a:srgbClr val="6C757D"/>
+                </a:solidFill>
+                <a:latin typeface="Meiryo"/>
+              </a:defRPr>
+            </a:pPr>
+            <a:r>
+              <a:t>DigiTimes: https://www.digitimes.com/news/a20251215PD230/meta-ai-llm-llama-development.html</a:t>
+            </a:r>
+          </a:p>
+          <a:p>
+            <a:pPr>
+              <a:spcBef>
+                <a:spcPts val="400"/>
+              </a:spcBef>
+              <a:defRPr sz="1300" b="0">
+                <a:solidFill>
+                  <a:srgbClr val="6C757D"/>
+                </a:solidFill>
+                <a:latin typeface="Meiryo"/>
+              </a:defRPr>
+            </a:pPr>
+            <a:r>
+              <a:t>NBC News: https://www.nbcnews.com/tech/internet/openai-starts-testing-ads-chatgpt-rcna258242</a:t>
+            </a:r>
+          </a:p>
+        </p:txBody>
+      </p:sp>
+      <p:sp>
+        <p:nvSpPr>
+          <p:cNvPr id="6" name="TextBox 5"/>
+          <p:cNvSpPr txBox="1"/>
+          <p:nvPr/>
+        </p:nvSpPr>
+        <p:spPr>
+          <a:xfrm>
+            <a:off x="914400" y="6035040"/>
+            <a:ext cx="10362895" cy="320040"/>
+          </a:xfrm>
+          <a:prstGeom prst="rect">
+            <a:avLst/>
+          </a:prstGeom>
+          <a:noFill/>
+        </p:spPr>
+        <p:txBody>
+          <a:bodyPr wrap="square">
+            <a:spAutoFit/>
+          </a:bodyPr>
+          <a:lstStyle/>
+          <a:p>
             <a:pPr algn="ctr">
               <a:defRPr sz="1000" b="0">
                 <a:solidFill>
-                  <a:srgbClr val="4A4A6A"/>
+                  <a:srgbClr val="959595"/>
                 </a:solidFill>
                 <a:latin typeface="Meiryo"/>
               </a:defRPr>
@@ -3803,7 +5212,167 @@
         <p:spPr>
           <a:xfrm>
             <a:off x="0" y="0"/>
-            <a:ext cx="12191695" cy="914400"/>
+            <a:ext cx="12191695" cy="777240"/>
+          </a:xfrm>
+          <a:prstGeom prst="rect">
+            <a:avLst/>
+          </a:prstGeom>
+          <a:solidFill>
+            <a:srgbClr val="003D73"/>
+          </a:solidFill>
+          <a:ln>
+            <a:noFill/>
+          </a:ln>
+        </p:spPr>
+        <p:style>
+          <a:lnRef idx="1">
+            <a:schemeClr val="accent1"/>
+          </a:lnRef>
+          <a:fillRef idx="3">
+            <a:schemeClr val="accent1"/>
+          </a:fillRef>
+          <a:effectRef idx="2">
+            <a:schemeClr val="accent1"/>
+          </a:effectRef>
+          <a:fontRef idx="minor">
+            <a:schemeClr val="lt1"/>
+          </a:fontRef>
+        </p:style>
+        <p:txBody>
+          <a:bodyPr rtlCol="0" anchor="ctr"/>
+          <a:lstStyle/>
+          <a:p>
+            <a:pPr algn="ctr"/>
+          </a:p>
+        </p:txBody>
+      </p:sp>
+      <p:sp>
+        <p:nvSpPr>
+          <p:cNvPr id="3" name="TextBox 2"/>
+          <p:cNvSpPr txBox="1"/>
+          <p:nvPr/>
+        </p:nvSpPr>
+        <p:spPr>
+          <a:xfrm>
+            <a:off x="548640" y="137160"/>
+            <a:ext cx="11094415" cy="502920"/>
+          </a:xfrm>
+          <a:prstGeom prst="rect">
+            <a:avLst/>
+          </a:prstGeom>
+          <a:noFill/>
+        </p:spPr>
+        <p:txBody>
+          <a:bodyPr wrap="square">
+            <a:spAutoFit/>
+          </a:bodyPr>
+          <a:lstStyle/>
+          <a:p>
+            <a:pPr>
+              <a:defRPr sz="2800" b="1">
+                <a:solidFill>
+                  <a:srgbClr val="FFFFFF"/>
+                </a:solidFill>
+                <a:latin typeface="Meiryo"/>
+              </a:defRPr>
+            </a:pPr>
+            <a:r>
+              <a:t>Executive Summary</a:t>
+            </a:r>
+          </a:p>
+        </p:txBody>
+      </p:sp>
+      <p:sp>
+        <p:nvSpPr>
+          <p:cNvPr id="4" name="TextBox 3"/>
+          <p:cNvSpPr txBox="1"/>
+          <p:nvPr/>
+        </p:nvSpPr>
+        <p:spPr>
+          <a:xfrm>
+            <a:off x="548640" y="6446520"/>
+            <a:ext cx="11094415" cy="320040"/>
+          </a:xfrm>
+          <a:prstGeom prst="rect">
+            <a:avLst/>
+          </a:prstGeom>
+          <a:noFill/>
+        </p:spPr>
+        <p:txBody>
+          <a:bodyPr wrap="none">
+            <a:spAutoFit/>
+          </a:bodyPr>
+          <a:lstStyle/>
+          <a:p>
+            <a:pPr algn="r">
+              <a:defRPr sz="1000">
+                <a:solidFill>
+                  <a:srgbClr val="959595"/>
+                </a:solidFill>
+                <a:latin typeface="Meiryo"/>
+              </a:defRPr>
+            </a:pPr>
+            <a:r>
+              <a:t>AI News Daily Deck  |  2026-02-11  |  Page 1</a:t>
+            </a:r>
+          </a:p>
+        </p:txBody>
+      </p:sp>
+      <p:sp>
+        <p:nvSpPr>
+          <p:cNvPr id="5" name="Rectangle 4"/>
+          <p:cNvSpPr/>
+          <p:nvPr/>
+        </p:nvSpPr>
+        <p:spPr>
+          <a:xfrm>
+            <a:off x="640080" y="1051560"/>
+            <a:ext cx="2468880" cy="1280160"/>
+          </a:xfrm>
+          <a:prstGeom prst="rect">
+            <a:avLst/>
+          </a:prstGeom>
+          <a:solidFill>
+            <a:srgbClr val="F8F9FA"/>
+          </a:solidFill>
+          <a:ln w="6350">
+            <a:solidFill>
+              <a:srgbClr val="E0E0E0"/>
+            </a:solidFill>
+          </a:ln>
+        </p:spPr>
+        <p:style>
+          <a:lnRef idx="1">
+            <a:schemeClr val="accent1"/>
+          </a:lnRef>
+          <a:fillRef idx="3">
+            <a:schemeClr val="accent1"/>
+          </a:fillRef>
+          <a:effectRef idx="2">
+            <a:schemeClr val="accent1"/>
+          </a:effectRef>
+          <a:fontRef idx="minor">
+            <a:schemeClr val="lt1"/>
+          </a:fontRef>
+        </p:style>
+        <p:txBody>
+          <a:bodyPr rtlCol="0" anchor="ctr"/>
+          <a:lstStyle/>
+          <a:p>
+            <a:pPr algn="ctr"/>
+          </a:p>
+        </p:txBody>
+      </p:sp>
+      <p:sp>
+        <p:nvSpPr>
+          <p:cNvPr id="6" name="Rectangle 5"/>
+          <p:cNvSpPr/>
+          <p:nvPr/>
+        </p:nvSpPr>
+        <p:spPr>
+          <a:xfrm>
+            <a:off x="640080" y="1051560"/>
+            <a:ext cx="2468880" cy="45720"/>
           </a:xfrm>
           <a:prstGeom prst="rect">
             <a:avLst/>
@@ -3839,14 +5408,14 @@
       </p:sp>
       <p:sp>
         <p:nvSpPr>
-          <p:cNvPr id="3" name="TextBox 2"/>
+          <p:cNvPr id="7" name="TextBox 6"/>
           <p:cNvSpPr txBox="1"/>
           <p:nvPr/>
         </p:nvSpPr>
         <p:spPr>
           <a:xfrm>
-            <a:off x="457200" y="137160"/>
-            <a:ext cx="10972800" cy="640080"/>
+            <a:off x="822960" y="1188720"/>
+            <a:ext cx="2103120" cy="320040"/>
           </a:xfrm>
           <a:prstGeom prst="rect">
             <a:avLst/>
@@ -3860,29 +5429,29 @@
           <a:lstStyle/>
           <a:p>
             <a:pPr algn="l">
-              <a:defRPr sz="2800" b="1">
-                <a:solidFill>
-                  <a:srgbClr val="FFFFFF"/>
-                </a:solidFill>
-                <a:latin typeface="Meiryo"/>
-              </a:defRPr>
-            </a:pPr>
-            <a:r>
-              <a:t>TODAY'S HIGHLIGHT</a:t>
-            </a:r>
-          </a:p>
-        </p:txBody>
-      </p:sp>
-      <p:sp>
-        <p:nvSpPr>
-          <p:cNvPr id="4" name="TextBox 3"/>
+              <a:defRPr sz="1200" b="0">
+                <a:solidFill>
+                  <a:srgbClr val="6C757D"/>
+                </a:solidFill>
+                <a:latin typeface="Meiryo"/>
+              </a:defRPr>
+            </a:pPr>
+            <a:r>
+              <a:t>Total</a:t>
+            </a:r>
+          </a:p>
+        </p:txBody>
+      </p:sp>
+      <p:sp>
+        <p:nvSpPr>
+          <p:cNvPr id="8" name="TextBox 7"/>
           <p:cNvSpPr txBox="1"/>
           <p:nvPr/>
         </p:nvSpPr>
         <p:spPr>
           <a:xfrm>
-            <a:off x="640080" y="1188720"/>
-            <a:ext cx="10515600" cy="1097280"/>
+            <a:off x="822960" y="1463040"/>
+            <a:ext cx="2103120" cy="640080"/>
           </a:xfrm>
           <a:prstGeom prst="rect">
             <a:avLst/>
@@ -3895,30 +5464,125 @@
           </a:bodyPr>
           <a:lstStyle/>
           <a:p>
-            <a:pPr algn="l">
-              <a:defRPr sz="2600" b="1">
-                <a:solidFill>
-                  <a:srgbClr val="1A1A2E"/>
-                </a:solidFill>
-                <a:latin typeface="Meiryo"/>
-              </a:defRPr>
-            </a:pPr>
-            <a:r>
-              <a:t>OpenAI、ChatGPTに広告導入開始 - Anthropicと差別化戦略で対立</a:t>
-            </a:r>
-          </a:p>
-        </p:txBody>
-      </p:sp>
-      <p:sp>
-        <p:nvSpPr>
-          <p:cNvPr id="5" name="TextBox 4"/>
+            <a:r>
+              <a:rPr sz="3200" b="1">
+                <a:solidFill>
+                  <a:srgbClr val="005BAB"/>
+                </a:solidFill>
+                <a:latin typeface="Meiryo"/>
+              </a:rPr>
+              <a:t>12</a:t>
+            </a:r>
+            <a:r>
+              <a:rPr sz="1600">
+                <a:solidFill>
+                  <a:srgbClr val="6C757D"/>
+                </a:solidFill>
+                <a:latin typeface="Meiryo"/>
+              </a:rPr>
+              <a:t> 件</a:t>
+            </a:r>
+          </a:p>
+        </p:txBody>
+      </p:sp>
+      <p:sp>
+        <p:nvSpPr>
+          <p:cNvPr id="9" name="Rectangle 8"/>
+          <p:cNvSpPr/>
+          <p:nvPr/>
+        </p:nvSpPr>
+        <p:spPr>
+          <a:xfrm>
+            <a:off x="3383280" y="1051560"/>
+            <a:ext cx="2468880" cy="1280160"/>
+          </a:xfrm>
+          <a:prstGeom prst="rect">
+            <a:avLst/>
+          </a:prstGeom>
+          <a:solidFill>
+            <a:srgbClr val="F8F9FA"/>
+          </a:solidFill>
+          <a:ln w="6350">
+            <a:solidFill>
+              <a:srgbClr val="E0E0E0"/>
+            </a:solidFill>
+          </a:ln>
+        </p:spPr>
+        <p:style>
+          <a:lnRef idx="1">
+            <a:schemeClr val="accent1"/>
+          </a:lnRef>
+          <a:fillRef idx="3">
+            <a:schemeClr val="accent1"/>
+          </a:fillRef>
+          <a:effectRef idx="2">
+            <a:schemeClr val="accent1"/>
+          </a:effectRef>
+          <a:fontRef idx="minor">
+            <a:schemeClr val="lt1"/>
+          </a:fontRef>
+        </p:style>
+        <p:txBody>
+          <a:bodyPr rtlCol="0" anchor="ctr"/>
+          <a:lstStyle/>
+          <a:p>
+            <a:pPr algn="ctr"/>
+          </a:p>
+        </p:txBody>
+      </p:sp>
+      <p:sp>
+        <p:nvSpPr>
+          <p:cNvPr id="10" name="Rectangle 9"/>
+          <p:cNvSpPr/>
+          <p:nvPr/>
+        </p:nvSpPr>
+        <p:spPr>
+          <a:xfrm>
+            <a:off x="3383280" y="1051560"/>
+            <a:ext cx="2468880" cy="45720"/>
+          </a:xfrm>
+          <a:prstGeom prst="rect">
+            <a:avLst/>
+          </a:prstGeom>
+          <a:solidFill>
+            <a:srgbClr val="FF961C"/>
+          </a:solidFill>
+          <a:ln>
+            <a:noFill/>
+          </a:ln>
+        </p:spPr>
+        <p:style>
+          <a:lnRef idx="1">
+            <a:schemeClr val="accent1"/>
+          </a:lnRef>
+          <a:fillRef idx="3">
+            <a:schemeClr val="accent1"/>
+          </a:fillRef>
+          <a:effectRef idx="2">
+            <a:schemeClr val="accent1"/>
+          </a:effectRef>
+          <a:fontRef idx="minor">
+            <a:schemeClr val="lt1"/>
+          </a:fontRef>
+        </p:style>
+        <p:txBody>
+          <a:bodyPr rtlCol="0" anchor="ctr"/>
+          <a:lstStyle/>
+          <a:p>
+            <a:pPr algn="ctr"/>
+          </a:p>
+        </p:txBody>
+      </p:sp>
+      <p:sp>
+        <p:nvSpPr>
+          <p:cNvPr id="11" name="TextBox 10"/>
           <p:cNvSpPr txBox="1"/>
           <p:nvPr/>
         </p:nvSpPr>
         <p:spPr>
           <a:xfrm>
-            <a:off x="640080" y="2286000"/>
-            <a:ext cx="10515600" cy="457200"/>
+            <a:off x="3566160" y="1188720"/>
+            <a:ext cx="2103120" cy="320040"/>
           </a:xfrm>
           <a:prstGeom prst="rect">
             <a:avLst/>
@@ -3932,29 +5596,29 @@
           <a:lstStyle/>
           <a:p>
             <a:pPr algn="l">
-              <a:defRPr sz="1400" b="0">
-                <a:solidFill>
-                  <a:srgbClr val="4A4A6A"/>
-                </a:solidFill>
-                <a:latin typeface="Meiryo"/>
-              </a:defRPr>
-            </a:pPr>
-            <a:r>
-              <a:t>OpenAI  |  Business  |  ★★★★★</a:t>
-            </a:r>
-          </a:p>
-        </p:txBody>
-      </p:sp>
-      <p:sp>
-        <p:nvSpPr>
-          <p:cNvPr id="6" name="TextBox 5"/>
+              <a:defRPr sz="1200" b="0">
+                <a:solidFill>
+                  <a:srgbClr val="6C757D"/>
+                </a:solidFill>
+                <a:latin typeface="Meiryo"/>
+              </a:defRPr>
+            </a:pPr>
+            <a:r>
+              <a:t>Top Company</a:t>
+            </a:r>
+          </a:p>
+        </p:txBody>
+      </p:sp>
+      <p:sp>
+        <p:nvSpPr>
+          <p:cNvPr id="12" name="TextBox 11"/>
           <p:cNvSpPr txBox="1"/>
           <p:nvPr/>
         </p:nvSpPr>
         <p:spPr>
           <a:xfrm>
-            <a:off x="640080" y="2926080"/>
-            <a:ext cx="10515600" cy="3200400"/>
+            <a:off x="3566160" y="1463040"/>
+            <a:ext cx="2103120" cy="640080"/>
           </a:xfrm>
           <a:prstGeom prst="rect">
             <a:avLst/>
@@ -3967,30 +5631,125 @@
           </a:bodyPr>
           <a:lstStyle/>
           <a:p>
-            <a:pPr algn="l">
-              <a:defRPr sz="1800" b="0">
-                <a:solidFill>
-                  <a:srgbClr val="1A1A2E"/>
-                </a:solidFill>
-                <a:latin typeface="Meiryo"/>
-              </a:defRPr>
-            </a:pPr>
-            <a:r>
-              <a:t>OpenAIは2月10日、ChatGPTの無料版と「Go」プランで広告のテスト配信を開始。Anthropicは「Claudeは広告なし」と宣言し、OpenAIを揶揄する広告を展開。Sam Altman CEOは「不誠実」と反論。両社の収益化戦略の違いが鮮明になった。</a:t>
-            </a:r>
-          </a:p>
-        </p:txBody>
-      </p:sp>
-      <p:sp>
-        <p:nvSpPr>
-          <p:cNvPr id="7" name="TextBox 6"/>
+            <a:r>
+              <a:rPr sz="3200" b="1">
+                <a:solidFill>
+                  <a:srgbClr val="005BAB"/>
+                </a:solidFill>
+                <a:latin typeface="Meiryo"/>
+              </a:rPr>
+              <a:t>Other</a:t>
+            </a:r>
+            <a:r>
+              <a:rPr sz="1600">
+                <a:solidFill>
+                  <a:srgbClr val="6C757D"/>
+                </a:solidFill>
+                <a:latin typeface="Meiryo"/>
+              </a:rPr>
+              <a:t> 5件</a:t>
+            </a:r>
+          </a:p>
+        </p:txBody>
+      </p:sp>
+      <p:sp>
+        <p:nvSpPr>
+          <p:cNvPr id="13" name="Rectangle 12"/>
+          <p:cNvSpPr/>
+          <p:nvPr/>
+        </p:nvSpPr>
+        <p:spPr>
+          <a:xfrm>
+            <a:off x="6126480" y="1051560"/>
+            <a:ext cx="2468880" cy="1280160"/>
+          </a:xfrm>
+          <a:prstGeom prst="rect">
+            <a:avLst/>
+          </a:prstGeom>
+          <a:solidFill>
+            <a:srgbClr val="F8F9FA"/>
+          </a:solidFill>
+          <a:ln w="6350">
+            <a:solidFill>
+              <a:srgbClr val="E0E0E0"/>
+            </a:solidFill>
+          </a:ln>
+        </p:spPr>
+        <p:style>
+          <a:lnRef idx="1">
+            <a:schemeClr val="accent1"/>
+          </a:lnRef>
+          <a:fillRef idx="3">
+            <a:schemeClr val="accent1"/>
+          </a:fillRef>
+          <a:effectRef idx="2">
+            <a:schemeClr val="accent1"/>
+          </a:effectRef>
+          <a:fontRef idx="minor">
+            <a:schemeClr val="lt1"/>
+          </a:fontRef>
+        </p:style>
+        <p:txBody>
+          <a:bodyPr rtlCol="0" anchor="ctr"/>
+          <a:lstStyle/>
+          <a:p>
+            <a:pPr algn="ctr"/>
+          </a:p>
+        </p:txBody>
+      </p:sp>
+      <p:sp>
+        <p:nvSpPr>
+          <p:cNvPr id="14" name="Rectangle 13"/>
+          <p:cNvSpPr/>
+          <p:nvPr/>
+        </p:nvSpPr>
+        <p:spPr>
+          <a:xfrm>
+            <a:off x="6126480" y="1051560"/>
+            <a:ext cx="2468880" cy="45720"/>
+          </a:xfrm>
+          <a:prstGeom prst="rect">
+            <a:avLst/>
+          </a:prstGeom>
+          <a:solidFill>
+            <a:srgbClr val="FF961C"/>
+          </a:solidFill>
+          <a:ln>
+            <a:noFill/>
+          </a:ln>
+        </p:spPr>
+        <p:style>
+          <a:lnRef idx="1">
+            <a:schemeClr val="accent1"/>
+          </a:lnRef>
+          <a:fillRef idx="3">
+            <a:schemeClr val="accent1"/>
+          </a:fillRef>
+          <a:effectRef idx="2">
+            <a:schemeClr val="accent1"/>
+          </a:effectRef>
+          <a:fontRef idx="minor">
+            <a:schemeClr val="lt1"/>
+          </a:fontRef>
+        </p:style>
+        <p:txBody>
+          <a:bodyPr rtlCol="0" anchor="ctr"/>
+          <a:lstStyle/>
+          <a:p>
+            <a:pPr algn="ctr"/>
+          </a:p>
+        </p:txBody>
+      </p:sp>
+      <p:sp>
+        <p:nvSpPr>
+          <p:cNvPr id="15" name="TextBox 14"/>
           <p:cNvSpPr txBox="1"/>
           <p:nvPr/>
         </p:nvSpPr>
         <p:spPr>
           <a:xfrm>
-            <a:off x="640080" y="6217920"/>
-            <a:ext cx="10515600" cy="457200"/>
+            <a:off x="6309360" y="1188720"/>
+            <a:ext cx="2103120" cy="320040"/>
           </a:xfrm>
           <a:prstGeom prst="rect">
             <a:avLst/>
@@ -4004,15 +5763,261 @@
           <a:lstStyle/>
           <a:p>
             <a:pPr algn="l">
-              <a:defRPr sz="1100" b="0">
-                <a:solidFill>
-                  <a:srgbClr val="4A4A6A"/>
-                </a:solidFill>
-                <a:latin typeface="Meiryo"/>
-              </a:defRPr>
-            </a:pPr>
-            <a:r>
-              <a:t>Source: NBC News - https://www.nbcnews.com/tech/internet/openai-starts-testing-ads-chatgpt-rcna258242</a:t>
+              <a:defRPr sz="1200" b="0">
+                <a:solidFill>
+                  <a:srgbClr val="6C757D"/>
+                </a:solidFill>
+                <a:latin typeface="Meiryo"/>
+              </a:defRPr>
+            </a:pPr>
+            <a:r>
+              <a:t>High Impact</a:t>
+            </a:r>
+          </a:p>
+        </p:txBody>
+      </p:sp>
+      <p:sp>
+        <p:nvSpPr>
+          <p:cNvPr id="16" name="TextBox 15"/>
+          <p:cNvSpPr txBox="1"/>
+          <p:nvPr/>
+        </p:nvSpPr>
+        <p:spPr>
+          <a:xfrm>
+            <a:off x="6309360" y="1463040"/>
+            <a:ext cx="2103120" cy="640080"/>
+          </a:xfrm>
+          <a:prstGeom prst="rect">
+            <a:avLst/>
+          </a:prstGeom>
+          <a:noFill/>
+        </p:spPr>
+        <p:txBody>
+          <a:bodyPr wrap="square">
+            <a:spAutoFit/>
+          </a:bodyPr>
+          <a:lstStyle/>
+          <a:p>
+            <a:r>
+              <a:rPr sz="3200" b="1">
+                <a:solidFill>
+                  <a:srgbClr val="005BAB"/>
+                </a:solidFill>
+                <a:latin typeface="Meiryo"/>
+              </a:rPr>
+              <a:t>6</a:t>
+            </a:r>
+            <a:r>
+              <a:rPr sz="1600">
+                <a:solidFill>
+                  <a:srgbClr val="6C757D"/>
+                </a:solidFill>
+                <a:latin typeface="Meiryo"/>
+              </a:rPr>
+              <a:t> 件</a:t>
+            </a:r>
+          </a:p>
+        </p:txBody>
+      </p:sp>
+      <p:sp>
+        <p:nvSpPr>
+          <p:cNvPr id="17" name="Rectangle 16"/>
+          <p:cNvSpPr/>
+          <p:nvPr/>
+        </p:nvSpPr>
+        <p:spPr>
+          <a:xfrm>
+            <a:off x="8869680" y="1051560"/>
+            <a:ext cx="2468880" cy="1280160"/>
+          </a:xfrm>
+          <a:prstGeom prst="rect">
+            <a:avLst/>
+          </a:prstGeom>
+          <a:solidFill>
+            <a:srgbClr val="F8F9FA"/>
+          </a:solidFill>
+          <a:ln w="6350">
+            <a:solidFill>
+              <a:srgbClr val="E0E0E0"/>
+            </a:solidFill>
+          </a:ln>
+        </p:spPr>
+        <p:style>
+          <a:lnRef idx="1">
+            <a:schemeClr val="accent1"/>
+          </a:lnRef>
+          <a:fillRef idx="3">
+            <a:schemeClr val="accent1"/>
+          </a:fillRef>
+          <a:effectRef idx="2">
+            <a:schemeClr val="accent1"/>
+          </a:effectRef>
+          <a:fontRef idx="minor">
+            <a:schemeClr val="lt1"/>
+          </a:fontRef>
+        </p:style>
+        <p:txBody>
+          <a:bodyPr rtlCol="0" anchor="ctr"/>
+          <a:lstStyle/>
+          <a:p>
+            <a:pPr algn="ctr"/>
+          </a:p>
+        </p:txBody>
+      </p:sp>
+      <p:sp>
+        <p:nvSpPr>
+          <p:cNvPr id="18" name="Rectangle 17"/>
+          <p:cNvSpPr/>
+          <p:nvPr/>
+        </p:nvSpPr>
+        <p:spPr>
+          <a:xfrm>
+            <a:off x="8869680" y="1051560"/>
+            <a:ext cx="2468880" cy="45720"/>
+          </a:xfrm>
+          <a:prstGeom prst="rect">
+            <a:avLst/>
+          </a:prstGeom>
+          <a:solidFill>
+            <a:srgbClr val="FF961C"/>
+          </a:solidFill>
+          <a:ln>
+            <a:noFill/>
+          </a:ln>
+        </p:spPr>
+        <p:style>
+          <a:lnRef idx="1">
+            <a:schemeClr val="accent1"/>
+          </a:lnRef>
+          <a:fillRef idx="3">
+            <a:schemeClr val="accent1"/>
+          </a:fillRef>
+          <a:effectRef idx="2">
+            <a:schemeClr val="accent1"/>
+          </a:effectRef>
+          <a:fontRef idx="minor">
+            <a:schemeClr val="lt1"/>
+          </a:fontRef>
+        </p:style>
+        <p:txBody>
+          <a:bodyPr rtlCol="0" anchor="ctr"/>
+          <a:lstStyle/>
+          <a:p>
+            <a:pPr algn="ctr"/>
+          </a:p>
+        </p:txBody>
+      </p:sp>
+      <p:sp>
+        <p:nvSpPr>
+          <p:cNvPr id="19" name="TextBox 18"/>
+          <p:cNvSpPr txBox="1"/>
+          <p:nvPr/>
+        </p:nvSpPr>
+        <p:spPr>
+          <a:xfrm>
+            <a:off x="9052560" y="1188720"/>
+            <a:ext cx="2103120" cy="320040"/>
+          </a:xfrm>
+          <a:prstGeom prst="rect">
+            <a:avLst/>
+          </a:prstGeom>
+          <a:noFill/>
+        </p:spPr>
+        <p:txBody>
+          <a:bodyPr wrap="square">
+            <a:spAutoFit/>
+          </a:bodyPr>
+          <a:lstStyle/>
+          <a:p>
+            <a:pPr algn="l">
+              <a:defRPr sz="1200" b="0">
+                <a:solidFill>
+                  <a:srgbClr val="6C757D"/>
+                </a:solidFill>
+                <a:latin typeface="Meiryo"/>
+              </a:defRPr>
+            </a:pPr>
+            <a:r>
+              <a:t>Companies</a:t>
+            </a:r>
+          </a:p>
+        </p:txBody>
+      </p:sp>
+      <p:sp>
+        <p:nvSpPr>
+          <p:cNvPr id="20" name="TextBox 19"/>
+          <p:cNvSpPr txBox="1"/>
+          <p:nvPr/>
+        </p:nvSpPr>
+        <p:spPr>
+          <a:xfrm>
+            <a:off x="9052560" y="1463040"/>
+            <a:ext cx="2103120" cy="640080"/>
+          </a:xfrm>
+          <a:prstGeom prst="rect">
+            <a:avLst/>
+          </a:prstGeom>
+          <a:noFill/>
+        </p:spPr>
+        <p:txBody>
+          <a:bodyPr wrap="square">
+            <a:spAutoFit/>
+          </a:bodyPr>
+          <a:lstStyle/>
+          <a:p>
+            <a:r>
+              <a:rPr sz="3200" b="1">
+                <a:solidFill>
+                  <a:srgbClr val="005BAB"/>
+                </a:solidFill>
+                <a:latin typeface="Meiryo"/>
+              </a:rPr>
+              <a:t>6</a:t>
+            </a:r>
+            <a:r>
+              <a:rPr sz="1600">
+                <a:solidFill>
+                  <a:srgbClr val="6C757D"/>
+                </a:solidFill>
+                <a:latin typeface="Meiryo"/>
+              </a:rPr>
+              <a:t> 社</a:t>
+            </a:r>
+          </a:p>
+        </p:txBody>
+      </p:sp>
+      <p:sp>
+        <p:nvSpPr>
+          <p:cNvPr id="21" name="TextBox 20"/>
+          <p:cNvSpPr txBox="1"/>
+          <p:nvPr/>
+        </p:nvSpPr>
+        <p:spPr>
+          <a:xfrm>
+            <a:off x="548640" y="2697480"/>
+            <a:ext cx="11094415" cy="3200400"/>
+          </a:xfrm>
+          <a:prstGeom prst="rect">
+            <a:avLst/>
+          </a:prstGeom>
+          <a:noFill/>
+        </p:spPr>
+        <p:txBody>
+          <a:bodyPr wrap="square">
+            <a:normAutofit/>
+          </a:bodyPr>
+          <a:lstStyle/>
+          <a:p>
+            <a:pPr algn="l">
+              <a:defRPr sz="1800" b="0">
+                <a:solidFill>
+                  <a:srgbClr val="1A1A2E"/>
+                </a:solidFill>
+                <a:latin typeface="Meiryo"/>
+              </a:defRPr>
+            </a:pPr>
+            <a:r>
+              <a:t>2026年2月、AI業界は新たな局面を迎えた。OpenAIがChatGPTに広告導入を開始し、Anthropicが「広告なし」を強調して対抗。AI動画生成のRunwayは53億ドル評価で3.15億ドルを調達し、業界の資金流入は止まらない。一方、規制面ではコロラド州が実装を延期し、連邦と州の対立が深まる。</a:t>
             </a:r>
           </a:p>
         </p:txBody>
@@ -4044,13 +6049,13 @@
         <p:spPr>
           <a:xfrm>
             <a:off x="0" y="0"/>
-            <a:ext cx="12191695" cy="822960"/>
+            <a:ext cx="12191695" cy="777240"/>
           </a:xfrm>
           <a:prstGeom prst="rect">
             <a:avLst/>
           </a:prstGeom>
           <a:solidFill>
-            <a:srgbClr val="10A37F"/>
+            <a:srgbClr val="FF961C"/>
           </a:solidFill>
           <a:ln>
             <a:noFill/>
@@ -4086,8 +6091,8 @@
         </p:nvSpPr>
         <p:spPr>
           <a:xfrm>
-            <a:off x="457200" y="91440"/>
-            <a:ext cx="10972800" cy="640080"/>
+            <a:off x="548640" y="137160"/>
+            <a:ext cx="11094415" cy="502920"/>
           </a:xfrm>
           <a:prstGeom prst="rect">
             <a:avLst/>
@@ -4100,8 +6105,8 @@
           </a:bodyPr>
           <a:lstStyle/>
           <a:p>
-            <a:pPr algn="l">
-              <a:defRPr sz="2600" b="1">
+            <a:pPr>
+              <a:defRPr sz="2800" b="1">
                 <a:solidFill>
                   <a:srgbClr val="FFFFFF"/>
                 </a:solidFill>
@@ -4109,7 +6114,7 @@
               </a:defRPr>
             </a:pPr>
             <a:r>
-              <a:t>OpenAI  (2件)</a:t>
+              <a:t>TODAY'S HIGHLIGHT</a:t>
             </a:r>
           </a:p>
         </p:txBody>
@@ -4122,8 +6127,44 @@
         </p:nvSpPr>
         <p:spPr>
           <a:xfrm>
-            <a:off x="640080" y="1097280"/>
-            <a:ext cx="10515600" cy="1005840"/>
+            <a:off x="548640" y="6446520"/>
+            <a:ext cx="11094415" cy="320040"/>
+          </a:xfrm>
+          <a:prstGeom prst="rect">
+            <a:avLst/>
+          </a:prstGeom>
+          <a:noFill/>
+        </p:spPr>
+        <p:txBody>
+          <a:bodyPr wrap="none">
+            <a:spAutoFit/>
+          </a:bodyPr>
+          <a:lstStyle/>
+          <a:p>
+            <a:pPr algn="r">
+              <a:defRPr sz="1000">
+                <a:solidFill>
+                  <a:srgbClr val="959595"/>
+                </a:solidFill>
+                <a:latin typeface="Meiryo"/>
+              </a:defRPr>
+            </a:pPr>
+            <a:r>
+              <a:t>AI News Daily Deck  |  2026-02-11  |  Page 2</a:t>
+            </a:r>
+          </a:p>
+        </p:txBody>
+      </p:sp>
+      <p:sp>
+        <p:nvSpPr>
+          <p:cNvPr id="5" name="TextBox 4"/>
+          <p:cNvSpPr txBox="1"/>
+          <p:nvPr/>
+        </p:nvSpPr>
+        <p:spPr>
+          <a:xfrm>
+            <a:off x="548640" y="1097280"/>
+            <a:ext cx="11094415" cy="914400"/>
           </a:xfrm>
           <a:prstGeom prst="rect">
             <a:avLst/>
@@ -4137,7 +6178,7 @@
           <a:lstStyle/>
           <a:p>
             <a:pPr algn="l">
-              <a:defRPr sz="1600" b="1">
+              <a:defRPr sz="2800" b="1">
                 <a:solidFill>
                   <a:srgbClr val="1A1A2E"/>
                 </a:solidFill>
@@ -4145,37 +6186,21 @@
               </a:defRPr>
             </a:pPr>
             <a:r>
-              <a:t>★★★★★  OpenAI、ChatGPTに広告導入開始 - Anthropicと差別化戦略で対立</a:t>
-            </a:r>
-          </a:p>
-          <a:p>
-            <a:pPr>
-              <a:spcBef>
-                <a:spcPts val="600"/>
-              </a:spcBef>
-              <a:defRPr sz="1300" b="0">
-                <a:solidFill>
-                  <a:srgbClr val="4A4A6A"/>
-                </a:solidFill>
-                <a:latin typeface="Meiryo"/>
-              </a:defRPr>
-            </a:pPr>
-            <a:r>
-              <a:t>OpenAIは2月10日、ChatGPTの無料版と「Go」プランで広告のテスト配信を開始。Anthropicは「Claudeは広告なし」と宣言し、OpenAIを揶揄する広告を展開。Sam Altman CEOは「不誠実」と反論。両社の収益化...</a:t>
-            </a:r>
-          </a:p>
-        </p:txBody>
-      </p:sp>
-      <p:sp>
-        <p:nvSpPr>
-          <p:cNvPr id="5" name="TextBox 4"/>
+              <a:t>OpenAI、ChatGPTに広告導入開始 - Anthropicと差別化戦略で対立</a:t>
+            </a:r>
+          </a:p>
+        </p:txBody>
+      </p:sp>
+      <p:sp>
+        <p:nvSpPr>
+          <p:cNvPr id="6" name="TextBox 5"/>
           <p:cNvSpPr txBox="1"/>
           <p:nvPr/>
         </p:nvSpPr>
         <p:spPr>
           <a:xfrm>
-            <a:off x="640080" y="2194560"/>
-            <a:ext cx="10515600" cy="1005840"/>
+            <a:off x="548640" y="2011680"/>
+            <a:ext cx="11094415" cy="411480"/>
           </a:xfrm>
           <a:prstGeom prst="rect">
             <a:avLst/>
@@ -4189,7 +6214,43 @@
           <a:lstStyle/>
           <a:p>
             <a:pPr algn="l">
-              <a:defRPr sz="1600" b="1">
+              <a:defRPr sz="1600" b="0">
+                <a:solidFill>
+                  <a:srgbClr val="6C757D"/>
+                </a:solidFill>
+                <a:latin typeface="Meiryo"/>
+              </a:defRPr>
+            </a:pPr>
+            <a:r>
+              <a:t>OpenAI    |    Business    |    ★★★★★</a:t>
+            </a:r>
+          </a:p>
+        </p:txBody>
+      </p:sp>
+      <p:sp>
+        <p:nvSpPr>
+          <p:cNvPr id="7" name="TextBox 6"/>
+          <p:cNvSpPr txBox="1"/>
+          <p:nvPr/>
+        </p:nvSpPr>
+        <p:spPr>
+          <a:xfrm>
+            <a:off x="548640" y="2651760"/>
+            <a:ext cx="11094415" cy="3200400"/>
+          </a:xfrm>
+          <a:prstGeom prst="rect">
+            <a:avLst/>
+          </a:prstGeom>
+          <a:noFill/>
+        </p:spPr>
+        <p:txBody>
+          <a:bodyPr wrap="square">
+            <a:normAutofit/>
+          </a:bodyPr>
+          <a:lstStyle/>
+          <a:p>
+            <a:pPr algn="l">
+              <a:defRPr sz="2000" b="0">
                 <a:solidFill>
                   <a:srgbClr val="1A1A2E"/>
                 </a:solidFill>
@@ -4197,23 +6258,43 @@
               </a:defRPr>
             </a:pPr>
             <a:r>
-              <a:t>★★★★☆  OpenAI、Nvidiaとの関係悪化 - 1000億ドル投資計画から撤退報道</a:t>
-            </a:r>
-          </a:p>
-          <a:p>
-            <a:pPr>
-              <a:spcBef>
-                <a:spcPts val="600"/>
-              </a:spcBef>
-              <a:defRPr sz="1300" b="0">
-                <a:solidFill>
-                  <a:srgbClr val="4A4A6A"/>
-                </a:solidFill>
-                <a:latin typeface="Meiryo"/>
-              </a:defRPr>
-            </a:pPr>
-            <a:r>
-              <a:t>Wall Street Journalが報じたところによると、NvidiaはOpenAIへの1000億ドル投資計画から撤退。OpenAIは代替チップ調達を検討中。Sam AltmanはNvidiaとの関係悪化の噂を否定しようと試みているが、...</a:t>
+              <a:t>OpenAIは2月10日、ChatGPTの無料版と「Go」プランで広告のテスト配信を開始。Anthropicは「Claudeは広告なし」と宣言し、OpenAIを揶揄する広告を展開。Sam Altman CEOは「不誠実」と反論。両社の収益化戦略の違いが鮮明になった。</a:t>
+            </a:r>
+          </a:p>
+        </p:txBody>
+      </p:sp>
+      <p:sp>
+        <p:nvSpPr>
+          <p:cNvPr id="8" name="TextBox 7"/>
+          <p:cNvSpPr txBox="1"/>
+          <p:nvPr/>
+        </p:nvSpPr>
+        <p:spPr>
+          <a:xfrm>
+            <a:off x="548640" y="5943600"/>
+            <a:ext cx="11094415" cy="365760"/>
+          </a:xfrm>
+          <a:prstGeom prst="rect">
+            <a:avLst/>
+          </a:prstGeom>
+          <a:noFill/>
+        </p:spPr>
+        <p:txBody>
+          <a:bodyPr wrap="square">
+            <a:spAutoFit/>
+          </a:bodyPr>
+          <a:lstStyle/>
+          <a:p>
+            <a:pPr algn="l">
+              <a:defRPr sz="1100" b="0">
+                <a:solidFill>
+                  <a:srgbClr val="959595"/>
+                </a:solidFill>
+                <a:latin typeface="Meiryo"/>
+              </a:defRPr>
+            </a:pPr>
+            <a:r>
+              <a:t>Source: NBC News - https://www.nbcnews.com/tech/internet/openai-starts-testing-ads-chatgpt-rcna258242</a:t>
             </a:r>
           </a:p>
         </p:txBody>
@@ -4245,13 +6326,13 @@
         <p:spPr>
           <a:xfrm>
             <a:off x="0" y="0"/>
-            <a:ext cx="12191695" cy="822960"/>
+            <a:ext cx="12191695" cy="777240"/>
           </a:xfrm>
           <a:prstGeom prst="rect">
             <a:avLst/>
           </a:prstGeom>
           <a:solidFill>
-            <a:srgbClr val="D4A574"/>
+            <a:srgbClr val="10A37F"/>
           </a:solidFill>
           <a:ln>
             <a:noFill/>
@@ -4287,8 +6368,8 @@
         </p:nvSpPr>
         <p:spPr>
           <a:xfrm>
-            <a:off x="457200" y="91440"/>
-            <a:ext cx="10972800" cy="640080"/>
+            <a:off x="548640" y="137160"/>
+            <a:ext cx="11094415" cy="502920"/>
           </a:xfrm>
           <a:prstGeom prst="rect">
             <a:avLst/>
@@ -4301,8 +6382,8 @@
           </a:bodyPr>
           <a:lstStyle/>
           <a:p>
-            <a:pPr algn="l">
-              <a:defRPr sz="2600" b="1">
+            <a:pPr>
+              <a:defRPr sz="2800" b="1">
                 <a:solidFill>
                   <a:srgbClr val="FFFFFF"/>
                 </a:solidFill>
@@ -4310,7 +6391,7 @@
               </a:defRPr>
             </a:pPr>
             <a:r>
-              <a:t>Anthropic  (2件)</a:t>
+              <a:t>OpenAI  (2件)</a:t>
             </a:r>
           </a:p>
         </p:txBody>
@@ -4323,8 +6404,132 @@
         </p:nvSpPr>
         <p:spPr>
           <a:xfrm>
-            <a:off x="640080" y="1097280"/>
-            <a:ext cx="10515600" cy="1005840"/>
+            <a:off x="548640" y="6446520"/>
+            <a:ext cx="11094415" cy="320040"/>
+          </a:xfrm>
+          <a:prstGeom prst="rect">
+            <a:avLst/>
+          </a:prstGeom>
+          <a:noFill/>
+        </p:spPr>
+        <p:txBody>
+          <a:bodyPr wrap="none">
+            <a:spAutoFit/>
+          </a:bodyPr>
+          <a:lstStyle/>
+          <a:p>
+            <a:pPr algn="r">
+              <a:defRPr sz="1000">
+                <a:solidFill>
+                  <a:srgbClr val="959595"/>
+                </a:solidFill>
+                <a:latin typeface="Meiryo"/>
+              </a:defRPr>
+            </a:pPr>
+            <a:r>
+              <a:t>AI News Daily Deck  |  2026-02-11  |  Page 3</a:t>
+            </a:r>
+          </a:p>
+        </p:txBody>
+      </p:sp>
+      <p:sp>
+        <p:nvSpPr>
+          <p:cNvPr id="5" name="Rectangle 4"/>
+          <p:cNvSpPr/>
+          <p:nvPr/>
+        </p:nvSpPr>
+        <p:spPr>
+          <a:xfrm>
+            <a:off x="548640" y="1051560"/>
+            <a:ext cx="11094415" cy="2286000"/>
+          </a:xfrm>
+          <a:prstGeom prst="rect">
+            <a:avLst/>
+          </a:prstGeom>
+          <a:solidFill>
+            <a:srgbClr val="F8F9FA"/>
+          </a:solidFill>
+          <a:ln w="6350">
+            <a:solidFill>
+              <a:srgbClr val="E0E0E0"/>
+            </a:solidFill>
+          </a:ln>
+        </p:spPr>
+        <p:style>
+          <a:lnRef idx="1">
+            <a:schemeClr val="accent1"/>
+          </a:lnRef>
+          <a:fillRef idx="3">
+            <a:schemeClr val="accent1"/>
+          </a:fillRef>
+          <a:effectRef idx="2">
+            <a:schemeClr val="accent1"/>
+          </a:effectRef>
+          <a:fontRef idx="minor">
+            <a:schemeClr val="lt1"/>
+          </a:fontRef>
+        </p:style>
+        <p:txBody>
+          <a:bodyPr rtlCol="0" anchor="ctr"/>
+          <a:lstStyle/>
+          <a:p>
+            <a:pPr algn="ctr"/>
+          </a:p>
+        </p:txBody>
+      </p:sp>
+      <p:sp>
+        <p:nvSpPr>
+          <p:cNvPr id="6" name="Rectangle 5"/>
+          <p:cNvSpPr/>
+          <p:nvPr/>
+        </p:nvSpPr>
+        <p:spPr>
+          <a:xfrm>
+            <a:off x="548640" y="1051560"/>
+            <a:ext cx="64008" cy="2286000"/>
+          </a:xfrm>
+          <a:prstGeom prst="rect">
+            <a:avLst/>
+          </a:prstGeom>
+          <a:solidFill>
+            <a:srgbClr val="10A37F"/>
+          </a:solidFill>
+          <a:ln>
+            <a:noFill/>
+          </a:ln>
+        </p:spPr>
+        <p:style>
+          <a:lnRef idx="1">
+            <a:schemeClr val="accent1"/>
+          </a:lnRef>
+          <a:fillRef idx="3">
+            <a:schemeClr val="accent1"/>
+          </a:fillRef>
+          <a:effectRef idx="2">
+            <a:schemeClr val="accent1"/>
+          </a:effectRef>
+          <a:fontRef idx="minor">
+            <a:schemeClr val="lt1"/>
+          </a:fontRef>
+        </p:style>
+        <p:txBody>
+          <a:bodyPr rtlCol="0" anchor="ctr"/>
+          <a:lstStyle/>
+          <a:p>
+            <a:pPr algn="ctr"/>
+          </a:p>
+        </p:txBody>
+      </p:sp>
+      <p:sp>
+        <p:nvSpPr>
+          <p:cNvPr id="7" name="TextBox 6"/>
+          <p:cNvSpPr txBox="1"/>
+          <p:nvPr/>
+        </p:nvSpPr>
+        <p:spPr>
+          <a:xfrm>
+            <a:off x="777240" y="1188720"/>
+            <a:ext cx="10637215" cy="548640"/>
           </a:xfrm>
           <a:prstGeom prst="rect">
             <a:avLst/>
@@ -4338,7 +6543,7 @@
           <a:lstStyle/>
           <a:p>
             <a:pPr algn="l">
-              <a:defRPr sz="1600" b="1">
+              <a:defRPr sz="2000" b="1">
                 <a:solidFill>
                   <a:srgbClr val="1A1A2E"/>
                 </a:solidFill>
@@ -4346,37 +6551,57 @@
               </a:defRPr>
             </a:pPr>
             <a:r>
-              <a:t>★★★★☆  Anthropic Claude 5、2026年2-3月リリース予定 - 推論能力とシステム連携を強化</a:t>
-            </a:r>
-          </a:p>
-          <a:p>
-            <a:pPr>
-              <a:spcBef>
-                <a:spcPts val="600"/>
-              </a:spcBef>
-              <a:defRPr sz="1300" b="0">
-                <a:solidFill>
-                  <a:srgbClr val="4A4A6A"/>
-                </a:solidFill>
-                <a:latin typeface="Meiryo"/>
-              </a:defRPr>
-            </a:pPr>
-            <a:r>
-              <a:t>Anthropicは2026年2月または3月に次世代モデルClaude 5をリリース予定。持続的推論（Sustained Reasoning）とクロスシステム統合機能を強化し、より複雑なタスクを長時間処理可能に。OpenAI・Microso...</a:t>
-            </a:r>
-          </a:p>
-        </p:txBody>
-      </p:sp>
-      <p:sp>
-        <p:nvSpPr>
-          <p:cNvPr id="5" name="TextBox 4"/>
+              <a:t>★★★★★  OpenAI、ChatGPTに広告導入開始 - Anthropicと差別化戦略で対立</a:t>
+            </a:r>
+          </a:p>
+        </p:txBody>
+      </p:sp>
+      <p:sp>
+        <p:nvSpPr>
+          <p:cNvPr id="8" name="TextBox 7"/>
           <p:cNvSpPr txBox="1"/>
           <p:nvPr/>
         </p:nvSpPr>
         <p:spPr>
           <a:xfrm>
-            <a:off x="640080" y="2194560"/>
-            <a:ext cx="10515600" cy="1005840"/>
+            <a:off x="777240" y="1737360"/>
+            <a:ext cx="10637215" cy="1188720"/>
+          </a:xfrm>
+          <a:prstGeom prst="rect">
+            <a:avLst/>
+          </a:prstGeom>
+          <a:noFill/>
+        </p:spPr>
+        <p:txBody>
+          <a:bodyPr wrap="square">
+            <a:normAutofit/>
+          </a:bodyPr>
+          <a:lstStyle/>
+          <a:p>
+            <a:pPr algn="l">
+              <a:defRPr sz="1600" b="0">
+                <a:solidFill>
+                  <a:srgbClr val="1A1A2E"/>
+                </a:solidFill>
+                <a:latin typeface="Meiryo"/>
+              </a:defRPr>
+            </a:pPr>
+            <a:r>
+              <a:t>OpenAIは2月10日、ChatGPTの無料版と「Go」プランで広告のテスト配信を開始。Anthropicは「Claudeは広告なし」と宣言し、OpenAIを揶揄する広告を展開。Sam Altman CEOは「不誠実」と反論。両社の収益化戦略の違いが鮮明になった。</a:t>
+            </a:r>
+          </a:p>
+        </p:txBody>
+      </p:sp>
+      <p:sp>
+        <p:nvSpPr>
+          <p:cNvPr id="9" name="TextBox 8"/>
+          <p:cNvSpPr txBox="1"/>
+          <p:nvPr/>
+        </p:nvSpPr>
+        <p:spPr>
+          <a:xfrm>
+            <a:off x="777240" y="3017520"/>
+            <a:ext cx="10637215" cy="274320"/>
           </a:xfrm>
           <a:prstGeom prst="rect">
             <a:avLst/>
@@ -4390,7 +6615,131 @@
           <a:lstStyle/>
           <a:p>
             <a:pPr algn="l">
-              <a:defRPr sz="1600" b="1">
+              <a:defRPr sz="1100" b="0">
+                <a:solidFill>
+                  <a:srgbClr val="959595"/>
+                </a:solidFill>
+                <a:latin typeface="Meiryo"/>
+              </a:defRPr>
+            </a:pPr>
+            <a:r>
+              <a:t>Business    |    NBC News</a:t>
+            </a:r>
+          </a:p>
+        </p:txBody>
+      </p:sp>
+      <p:sp>
+        <p:nvSpPr>
+          <p:cNvPr id="10" name="Rectangle 9"/>
+          <p:cNvSpPr/>
+          <p:nvPr/>
+        </p:nvSpPr>
+        <p:spPr>
+          <a:xfrm>
+            <a:off x="548640" y="3657600"/>
+            <a:ext cx="11094415" cy="2286000"/>
+          </a:xfrm>
+          <a:prstGeom prst="rect">
+            <a:avLst/>
+          </a:prstGeom>
+          <a:solidFill>
+            <a:srgbClr val="F8F9FA"/>
+          </a:solidFill>
+          <a:ln w="6350">
+            <a:solidFill>
+              <a:srgbClr val="E0E0E0"/>
+            </a:solidFill>
+          </a:ln>
+        </p:spPr>
+        <p:style>
+          <a:lnRef idx="1">
+            <a:schemeClr val="accent1"/>
+          </a:lnRef>
+          <a:fillRef idx="3">
+            <a:schemeClr val="accent1"/>
+          </a:fillRef>
+          <a:effectRef idx="2">
+            <a:schemeClr val="accent1"/>
+          </a:effectRef>
+          <a:fontRef idx="minor">
+            <a:schemeClr val="lt1"/>
+          </a:fontRef>
+        </p:style>
+        <p:txBody>
+          <a:bodyPr rtlCol="0" anchor="ctr"/>
+          <a:lstStyle/>
+          <a:p>
+            <a:pPr algn="ctr"/>
+          </a:p>
+        </p:txBody>
+      </p:sp>
+      <p:sp>
+        <p:nvSpPr>
+          <p:cNvPr id="11" name="Rectangle 10"/>
+          <p:cNvSpPr/>
+          <p:nvPr/>
+        </p:nvSpPr>
+        <p:spPr>
+          <a:xfrm>
+            <a:off x="548640" y="3657600"/>
+            <a:ext cx="64008" cy="2286000"/>
+          </a:xfrm>
+          <a:prstGeom prst="rect">
+            <a:avLst/>
+          </a:prstGeom>
+          <a:solidFill>
+            <a:srgbClr val="10A37F"/>
+          </a:solidFill>
+          <a:ln>
+            <a:noFill/>
+          </a:ln>
+        </p:spPr>
+        <p:style>
+          <a:lnRef idx="1">
+            <a:schemeClr val="accent1"/>
+          </a:lnRef>
+          <a:fillRef idx="3">
+            <a:schemeClr val="accent1"/>
+          </a:fillRef>
+          <a:effectRef idx="2">
+            <a:schemeClr val="accent1"/>
+          </a:effectRef>
+          <a:fontRef idx="minor">
+            <a:schemeClr val="lt1"/>
+          </a:fontRef>
+        </p:style>
+        <p:txBody>
+          <a:bodyPr rtlCol="0" anchor="ctr"/>
+          <a:lstStyle/>
+          <a:p>
+            <a:pPr algn="ctr"/>
+          </a:p>
+        </p:txBody>
+      </p:sp>
+      <p:sp>
+        <p:nvSpPr>
+          <p:cNvPr id="12" name="TextBox 11"/>
+          <p:cNvSpPr txBox="1"/>
+          <p:nvPr/>
+        </p:nvSpPr>
+        <p:spPr>
+          <a:xfrm>
+            <a:off x="777240" y="3794760"/>
+            <a:ext cx="10637215" cy="548640"/>
+          </a:xfrm>
+          <a:prstGeom prst="rect">
+            <a:avLst/>
+          </a:prstGeom>
+          <a:noFill/>
+        </p:spPr>
+        <p:txBody>
+          <a:bodyPr wrap="square">
+            <a:spAutoFit/>
+          </a:bodyPr>
+          <a:lstStyle/>
+          <a:p>
+            <a:pPr algn="l">
+              <a:defRPr sz="2000" b="1">
                 <a:solidFill>
                   <a:srgbClr val="1A1A2E"/>
                 </a:solidFill>
@@ -4398,23 +6747,79 @@
               </a:defRPr>
             </a:pPr>
             <a:r>
-              <a:t>★★★★☆  Anthropic、MCPで「AIのUSB-C」標準化に成功 - OpenAI・Microsoftも採用</a:t>
-            </a:r>
-          </a:p>
-          <a:p>
-            <a:pPr>
-              <a:spcBef>
-                <a:spcPts val="600"/>
-              </a:spcBef>
-              <a:defRPr sz="1300" b="0">
-                <a:solidFill>
-                  <a:srgbClr val="4A4A6A"/>
-                </a:solidFill>
-                <a:latin typeface="Meiryo"/>
-              </a:defRPr>
-            </a:pPr>
-            <a:r>
-              <a:t>AnthropicのModel Context Protocol（MCP）がAIエージェント接続の標準規格として急速に普及。OpenAIとMicrosoftが公式採用を表明し、データベース・検索エンジン・APIとの統合が簡素化。「AIのUS...</a:t>
+              <a:t>★★★★☆  OpenAI、Nvidiaとの関係悪化 - 1000億ドル投資計画から撤退報道</a:t>
+            </a:r>
+          </a:p>
+        </p:txBody>
+      </p:sp>
+      <p:sp>
+        <p:nvSpPr>
+          <p:cNvPr id="13" name="TextBox 12"/>
+          <p:cNvSpPr txBox="1"/>
+          <p:nvPr/>
+        </p:nvSpPr>
+        <p:spPr>
+          <a:xfrm>
+            <a:off x="777240" y="4343400"/>
+            <a:ext cx="10637215" cy="1188720"/>
+          </a:xfrm>
+          <a:prstGeom prst="rect">
+            <a:avLst/>
+          </a:prstGeom>
+          <a:noFill/>
+        </p:spPr>
+        <p:txBody>
+          <a:bodyPr wrap="square">
+            <a:normAutofit/>
+          </a:bodyPr>
+          <a:lstStyle/>
+          <a:p>
+            <a:pPr algn="l">
+              <a:defRPr sz="1600" b="0">
+                <a:solidFill>
+                  <a:srgbClr val="1A1A2E"/>
+                </a:solidFill>
+                <a:latin typeface="Meiryo"/>
+              </a:defRPr>
+            </a:pPr>
+            <a:r>
+              <a:t>Wall Street Journalが報じたところによると、NvidiaはOpenAIへの1000億ドル投資計画から撤退。OpenAIは代替チップ調達を検討中。Sam AltmanはNvidiaとの関係悪化の噂を否定しようと試みているが、供給多様化の動きは明確。</a:t>
+            </a:r>
+          </a:p>
+        </p:txBody>
+      </p:sp>
+      <p:sp>
+        <p:nvSpPr>
+          <p:cNvPr id="14" name="TextBox 13"/>
+          <p:cNvSpPr txBox="1"/>
+          <p:nvPr/>
+        </p:nvSpPr>
+        <p:spPr>
+          <a:xfrm>
+            <a:off x="777240" y="5623560"/>
+            <a:ext cx="10637215" cy="274320"/>
+          </a:xfrm>
+          <a:prstGeom prst="rect">
+            <a:avLst/>
+          </a:prstGeom>
+          <a:noFill/>
+        </p:spPr>
+        <p:txBody>
+          <a:bodyPr wrap="square">
+            <a:spAutoFit/>
+          </a:bodyPr>
+          <a:lstStyle/>
+          <a:p>
+            <a:pPr algn="l">
+              <a:defRPr sz="1100" b="0">
+                <a:solidFill>
+                  <a:srgbClr val="959595"/>
+                </a:solidFill>
+                <a:latin typeface="Meiryo"/>
+              </a:defRPr>
+            </a:pPr>
+            <a:r>
+              <a:t>Business    |    Axios</a:t>
             </a:r>
           </a:p>
         </p:txBody>
@@ -4446,13 +6851,13 @@
         <p:spPr>
           <a:xfrm>
             <a:off x="0" y="0"/>
-            <a:ext cx="12191695" cy="822960"/>
+            <a:ext cx="12191695" cy="777240"/>
           </a:xfrm>
           <a:prstGeom prst="rect">
             <a:avLst/>
           </a:prstGeom>
           <a:solidFill>
-            <a:srgbClr val="4285F4"/>
+            <a:srgbClr val="D4A574"/>
           </a:solidFill>
           <a:ln>
             <a:noFill/>
@@ -4488,8 +6893,8 @@
         </p:nvSpPr>
         <p:spPr>
           <a:xfrm>
-            <a:off x="457200" y="91440"/>
-            <a:ext cx="10972800" cy="640080"/>
+            <a:off x="548640" y="137160"/>
+            <a:ext cx="11094415" cy="502920"/>
           </a:xfrm>
           <a:prstGeom prst="rect">
             <a:avLst/>
@@ -4502,8 +6907,8 @@
           </a:bodyPr>
           <a:lstStyle/>
           <a:p>
-            <a:pPr algn="l">
-              <a:defRPr sz="2600" b="1">
+            <a:pPr>
+              <a:defRPr sz="2800" b="1">
                 <a:solidFill>
                   <a:srgbClr val="FFFFFF"/>
                 </a:solidFill>
@@ -4511,7 +6916,7 @@
               </a:defRPr>
             </a:pPr>
             <a:r>
-              <a:t>Google  (1件)</a:t>
+              <a:t>Anthropic  (2件)</a:t>
             </a:r>
           </a:p>
         </p:txBody>
@@ -4524,8 +6929,132 @@
         </p:nvSpPr>
         <p:spPr>
           <a:xfrm>
-            <a:off x="640080" y="1097280"/>
-            <a:ext cx="10515600" cy="1005840"/>
+            <a:off x="548640" y="6446520"/>
+            <a:ext cx="11094415" cy="320040"/>
+          </a:xfrm>
+          <a:prstGeom prst="rect">
+            <a:avLst/>
+          </a:prstGeom>
+          <a:noFill/>
+        </p:spPr>
+        <p:txBody>
+          <a:bodyPr wrap="none">
+            <a:spAutoFit/>
+          </a:bodyPr>
+          <a:lstStyle/>
+          <a:p>
+            <a:pPr algn="r">
+              <a:defRPr sz="1000">
+                <a:solidFill>
+                  <a:srgbClr val="959595"/>
+                </a:solidFill>
+                <a:latin typeface="Meiryo"/>
+              </a:defRPr>
+            </a:pPr>
+            <a:r>
+              <a:t>AI News Daily Deck  |  2026-02-11  |  Page 4</a:t>
+            </a:r>
+          </a:p>
+        </p:txBody>
+      </p:sp>
+      <p:sp>
+        <p:nvSpPr>
+          <p:cNvPr id="5" name="Rectangle 4"/>
+          <p:cNvSpPr/>
+          <p:nvPr/>
+        </p:nvSpPr>
+        <p:spPr>
+          <a:xfrm>
+            <a:off x="548640" y="1051560"/>
+            <a:ext cx="11094415" cy="2286000"/>
+          </a:xfrm>
+          <a:prstGeom prst="rect">
+            <a:avLst/>
+          </a:prstGeom>
+          <a:solidFill>
+            <a:srgbClr val="F8F9FA"/>
+          </a:solidFill>
+          <a:ln w="6350">
+            <a:solidFill>
+              <a:srgbClr val="E0E0E0"/>
+            </a:solidFill>
+          </a:ln>
+        </p:spPr>
+        <p:style>
+          <a:lnRef idx="1">
+            <a:schemeClr val="accent1"/>
+          </a:lnRef>
+          <a:fillRef idx="3">
+            <a:schemeClr val="accent1"/>
+          </a:fillRef>
+          <a:effectRef idx="2">
+            <a:schemeClr val="accent1"/>
+          </a:effectRef>
+          <a:fontRef idx="minor">
+            <a:schemeClr val="lt1"/>
+          </a:fontRef>
+        </p:style>
+        <p:txBody>
+          <a:bodyPr rtlCol="0" anchor="ctr"/>
+          <a:lstStyle/>
+          <a:p>
+            <a:pPr algn="ctr"/>
+          </a:p>
+        </p:txBody>
+      </p:sp>
+      <p:sp>
+        <p:nvSpPr>
+          <p:cNvPr id="6" name="Rectangle 5"/>
+          <p:cNvSpPr/>
+          <p:nvPr/>
+        </p:nvSpPr>
+        <p:spPr>
+          <a:xfrm>
+            <a:off x="548640" y="1051560"/>
+            <a:ext cx="64008" cy="2286000"/>
+          </a:xfrm>
+          <a:prstGeom prst="rect">
+            <a:avLst/>
+          </a:prstGeom>
+          <a:solidFill>
+            <a:srgbClr val="D4A574"/>
+          </a:solidFill>
+          <a:ln>
+            <a:noFill/>
+          </a:ln>
+        </p:spPr>
+        <p:style>
+          <a:lnRef idx="1">
+            <a:schemeClr val="accent1"/>
+          </a:lnRef>
+          <a:fillRef idx="3">
+            <a:schemeClr val="accent1"/>
+          </a:fillRef>
+          <a:effectRef idx="2">
+            <a:schemeClr val="accent1"/>
+          </a:effectRef>
+          <a:fontRef idx="minor">
+            <a:schemeClr val="lt1"/>
+          </a:fontRef>
+        </p:style>
+        <p:txBody>
+          <a:bodyPr rtlCol="0" anchor="ctr"/>
+          <a:lstStyle/>
+          <a:p>
+            <a:pPr algn="ctr"/>
+          </a:p>
+        </p:txBody>
+      </p:sp>
+      <p:sp>
+        <p:nvSpPr>
+          <p:cNvPr id="7" name="TextBox 6"/>
+          <p:cNvSpPr txBox="1"/>
+          <p:nvPr/>
+        </p:nvSpPr>
+        <p:spPr>
+          <a:xfrm>
+            <a:off x="777240" y="1188720"/>
+            <a:ext cx="10637215" cy="548640"/>
           </a:xfrm>
           <a:prstGeom prst="rect">
             <a:avLst/>
@@ -4539,7 +7068,7 @@
           <a:lstStyle/>
           <a:p>
             <a:pPr algn="l">
-              <a:defRPr sz="1600" b="1">
+              <a:defRPr sz="2000" b="1">
                 <a:solidFill>
                   <a:srgbClr val="1A1A2E"/>
                 </a:solidFill>
@@ -4547,23 +7076,275 @@
               </a:defRPr>
             </a:pPr>
             <a:r>
-              <a:t>★★★☆☆  Google DeepMind、Genie世界モデルを強化 - リアルタイム対話型環境生成へ</a:t>
-            </a:r>
-          </a:p>
-          <a:p>
-            <a:pPr>
-              <a:spcBef>
-                <a:spcPts val="600"/>
-              </a:spcBef>
-              <a:defRPr sz="1300" b="0">
-                <a:solidFill>
-                  <a:srgbClr val="4A4A6A"/>
-                </a:solidFill>
-                <a:latin typeface="Meiryo"/>
-              </a:defRPr>
-            </a:pPr>
-            <a:r>
-              <a:t>Google DeepMindは2025年8月にリリースした世界モデル「Genie」の最新版を開発中。リアルタイムで対話型の汎用環境を生成可能にし、ロボティクス・シミュレーション・ゲーム開発での応用を加速。自律型エージェントの基盤技術として...</a:t>
+              <a:t>★★★★☆  Anthropic Claude 5、2026年2-3月リリース予定 - 推論能力とシステム連携を強化</a:t>
+            </a:r>
+          </a:p>
+        </p:txBody>
+      </p:sp>
+      <p:sp>
+        <p:nvSpPr>
+          <p:cNvPr id="8" name="TextBox 7"/>
+          <p:cNvSpPr txBox="1"/>
+          <p:nvPr/>
+        </p:nvSpPr>
+        <p:spPr>
+          <a:xfrm>
+            <a:off x="777240" y="1737360"/>
+            <a:ext cx="10637215" cy="1188720"/>
+          </a:xfrm>
+          <a:prstGeom prst="rect">
+            <a:avLst/>
+          </a:prstGeom>
+          <a:noFill/>
+        </p:spPr>
+        <p:txBody>
+          <a:bodyPr wrap="square">
+            <a:normAutofit/>
+          </a:bodyPr>
+          <a:lstStyle/>
+          <a:p>
+            <a:pPr algn="l">
+              <a:defRPr sz="1600" b="0">
+                <a:solidFill>
+                  <a:srgbClr val="1A1A2E"/>
+                </a:solidFill>
+                <a:latin typeface="Meiryo"/>
+              </a:defRPr>
+            </a:pPr>
+            <a:r>
+              <a:t>Anthropicは2026年2月または3月に次世代モデルClaude 5をリリース予定。持続的推論（Sustained Reasoning）とクロスシステム統合機能を強化し、より複雑なタスクを長時間処理可能に。OpenAI・Microsoftも採用したMCP（Model Context Protocol）が標準化へ。</a:t>
+            </a:r>
+          </a:p>
+        </p:txBody>
+      </p:sp>
+      <p:sp>
+        <p:nvSpPr>
+          <p:cNvPr id="9" name="TextBox 8"/>
+          <p:cNvSpPr txBox="1"/>
+          <p:nvPr/>
+        </p:nvSpPr>
+        <p:spPr>
+          <a:xfrm>
+            <a:off x="777240" y="3017520"/>
+            <a:ext cx="10637215" cy="274320"/>
+          </a:xfrm>
+          <a:prstGeom prst="rect">
+            <a:avLst/>
+          </a:prstGeom>
+          <a:noFill/>
+        </p:spPr>
+        <p:txBody>
+          <a:bodyPr wrap="square">
+            <a:spAutoFit/>
+          </a:bodyPr>
+          <a:lstStyle/>
+          <a:p>
+            <a:pPr algn="l">
+              <a:defRPr sz="1100" b="0">
+                <a:solidFill>
+                  <a:srgbClr val="959595"/>
+                </a:solidFill>
+                <a:latin typeface="Meiryo"/>
+              </a:defRPr>
+            </a:pPr>
+            <a:r>
+              <a:t>LLM    |    Medium</a:t>
+            </a:r>
+          </a:p>
+        </p:txBody>
+      </p:sp>
+      <p:sp>
+        <p:nvSpPr>
+          <p:cNvPr id="10" name="Rectangle 9"/>
+          <p:cNvSpPr/>
+          <p:nvPr/>
+        </p:nvSpPr>
+        <p:spPr>
+          <a:xfrm>
+            <a:off x="548640" y="3657600"/>
+            <a:ext cx="11094415" cy="2286000"/>
+          </a:xfrm>
+          <a:prstGeom prst="rect">
+            <a:avLst/>
+          </a:prstGeom>
+          <a:solidFill>
+            <a:srgbClr val="F8F9FA"/>
+          </a:solidFill>
+          <a:ln w="6350">
+            <a:solidFill>
+              <a:srgbClr val="E0E0E0"/>
+            </a:solidFill>
+          </a:ln>
+        </p:spPr>
+        <p:style>
+          <a:lnRef idx="1">
+            <a:schemeClr val="accent1"/>
+          </a:lnRef>
+          <a:fillRef idx="3">
+            <a:schemeClr val="accent1"/>
+          </a:fillRef>
+          <a:effectRef idx="2">
+            <a:schemeClr val="accent1"/>
+          </a:effectRef>
+          <a:fontRef idx="minor">
+            <a:schemeClr val="lt1"/>
+          </a:fontRef>
+        </p:style>
+        <p:txBody>
+          <a:bodyPr rtlCol="0" anchor="ctr"/>
+          <a:lstStyle/>
+          <a:p>
+            <a:pPr algn="ctr"/>
+          </a:p>
+        </p:txBody>
+      </p:sp>
+      <p:sp>
+        <p:nvSpPr>
+          <p:cNvPr id="11" name="Rectangle 10"/>
+          <p:cNvSpPr/>
+          <p:nvPr/>
+        </p:nvSpPr>
+        <p:spPr>
+          <a:xfrm>
+            <a:off x="548640" y="3657600"/>
+            <a:ext cx="64008" cy="2286000"/>
+          </a:xfrm>
+          <a:prstGeom prst="rect">
+            <a:avLst/>
+          </a:prstGeom>
+          <a:solidFill>
+            <a:srgbClr val="D4A574"/>
+          </a:solidFill>
+          <a:ln>
+            <a:noFill/>
+          </a:ln>
+        </p:spPr>
+        <p:style>
+          <a:lnRef idx="1">
+            <a:schemeClr val="accent1"/>
+          </a:lnRef>
+          <a:fillRef idx="3">
+            <a:schemeClr val="accent1"/>
+          </a:fillRef>
+          <a:effectRef idx="2">
+            <a:schemeClr val="accent1"/>
+          </a:effectRef>
+          <a:fontRef idx="minor">
+            <a:schemeClr val="lt1"/>
+          </a:fontRef>
+        </p:style>
+        <p:txBody>
+          <a:bodyPr rtlCol="0" anchor="ctr"/>
+          <a:lstStyle/>
+          <a:p>
+            <a:pPr algn="ctr"/>
+          </a:p>
+        </p:txBody>
+      </p:sp>
+      <p:sp>
+        <p:nvSpPr>
+          <p:cNvPr id="12" name="TextBox 11"/>
+          <p:cNvSpPr txBox="1"/>
+          <p:nvPr/>
+        </p:nvSpPr>
+        <p:spPr>
+          <a:xfrm>
+            <a:off x="777240" y="3794760"/>
+            <a:ext cx="10637215" cy="548640"/>
+          </a:xfrm>
+          <a:prstGeom prst="rect">
+            <a:avLst/>
+          </a:prstGeom>
+          <a:noFill/>
+        </p:spPr>
+        <p:txBody>
+          <a:bodyPr wrap="square">
+            <a:spAutoFit/>
+          </a:bodyPr>
+          <a:lstStyle/>
+          <a:p>
+            <a:pPr algn="l">
+              <a:defRPr sz="2000" b="1">
+                <a:solidFill>
+                  <a:srgbClr val="1A1A2E"/>
+                </a:solidFill>
+                <a:latin typeface="Meiryo"/>
+              </a:defRPr>
+            </a:pPr>
+            <a:r>
+              <a:t>★★★★☆  Anthropic、MCPで「AIのUSB-C」標準化に成功 - OpenAI・Microsoftも採用</a:t>
+            </a:r>
+          </a:p>
+        </p:txBody>
+      </p:sp>
+      <p:sp>
+        <p:nvSpPr>
+          <p:cNvPr id="13" name="TextBox 12"/>
+          <p:cNvSpPr txBox="1"/>
+          <p:nvPr/>
+        </p:nvSpPr>
+        <p:spPr>
+          <a:xfrm>
+            <a:off x="777240" y="4343400"/>
+            <a:ext cx="10637215" cy="1188720"/>
+          </a:xfrm>
+          <a:prstGeom prst="rect">
+            <a:avLst/>
+          </a:prstGeom>
+          <a:noFill/>
+        </p:spPr>
+        <p:txBody>
+          <a:bodyPr wrap="square">
+            <a:normAutofit/>
+          </a:bodyPr>
+          <a:lstStyle/>
+          <a:p>
+            <a:pPr algn="l">
+              <a:defRPr sz="1600" b="0">
+                <a:solidFill>
+                  <a:srgbClr val="1A1A2E"/>
+                </a:solidFill>
+                <a:latin typeface="Meiryo"/>
+              </a:defRPr>
+            </a:pPr>
+            <a:r>
+              <a:t>AnthropicのModel Context Protocol（MCP）がAIエージェント接続の標準規格として急速に普及。OpenAIとMicrosoftが公式採用を表明し、データベース・検索エンジン・APIとの統合が簡素化。「AIのUSB-C」として業界標準化が確定的に。</a:t>
+            </a:r>
+          </a:p>
+        </p:txBody>
+      </p:sp>
+      <p:sp>
+        <p:nvSpPr>
+          <p:cNvPr id="14" name="TextBox 13"/>
+          <p:cNvSpPr txBox="1"/>
+          <p:nvPr/>
+        </p:nvSpPr>
+        <p:spPr>
+          <a:xfrm>
+            <a:off x="777240" y="5623560"/>
+            <a:ext cx="10637215" cy="274320"/>
+          </a:xfrm>
+          <a:prstGeom prst="rect">
+            <a:avLst/>
+          </a:prstGeom>
+          <a:noFill/>
+        </p:spPr>
+        <p:txBody>
+          <a:bodyPr wrap="square">
+            <a:spAutoFit/>
+          </a:bodyPr>
+          <a:lstStyle/>
+          <a:p>
+            <a:pPr algn="l">
+              <a:defRPr sz="1100" b="0">
+                <a:solidFill>
+                  <a:srgbClr val="959595"/>
+                </a:solidFill>
+                <a:latin typeface="Meiryo"/>
+              </a:defRPr>
+            </a:pPr>
+            <a:r>
+              <a:t>LLM    |    TechCrunch</a:t>
             </a:r>
           </a:p>
         </p:txBody>
@@ -4595,13 +7376,13 @@
         <p:spPr>
           <a:xfrm>
             <a:off x="0" y="0"/>
-            <a:ext cx="12191695" cy="822960"/>
+            <a:ext cx="12191695" cy="777240"/>
           </a:xfrm>
           <a:prstGeom prst="rect">
             <a:avLst/>
           </a:prstGeom>
           <a:solidFill>
-            <a:srgbClr val="00A4EF"/>
+            <a:srgbClr val="4285F4"/>
           </a:solidFill>
           <a:ln>
             <a:noFill/>
@@ -4637,8 +7418,8 @@
         </p:nvSpPr>
         <p:spPr>
           <a:xfrm>
-            <a:off x="457200" y="91440"/>
-            <a:ext cx="10972800" cy="640080"/>
+            <a:off x="548640" y="137160"/>
+            <a:ext cx="11094415" cy="502920"/>
           </a:xfrm>
           <a:prstGeom prst="rect">
             <a:avLst/>
@@ -4651,8 +7432,8 @@
           </a:bodyPr>
           <a:lstStyle/>
           <a:p>
-            <a:pPr algn="l">
-              <a:defRPr sz="2600" b="1">
+            <a:pPr>
+              <a:defRPr sz="2800" b="1">
                 <a:solidFill>
                   <a:srgbClr val="FFFFFF"/>
                 </a:solidFill>
@@ -4660,7 +7441,7 @@
               </a:defRPr>
             </a:pPr>
             <a:r>
-              <a:t>Microsoft  (1件)</a:t>
+              <a:t>Google  (1件)</a:t>
             </a:r>
           </a:p>
         </p:txBody>
@@ -4673,8 +7454,132 @@
         </p:nvSpPr>
         <p:spPr>
           <a:xfrm>
-            <a:off x="640080" y="1097280"/>
-            <a:ext cx="10515600" cy="1005840"/>
+            <a:off x="548640" y="6446520"/>
+            <a:ext cx="11094415" cy="320040"/>
+          </a:xfrm>
+          <a:prstGeom prst="rect">
+            <a:avLst/>
+          </a:prstGeom>
+          <a:noFill/>
+        </p:spPr>
+        <p:txBody>
+          <a:bodyPr wrap="none">
+            <a:spAutoFit/>
+          </a:bodyPr>
+          <a:lstStyle/>
+          <a:p>
+            <a:pPr algn="r">
+              <a:defRPr sz="1000">
+                <a:solidFill>
+                  <a:srgbClr val="959595"/>
+                </a:solidFill>
+                <a:latin typeface="Meiryo"/>
+              </a:defRPr>
+            </a:pPr>
+            <a:r>
+              <a:t>AI News Daily Deck  |  2026-02-11  |  Page 5</a:t>
+            </a:r>
+          </a:p>
+        </p:txBody>
+      </p:sp>
+      <p:sp>
+        <p:nvSpPr>
+          <p:cNvPr id="5" name="Rectangle 4"/>
+          <p:cNvSpPr/>
+          <p:nvPr/>
+        </p:nvSpPr>
+        <p:spPr>
+          <a:xfrm>
+            <a:off x="548640" y="1051560"/>
+            <a:ext cx="11094415" cy="4114800"/>
+          </a:xfrm>
+          <a:prstGeom prst="rect">
+            <a:avLst/>
+          </a:prstGeom>
+          <a:solidFill>
+            <a:srgbClr val="F8F9FA"/>
+          </a:solidFill>
+          <a:ln w="6350">
+            <a:solidFill>
+              <a:srgbClr val="E0E0E0"/>
+            </a:solidFill>
+          </a:ln>
+        </p:spPr>
+        <p:style>
+          <a:lnRef idx="1">
+            <a:schemeClr val="accent1"/>
+          </a:lnRef>
+          <a:fillRef idx="3">
+            <a:schemeClr val="accent1"/>
+          </a:fillRef>
+          <a:effectRef idx="2">
+            <a:schemeClr val="accent1"/>
+          </a:effectRef>
+          <a:fontRef idx="minor">
+            <a:schemeClr val="lt1"/>
+          </a:fontRef>
+        </p:style>
+        <p:txBody>
+          <a:bodyPr rtlCol="0" anchor="ctr"/>
+          <a:lstStyle/>
+          <a:p>
+            <a:pPr algn="ctr"/>
+          </a:p>
+        </p:txBody>
+      </p:sp>
+      <p:sp>
+        <p:nvSpPr>
+          <p:cNvPr id="6" name="Rectangle 5"/>
+          <p:cNvSpPr/>
+          <p:nvPr/>
+        </p:nvSpPr>
+        <p:spPr>
+          <a:xfrm>
+            <a:off x="548640" y="1051560"/>
+            <a:ext cx="64008" cy="4114800"/>
+          </a:xfrm>
+          <a:prstGeom prst="rect">
+            <a:avLst/>
+          </a:prstGeom>
+          <a:solidFill>
+            <a:srgbClr val="4285F4"/>
+          </a:solidFill>
+          <a:ln>
+            <a:noFill/>
+          </a:ln>
+        </p:spPr>
+        <p:style>
+          <a:lnRef idx="1">
+            <a:schemeClr val="accent1"/>
+          </a:lnRef>
+          <a:fillRef idx="3">
+            <a:schemeClr val="accent1"/>
+          </a:fillRef>
+          <a:effectRef idx="2">
+            <a:schemeClr val="accent1"/>
+          </a:effectRef>
+          <a:fontRef idx="minor">
+            <a:schemeClr val="lt1"/>
+          </a:fontRef>
+        </p:style>
+        <p:txBody>
+          <a:bodyPr rtlCol="0" anchor="ctr"/>
+          <a:lstStyle/>
+          <a:p>
+            <a:pPr algn="ctr"/>
+          </a:p>
+        </p:txBody>
+      </p:sp>
+      <p:sp>
+        <p:nvSpPr>
+          <p:cNvPr id="7" name="TextBox 6"/>
+          <p:cNvSpPr txBox="1"/>
+          <p:nvPr/>
+        </p:nvSpPr>
+        <p:spPr>
+          <a:xfrm>
+            <a:off x="777240" y="1188720"/>
+            <a:ext cx="10637215" cy="548640"/>
           </a:xfrm>
           <a:prstGeom prst="rect">
             <a:avLst/>
@@ -4688,7 +7593,7 @@
           <a:lstStyle/>
           <a:p>
             <a:pPr algn="l">
-              <a:defRPr sz="1600" b="1">
+              <a:defRPr sz="2000" b="1">
                 <a:solidFill>
                   <a:srgbClr val="1A1A2E"/>
                 </a:solidFill>
@@ -4696,23 +7601,79 @@
               </a:defRPr>
             </a:pPr>
             <a:r>
-              <a:t>★★★☆☆  Microsoft、LLMプライバシー保護の新手法開発 - PrivacyCheckerライブラリ公開</a:t>
-            </a:r>
-          </a:p>
-          <a:p>
-            <a:pPr>
-              <a:spcBef>
-                <a:spcPts val="600"/>
-              </a:spcBef>
-              <a:defRPr sz="1300" b="0">
-                <a:solidFill>
-                  <a:srgbClr val="4A4A6A"/>
-                </a:solidFill>
-                <a:latin typeface="Meiryo"/>
-              </a:defRPr>
-            </a:pPr>
-            <a:r>
-              <a:t>Microsoft ResearchはLLMのコンテキスト認識欠如による情報漏洩問題に対処する新手法を開発。推論時に複数段階で情報チェックする「PrivacyChecker」ライブラリをオープンソース公開。企業向けAIエージェント導入の重要...</a:t>
+              <a:t>★★★☆☆  Google DeepMind、Genie世界モデルを強化 - リアルタイム対話型環境生成へ</a:t>
+            </a:r>
+          </a:p>
+        </p:txBody>
+      </p:sp>
+      <p:sp>
+        <p:nvSpPr>
+          <p:cNvPr id="8" name="TextBox 7"/>
+          <p:cNvSpPr txBox="1"/>
+          <p:nvPr/>
+        </p:nvSpPr>
+        <p:spPr>
+          <a:xfrm>
+            <a:off x="777240" y="1737360"/>
+            <a:ext cx="10637215" cy="3017520"/>
+          </a:xfrm>
+          <a:prstGeom prst="rect">
+            <a:avLst/>
+          </a:prstGeom>
+          <a:noFill/>
+        </p:spPr>
+        <p:txBody>
+          <a:bodyPr wrap="square">
+            <a:normAutofit/>
+          </a:bodyPr>
+          <a:lstStyle/>
+          <a:p>
+            <a:pPr algn="l">
+              <a:defRPr sz="1600" b="0">
+                <a:solidFill>
+                  <a:srgbClr val="1A1A2E"/>
+                </a:solidFill>
+                <a:latin typeface="Meiryo"/>
+              </a:defRPr>
+            </a:pPr>
+            <a:r>
+              <a:t>Google DeepMindは2025年8月にリリースした世界モデル「Genie」の最新版を開発中。リアルタイムで対話型の汎用環境を生成可能にし、ロボティクス・シミュレーション・ゲーム開発での応用を加速。自律型エージェントの基盤技術として注目。</a:t>
+            </a:r>
+          </a:p>
+        </p:txBody>
+      </p:sp>
+      <p:sp>
+        <p:nvSpPr>
+          <p:cNvPr id="9" name="TextBox 8"/>
+          <p:cNvSpPr txBox="1"/>
+          <p:nvPr/>
+        </p:nvSpPr>
+        <p:spPr>
+          <a:xfrm>
+            <a:off x="777240" y="4846320"/>
+            <a:ext cx="10637215" cy="274320"/>
+          </a:xfrm>
+          <a:prstGeom prst="rect">
+            <a:avLst/>
+          </a:prstGeom>
+          <a:noFill/>
+        </p:spPr>
+        <p:txBody>
+          <a:bodyPr wrap="square">
+            <a:spAutoFit/>
+          </a:bodyPr>
+          <a:lstStyle/>
+          <a:p>
+            <a:pPr algn="l">
+              <a:defRPr sz="1100" b="0">
+                <a:solidFill>
+                  <a:srgbClr val="959595"/>
+                </a:solidFill>
+                <a:latin typeface="Meiryo"/>
+              </a:defRPr>
+            </a:pPr>
+            <a:r>
+              <a:t>LLM    |    MIT Technology Review</a:t>
             </a:r>
           </a:p>
         </p:txBody>
@@ -4744,13 +7705,13 @@
         <p:spPr>
           <a:xfrm>
             <a:off x="0" y="0"/>
-            <a:ext cx="12191695" cy="822960"/>
+            <a:ext cx="12191695" cy="777240"/>
           </a:xfrm>
           <a:prstGeom prst="rect">
             <a:avLst/>
           </a:prstGeom>
           <a:solidFill>
-            <a:srgbClr val="0668E1"/>
+            <a:srgbClr val="00A4EF"/>
           </a:solidFill>
           <a:ln>
             <a:noFill/>
@@ -4786,8 +7747,8 @@
         </p:nvSpPr>
         <p:spPr>
           <a:xfrm>
-            <a:off x="457200" y="91440"/>
-            <a:ext cx="10972800" cy="640080"/>
+            <a:off x="548640" y="137160"/>
+            <a:ext cx="11094415" cy="502920"/>
           </a:xfrm>
           <a:prstGeom prst="rect">
             <a:avLst/>
@@ -4800,8 +7761,8 @@
           </a:bodyPr>
           <a:lstStyle/>
           <a:p>
-            <a:pPr algn="l">
-              <a:defRPr sz="2600" b="1">
+            <a:pPr>
+              <a:defRPr sz="2800" b="1">
                 <a:solidFill>
                   <a:srgbClr val="FFFFFF"/>
                 </a:solidFill>
@@ -4809,7 +7770,7 @@
               </a:defRPr>
             </a:pPr>
             <a:r>
-              <a:t>Meta  (1件)</a:t>
+              <a:t>Microsoft  (1件)</a:t>
             </a:r>
           </a:p>
         </p:txBody>
@@ -4822,8 +7783,132 @@
         </p:nvSpPr>
         <p:spPr>
           <a:xfrm>
-            <a:off x="640080" y="1097280"/>
-            <a:ext cx="10515600" cy="1005840"/>
+            <a:off x="548640" y="6446520"/>
+            <a:ext cx="11094415" cy="320040"/>
+          </a:xfrm>
+          <a:prstGeom prst="rect">
+            <a:avLst/>
+          </a:prstGeom>
+          <a:noFill/>
+        </p:spPr>
+        <p:txBody>
+          <a:bodyPr wrap="none">
+            <a:spAutoFit/>
+          </a:bodyPr>
+          <a:lstStyle/>
+          <a:p>
+            <a:pPr algn="r">
+              <a:defRPr sz="1000">
+                <a:solidFill>
+                  <a:srgbClr val="959595"/>
+                </a:solidFill>
+                <a:latin typeface="Meiryo"/>
+              </a:defRPr>
+            </a:pPr>
+            <a:r>
+              <a:t>AI News Daily Deck  |  2026-02-11  |  Page 6</a:t>
+            </a:r>
+          </a:p>
+        </p:txBody>
+      </p:sp>
+      <p:sp>
+        <p:nvSpPr>
+          <p:cNvPr id="5" name="Rectangle 4"/>
+          <p:cNvSpPr/>
+          <p:nvPr/>
+        </p:nvSpPr>
+        <p:spPr>
+          <a:xfrm>
+            <a:off x="548640" y="1051560"/>
+            <a:ext cx="11094415" cy="4114800"/>
+          </a:xfrm>
+          <a:prstGeom prst="rect">
+            <a:avLst/>
+          </a:prstGeom>
+          <a:solidFill>
+            <a:srgbClr val="F8F9FA"/>
+          </a:solidFill>
+          <a:ln w="6350">
+            <a:solidFill>
+              <a:srgbClr val="E0E0E0"/>
+            </a:solidFill>
+          </a:ln>
+        </p:spPr>
+        <p:style>
+          <a:lnRef idx="1">
+            <a:schemeClr val="accent1"/>
+          </a:lnRef>
+          <a:fillRef idx="3">
+            <a:schemeClr val="accent1"/>
+          </a:fillRef>
+          <a:effectRef idx="2">
+            <a:schemeClr val="accent1"/>
+          </a:effectRef>
+          <a:fontRef idx="minor">
+            <a:schemeClr val="lt1"/>
+          </a:fontRef>
+        </p:style>
+        <p:txBody>
+          <a:bodyPr rtlCol="0" anchor="ctr"/>
+          <a:lstStyle/>
+          <a:p>
+            <a:pPr algn="ctr"/>
+          </a:p>
+        </p:txBody>
+      </p:sp>
+      <p:sp>
+        <p:nvSpPr>
+          <p:cNvPr id="6" name="Rectangle 5"/>
+          <p:cNvSpPr/>
+          <p:nvPr/>
+        </p:nvSpPr>
+        <p:spPr>
+          <a:xfrm>
+            <a:off x="548640" y="1051560"/>
+            <a:ext cx="64008" cy="4114800"/>
+          </a:xfrm>
+          <a:prstGeom prst="rect">
+            <a:avLst/>
+          </a:prstGeom>
+          <a:solidFill>
+            <a:srgbClr val="00A4EF"/>
+          </a:solidFill>
+          <a:ln>
+            <a:noFill/>
+          </a:ln>
+        </p:spPr>
+        <p:style>
+          <a:lnRef idx="1">
+            <a:schemeClr val="accent1"/>
+          </a:lnRef>
+          <a:fillRef idx="3">
+            <a:schemeClr val="accent1"/>
+          </a:fillRef>
+          <a:effectRef idx="2">
+            <a:schemeClr val="accent1"/>
+          </a:effectRef>
+          <a:fontRef idx="minor">
+            <a:schemeClr val="lt1"/>
+          </a:fontRef>
+        </p:style>
+        <p:txBody>
+          <a:bodyPr rtlCol="0" anchor="ctr"/>
+          <a:lstStyle/>
+          <a:p>
+            <a:pPr algn="ctr"/>
+          </a:p>
+        </p:txBody>
+      </p:sp>
+      <p:sp>
+        <p:nvSpPr>
+          <p:cNvPr id="7" name="TextBox 6"/>
+          <p:cNvSpPr txBox="1"/>
+          <p:nvPr/>
+        </p:nvSpPr>
+        <p:spPr>
+          <a:xfrm>
+            <a:off x="777240" y="1188720"/>
+            <a:ext cx="10637215" cy="548640"/>
           </a:xfrm>
           <a:prstGeom prst="rect">
             <a:avLst/>
@@ -4837,7 +7922,7 @@
           <a:lstStyle/>
           <a:p>
             <a:pPr algn="l">
-              <a:defRPr sz="1600" b="1">
+              <a:defRPr sz="2000" b="1">
                 <a:solidFill>
                   <a:srgbClr val="1A1A2E"/>
                 </a:solidFill>
@@ -4845,23 +7930,79 @@
               </a:defRPr>
             </a:pPr>
             <a:r>
-              <a:t>★★★☆☆  Meta、「Avocado」と「Mango」2モデルを2026年春リリース - クローズド戦略へ転換</a:t>
-            </a:r>
-          </a:p>
-          <a:p>
-            <a:pPr>
-              <a:spcBef>
-                <a:spcPts val="600"/>
-              </a:spcBef>
-              <a:defRPr sz="1300" b="0">
-                <a:solidFill>
-                  <a:srgbClr val="4A4A6A"/>
-                </a:solidFill>
-                <a:latin typeface="Meiryo"/>
-              </a:defRPr>
-            </a:pPr>
-            <a:r>
-              <a:t>MetaはテキストモデルAvocadoと画像・動画モデルMangoを2026年春にリリース予定。Avocadoはオープンソース戦略のLlamaと異なり、クローズドソース採用で商用API提供へ。Llama 4は引き続きオープンソースで2026...</a:t>
+              <a:t>★★★☆☆  Microsoft、LLMプライバシー保護の新手法開発 - PrivacyCheckerライブラリ公開</a:t>
+            </a:r>
+          </a:p>
+        </p:txBody>
+      </p:sp>
+      <p:sp>
+        <p:nvSpPr>
+          <p:cNvPr id="8" name="TextBox 7"/>
+          <p:cNvSpPr txBox="1"/>
+          <p:nvPr/>
+        </p:nvSpPr>
+        <p:spPr>
+          <a:xfrm>
+            <a:off x="777240" y="1737360"/>
+            <a:ext cx="10637215" cy="3017520"/>
+          </a:xfrm>
+          <a:prstGeom prst="rect">
+            <a:avLst/>
+          </a:prstGeom>
+          <a:noFill/>
+        </p:spPr>
+        <p:txBody>
+          <a:bodyPr wrap="square">
+            <a:normAutofit/>
+          </a:bodyPr>
+          <a:lstStyle/>
+          <a:p>
+            <a:pPr algn="l">
+              <a:defRPr sz="1600" b="0">
+                <a:solidFill>
+                  <a:srgbClr val="1A1A2E"/>
+                </a:solidFill>
+                <a:latin typeface="Meiryo"/>
+              </a:defRPr>
+            </a:pPr>
+            <a:r>
+              <a:t>Microsoft ResearchはLLMのコンテキスト認識欠如による情報漏洩問題に対処する新手法を開発。推論時に複数段階で情報チェックする「PrivacyChecker」ライブラリをオープンソース公開。企業向けAIエージェント導入の重要課題に対応。</a:t>
+            </a:r>
+          </a:p>
+        </p:txBody>
+      </p:sp>
+      <p:sp>
+        <p:nvSpPr>
+          <p:cNvPr id="9" name="TextBox 8"/>
+          <p:cNvSpPr txBox="1"/>
+          <p:nvPr/>
+        </p:nvSpPr>
+        <p:spPr>
+          <a:xfrm>
+            <a:off x="777240" y="4846320"/>
+            <a:ext cx="10637215" cy="274320"/>
+          </a:xfrm>
+          <a:prstGeom prst="rect">
+            <a:avLst/>
+          </a:prstGeom>
+          <a:noFill/>
+        </p:spPr>
+        <p:txBody>
+          <a:bodyPr wrap="square">
+            <a:spAutoFit/>
+          </a:bodyPr>
+          <a:lstStyle/>
+          <a:p>
+            <a:pPr algn="l">
+              <a:defRPr sz="1100" b="0">
+                <a:solidFill>
+                  <a:srgbClr val="959595"/>
+                </a:solidFill>
+                <a:latin typeface="Meiryo"/>
+              </a:defRPr>
+            </a:pPr>
+            <a:r>
+              <a:t>LLM    |    InfoQ</a:t>
             </a:r>
           </a:p>
         </p:txBody>
@@ -4893,13 +8034,13 @@
         <p:spPr>
           <a:xfrm>
             <a:off x="0" y="0"/>
-            <a:ext cx="12191695" cy="822960"/>
+            <a:ext cx="12191695" cy="777240"/>
           </a:xfrm>
           <a:prstGeom prst="rect">
             <a:avLst/>
           </a:prstGeom>
           <a:solidFill>
-            <a:srgbClr val="6C757D"/>
+            <a:srgbClr val="0668E1"/>
           </a:solidFill>
           <a:ln>
             <a:noFill/>
@@ -4935,8 +8076,8 @@
         </p:nvSpPr>
         <p:spPr>
           <a:xfrm>
-            <a:off x="457200" y="91440"/>
-            <a:ext cx="10972800" cy="640080"/>
+            <a:off x="548640" y="137160"/>
+            <a:ext cx="11094415" cy="502920"/>
           </a:xfrm>
           <a:prstGeom prst="rect">
             <a:avLst/>
@@ -4949,8 +8090,8 @@
           </a:bodyPr>
           <a:lstStyle/>
           <a:p>
-            <a:pPr algn="l">
-              <a:defRPr sz="2600" b="1">
+            <a:pPr>
+              <a:defRPr sz="2800" b="1">
                 <a:solidFill>
                   <a:srgbClr val="FFFFFF"/>
                 </a:solidFill>
@@ -4958,7 +8099,7 @@
               </a:defRPr>
             </a:pPr>
             <a:r>
-              <a:t>Other  (5件)</a:t>
+              <a:t>Meta  (1件)</a:t>
             </a:r>
           </a:p>
         </p:txBody>
@@ -4971,8 +8112,132 @@
         </p:nvSpPr>
         <p:spPr>
           <a:xfrm>
-            <a:off x="640080" y="1097280"/>
-            <a:ext cx="10515600" cy="1005840"/>
+            <a:off x="548640" y="6446520"/>
+            <a:ext cx="11094415" cy="320040"/>
+          </a:xfrm>
+          <a:prstGeom prst="rect">
+            <a:avLst/>
+          </a:prstGeom>
+          <a:noFill/>
+        </p:spPr>
+        <p:txBody>
+          <a:bodyPr wrap="none">
+            <a:spAutoFit/>
+          </a:bodyPr>
+          <a:lstStyle/>
+          <a:p>
+            <a:pPr algn="r">
+              <a:defRPr sz="1000">
+                <a:solidFill>
+                  <a:srgbClr val="959595"/>
+                </a:solidFill>
+                <a:latin typeface="Meiryo"/>
+              </a:defRPr>
+            </a:pPr>
+            <a:r>
+              <a:t>AI News Daily Deck  |  2026-02-11  |  Page 7</a:t>
+            </a:r>
+          </a:p>
+        </p:txBody>
+      </p:sp>
+      <p:sp>
+        <p:nvSpPr>
+          <p:cNvPr id="5" name="Rectangle 4"/>
+          <p:cNvSpPr/>
+          <p:nvPr/>
+        </p:nvSpPr>
+        <p:spPr>
+          <a:xfrm>
+            <a:off x="548640" y="1051560"/>
+            <a:ext cx="11094415" cy="4114800"/>
+          </a:xfrm>
+          <a:prstGeom prst="rect">
+            <a:avLst/>
+          </a:prstGeom>
+          <a:solidFill>
+            <a:srgbClr val="F8F9FA"/>
+          </a:solidFill>
+          <a:ln w="6350">
+            <a:solidFill>
+              <a:srgbClr val="E0E0E0"/>
+            </a:solidFill>
+          </a:ln>
+        </p:spPr>
+        <p:style>
+          <a:lnRef idx="1">
+            <a:schemeClr val="accent1"/>
+          </a:lnRef>
+          <a:fillRef idx="3">
+            <a:schemeClr val="accent1"/>
+          </a:fillRef>
+          <a:effectRef idx="2">
+            <a:schemeClr val="accent1"/>
+          </a:effectRef>
+          <a:fontRef idx="minor">
+            <a:schemeClr val="lt1"/>
+          </a:fontRef>
+        </p:style>
+        <p:txBody>
+          <a:bodyPr rtlCol="0" anchor="ctr"/>
+          <a:lstStyle/>
+          <a:p>
+            <a:pPr algn="ctr"/>
+          </a:p>
+        </p:txBody>
+      </p:sp>
+      <p:sp>
+        <p:nvSpPr>
+          <p:cNvPr id="6" name="Rectangle 5"/>
+          <p:cNvSpPr/>
+          <p:nvPr/>
+        </p:nvSpPr>
+        <p:spPr>
+          <a:xfrm>
+            <a:off x="548640" y="1051560"/>
+            <a:ext cx="64008" cy="4114800"/>
+          </a:xfrm>
+          <a:prstGeom prst="rect">
+            <a:avLst/>
+          </a:prstGeom>
+          <a:solidFill>
+            <a:srgbClr val="0668E1"/>
+          </a:solidFill>
+          <a:ln>
+            <a:noFill/>
+          </a:ln>
+        </p:spPr>
+        <p:style>
+          <a:lnRef idx="1">
+            <a:schemeClr val="accent1"/>
+          </a:lnRef>
+          <a:fillRef idx="3">
+            <a:schemeClr val="accent1"/>
+          </a:fillRef>
+          <a:effectRef idx="2">
+            <a:schemeClr val="accent1"/>
+          </a:effectRef>
+          <a:fontRef idx="minor">
+            <a:schemeClr val="lt1"/>
+          </a:fontRef>
+        </p:style>
+        <p:txBody>
+          <a:bodyPr rtlCol="0" anchor="ctr"/>
+          <a:lstStyle/>
+          <a:p>
+            <a:pPr algn="ctr"/>
+          </a:p>
+        </p:txBody>
+      </p:sp>
+      <p:sp>
+        <p:nvSpPr>
+          <p:cNvPr id="7" name="TextBox 6"/>
+          <p:cNvSpPr txBox="1"/>
+          <p:nvPr/>
+        </p:nvSpPr>
+        <p:spPr>
+          <a:xfrm>
+            <a:off x="777240" y="1188720"/>
+            <a:ext cx="10637215" cy="548640"/>
           </a:xfrm>
           <a:prstGeom prst="rect">
             <a:avLst/>
@@ -4986,7 +8251,7 @@
           <a:lstStyle/>
           <a:p>
             <a:pPr algn="l">
-              <a:defRPr sz="1600" b="1">
+              <a:defRPr sz="2000" b="1">
                 <a:solidFill>
                   <a:srgbClr val="1A1A2E"/>
                 </a:solidFill>
@@ -4994,37 +8259,57 @@
               </a:defRPr>
             </a:pPr>
             <a:r>
-              <a:t>★★★★★  Runway、53億ドル評価で3.15億ドル調達 - Gen 4.5で長尺動画生成が可能に</a:t>
-            </a:r>
-          </a:p>
-          <a:p>
-            <a:pPr>
-              <a:spcBef>
-                <a:spcPts val="600"/>
-              </a:spcBef>
-              <a:defRPr sz="1300" b="0">
-                <a:solidFill>
-                  <a:srgbClr val="4A4A6A"/>
-                </a:solidFill>
-                <a:latin typeface="Meiryo"/>
-              </a:defRPr>
-            </a:pPr>
-            <a:r>
-              <a:t>AI動画生成のRunwayが2月10日、シリーズEラウンドで3.15億ドルを調達し、評価額が前回の28億ドルから53億ドルへ約2倍に上昇。最新モデルGen 4.5はHD動画生成、ネイティブ音声、マルチショット生成、キャラクター一貫性を実現。</a:t>
-            </a:r>
-          </a:p>
-        </p:txBody>
-      </p:sp>
-      <p:sp>
-        <p:nvSpPr>
-          <p:cNvPr id="5" name="TextBox 4"/>
+              <a:t>★★★☆☆  Meta、「Avocado」と「Mango」2モデルを2026年春リリース - クローズド戦略へ転換</a:t>
+            </a:r>
+          </a:p>
+        </p:txBody>
+      </p:sp>
+      <p:sp>
+        <p:nvSpPr>
+          <p:cNvPr id="8" name="TextBox 7"/>
           <p:cNvSpPr txBox="1"/>
           <p:nvPr/>
         </p:nvSpPr>
         <p:spPr>
           <a:xfrm>
-            <a:off x="640080" y="2194560"/>
-            <a:ext cx="10515600" cy="1005840"/>
+            <a:off x="777240" y="1737360"/>
+            <a:ext cx="10637215" cy="3017520"/>
+          </a:xfrm>
+          <a:prstGeom prst="rect">
+            <a:avLst/>
+          </a:prstGeom>
+          <a:noFill/>
+        </p:spPr>
+        <p:txBody>
+          <a:bodyPr wrap="square">
+            <a:normAutofit/>
+          </a:bodyPr>
+          <a:lstStyle/>
+          <a:p>
+            <a:pPr algn="l">
+              <a:defRPr sz="1600" b="0">
+                <a:solidFill>
+                  <a:srgbClr val="1A1A2E"/>
+                </a:solidFill>
+                <a:latin typeface="Meiryo"/>
+              </a:defRPr>
+            </a:pPr>
+            <a:r>
+              <a:t>MetaはテキストモデルAvocadoと画像・動画モデルMangoを2026年春にリリース予定。Avocadoはオープンソース戦略のLlamaと異なり、クローズドソース採用で商用API提供へ。Llama 4は引き続きオープンソースで2026年後半リリース予定。</a:t>
+            </a:r>
+          </a:p>
+        </p:txBody>
+      </p:sp>
+      <p:sp>
+        <p:nvSpPr>
+          <p:cNvPr id="9" name="TextBox 8"/>
+          <p:cNvSpPr txBox="1"/>
+          <p:nvPr/>
+        </p:nvSpPr>
+        <p:spPr>
+          <a:xfrm>
+            <a:off x="777240" y="4846320"/>
+            <a:ext cx="10637215" cy="274320"/>
           </a:xfrm>
           <a:prstGeom prst="rect">
             <a:avLst/>
@@ -5038,187 +8323,15 @@
           <a:lstStyle/>
           <a:p>
             <a:pPr algn="l">
-              <a:defRPr sz="1600" b="1">
-                <a:solidFill>
-                  <a:srgbClr val="1A1A2E"/>
-                </a:solidFill>
-                <a:latin typeface="Meiryo"/>
-              </a:defRPr>
-            </a:pPr>
-            <a:r>
-              <a:t>★★★★☆  2026年1月、AIスタートアップに300億ドル流入 - インフラ・ロボティクスが牽引</a:t>
-            </a:r>
-          </a:p>
-          <a:p>
-            <a:pPr>
-              <a:spcBef>
-                <a:spcPts val="600"/>
-              </a:spcBef>
-              <a:defRPr sz="1300" b="0">
-                <a:solidFill>
-                  <a:srgbClr val="4A4A6A"/>
-                </a:solidFill>
-                <a:latin typeface="Meiryo"/>
-              </a:defRPr>
-            </a:pPr>
-            <a:r>
-              <a:t>2026年1月のグローバルスタートアップ資金調達は300億ドル超を記録し、AIインフラ、コンピュート、ロボティクス、データプラットフォームが主導。2025年通年ではAIスタートアップが1500億ドル調達し、全VC資金の40%以上を占めた。</a:t>
-            </a:r>
-          </a:p>
-        </p:txBody>
-      </p:sp>
-      <p:sp>
-        <p:nvSpPr>
-          <p:cNvPr id="6" name="TextBox 5"/>
-          <p:cNvSpPr txBox="1"/>
-          <p:nvPr/>
-        </p:nvSpPr>
-        <p:spPr>
-          <a:xfrm>
-            <a:off x="640080" y="3291840"/>
-            <a:ext cx="10515600" cy="1005840"/>
-          </a:xfrm>
-          <a:prstGeom prst="rect">
-            <a:avLst/>
-          </a:prstGeom>
-          <a:noFill/>
-        </p:spPr>
-        <p:txBody>
-          <a:bodyPr wrap="square">
-            <a:spAutoFit/>
-          </a:bodyPr>
-          <a:lstStyle/>
-          <a:p>
-            <a:pPr algn="l">
-              <a:defRPr sz="1600" b="1">
-                <a:solidFill>
-                  <a:srgbClr val="1A1A2E"/>
-                </a:solidFill>
-                <a:latin typeface="Meiryo"/>
-              </a:defRPr>
-            </a:pPr>
-            <a:r>
-              <a:t>★★★☆☆  コロラド州AI規制、実施を6月末まで延期 - 連邦・州の対立深まる</a:t>
-            </a:r>
-          </a:p>
-          <a:p>
-            <a:pPr>
-              <a:spcBef>
-                <a:spcPts val="600"/>
-              </a:spcBef>
-              <a:defRPr sz="1300" b="0">
-                <a:solidFill>
-                  <a:srgbClr val="4A4A6A"/>
-                </a:solidFill>
-                <a:latin typeface="Meiryo"/>
-              </a:defRPr>
-            </a:pPr>
-            <a:r>
-              <a:t>コロラド州は2月1日予定だったAI規制実施を6月30日まで延期。連邦政府は3月11日までに「負担の大きい」州法リストを公表予定で、連邦と州の規制対立が激化。高リスクAIシステムの開発者・利用者に対するリスク管理・差別緩和義務が焦点。</a:t>
-            </a:r>
-          </a:p>
-        </p:txBody>
-      </p:sp>
-      <p:sp>
-        <p:nvSpPr>
-          <p:cNvPr id="7" name="TextBox 6"/>
-          <p:cNvSpPr txBox="1"/>
-          <p:nvPr/>
-        </p:nvSpPr>
-        <p:spPr>
-          <a:xfrm>
-            <a:off x="640080" y="4389120"/>
-            <a:ext cx="10515600" cy="1005840"/>
-          </a:xfrm>
-          <a:prstGeom prst="rect">
-            <a:avLst/>
-          </a:prstGeom>
-          <a:noFill/>
-        </p:spPr>
-        <p:txBody>
-          <a:bodyPr wrap="square">
-            <a:spAutoFit/>
-          </a:bodyPr>
-          <a:lstStyle/>
-          <a:p>
-            <a:pPr algn="l">
-              <a:defRPr sz="1600" b="1">
-                <a:solidFill>
-                  <a:srgbClr val="1A1A2E"/>
-                </a:solidFill>
-                <a:latin typeface="Meiryo"/>
-              </a:defRPr>
-            </a:pPr>
-            <a:r>
-              <a:t>★★★☆☆  Adobe Firefly、無制限AI生成を有料プランで提供開始 - 月額クレジット制限撤廃</a:t>
-            </a:r>
-          </a:p>
-          <a:p>
-            <a:pPr>
-              <a:spcBef>
-                <a:spcPts val="600"/>
-              </a:spcBef>
-              <a:defRPr sz="1300" b="0">
-                <a:solidFill>
-                  <a:srgbClr val="4A4A6A"/>
-                </a:solidFill>
-                <a:latin typeface="Meiryo"/>
-              </a:defRPr>
-            </a:pPr>
-            <a:r>
-              <a:t>Adobeは2026年、Fireflyの有料サブスクライバー向けに無制限AI画像・動画生成を提供開始。従来の月間クレジット上限を撤廃し、プロクリエイター向けの利用制限を解消。競合Midjourney、Stable Diffusionとの差別...</a:t>
-            </a:r>
-          </a:p>
-        </p:txBody>
-      </p:sp>
-      <p:sp>
-        <p:nvSpPr>
-          <p:cNvPr id="8" name="TextBox 7"/>
-          <p:cNvSpPr txBox="1"/>
-          <p:nvPr/>
-        </p:nvSpPr>
-        <p:spPr>
-          <a:xfrm>
-            <a:off x="640080" y="5486400"/>
-            <a:ext cx="10515600" cy="1005840"/>
-          </a:xfrm>
-          <a:prstGeom prst="rect">
-            <a:avLst/>
-          </a:prstGeom>
-          <a:noFill/>
-        </p:spPr>
-        <p:txBody>
-          <a:bodyPr wrap="square">
-            <a:spAutoFit/>
-          </a:bodyPr>
-          <a:lstStyle/>
-          <a:p>
-            <a:pPr algn="l">
-              <a:defRPr sz="1600" b="1">
-                <a:solidFill>
-                  <a:srgbClr val="1A1A2E"/>
-                </a:solidFill>
-                <a:latin typeface="Meiryo"/>
-              </a:defRPr>
-            </a:pPr>
-            <a:r>
-              <a:t>★★★☆☆  EPFL研究チーム、AI動画生成の「ドリフト問題」解決 - 無制限時間動画が可能に</a:t>
-            </a:r>
-          </a:p>
-          <a:p>
-            <a:pPr>
-              <a:spcBef>
-                <a:spcPts val="600"/>
-              </a:spcBef>
-              <a:defRPr sz="1300" b="0">
-                <a:solidFill>
-                  <a:srgbClr val="4A4A6A"/>
-                </a:solidFill>
-                <a:latin typeface="Meiryo"/>
-              </a:defRPr>
-            </a:pPr>
-            <a:r>
-              <a:t>スイス連邦工科大学ローザンヌ校（EPFL）の研究チームが、AI動画生成における「ドリフト問題」（時間経過で品質劣化）を解決する新手法を開発。Stable Video Infinity（SVI）システムで数分以上の高品質動画生成が可能に。</a:t>
+              <a:defRPr sz="1100" b="0">
+                <a:solidFill>
+                  <a:srgbClr val="959595"/>
+                </a:solidFill>
+                <a:latin typeface="Meiryo"/>
+              </a:defRPr>
+            </a:pPr>
+            <a:r>
+              <a:t>LLM    |    DigiTimes</a:t>
             </a:r>
           </a:p>
         </p:txBody>
@@ -5250,13 +8363,13 @@
         <p:spPr>
           <a:xfrm>
             <a:off x="0" y="0"/>
-            <a:ext cx="12191695" cy="822960"/>
+            <a:ext cx="12191695" cy="777240"/>
           </a:xfrm>
           <a:prstGeom prst="rect">
             <a:avLst/>
           </a:prstGeom>
           <a:solidFill>
-            <a:srgbClr val="005BAB"/>
+            <a:srgbClr val="6C757D"/>
           </a:solidFill>
           <a:ln>
             <a:noFill/>
@@ -5292,8 +8405,8 @@
         </p:nvSpPr>
         <p:spPr>
           <a:xfrm>
-            <a:off x="457200" y="91440"/>
-            <a:ext cx="10972800" cy="640080"/>
+            <a:off x="548640" y="137160"/>
+            <a:ext cx="11094415" cy="502920"/>
           </a:xfrm>
           <a:prstGeom prst="rect">
             <a:avLst/>
@@ -5306,8 +8419,8 @@
           </a:bodyPr>
           <a:lstStyle/>
           <a:p>
-            <a:pPr algn="l">
-              <a:defRPr sz="2600" b="1">
+            <a:pPr>
+              <a:defRPr sz="2800" b="1">
                 <a:solidFill>
                   <a:srgbClr val="FFFFFF"/>
                 </a:solidFill>
@@ -5315,7 +8428,7 @@
               </a:defRPr>
             </a:pPr>
             <a:r>
-              <a:t>日本市場動向</a:t>
+              <a:t>Other  (5件) (1/3)</a:t>
             </a:r>
           </a:p>
         </p:txBody>
@@ -5328,8 +8441,132 @@
         </p:nvSpPr>
         <p:spPr>
           <a:xfrm>
-            <a:off x="640080" y="1188720"/>
-            <a:ext cx="10515600" cy="5029200"/>
+            <a:off x="548640" y="6446520"/>
+            <a:ext cx="11094415" cy="320040"/>
+          </a:xfrm>
+          <a:prstGeom prst="rect">
+            <a:avLst/>
+          </a:prstGeom>
+          <a:noFill/>
+        </p:spPr>
+        <p:txBody>
+          <a:bodyPr wrap="none">
+            <a:spAutoFit/>
+          </a:bodyPr>
+          <a:lstStyle/>
+          <a:p>
+            <a:pPr algn="r">
+              <a:defRPr sz="1000">
+                <a:solidFill>
+                  <a:srgbClr val="959595"/>
+                </a:solidFill>
+                <a:latin typeface="Meiryo"/>
+              </a:defRPr>
+            </a:pPr>
+            <a:r>
+              <a:t>AI News Daily Deck  |  2026-02-11  |  Page 8</a:t>
+            </a:r>
+          </a:p>
+        </p:txBody>
+      </p:sp>
+      <p:sp>
+        <p:nvSpPr>
+          <p:cNvPr id="5" name="Rectangle 4"/>
+          <p:cNvSpPr/>
+          <p:nvPr/>
+        </p:nvSpPr>
+        <p:spPr>
+          <a:xfrm>
+            <a:off x="548640" y="1051560"/>
+            <a:ext cx="11094415" cy="2286000"/>
+          </a:xfrm>
+          <a:prstGeom prst="rect">
+            <a:avLst/>
+          </a:prstGeom>
+          <a:solidFill>
+            <a:srgbClr val="F8F9FA"/>
+          </a:solidFill>
+          <a:ln w="6350">
+            <a:solidFill>
+              <a:srgbClr val="E0E0E0"/>
+            </a:solidFill>
+          </a:ln>
+        </p:spPr>
+        <p:style>
+          <a:lnRef idx="1">
+            <a:schemeClr val="accent1"/>
+          </a:lnRef>
+          <a:fillRef idx="3">
+            <a:schemeClr val="accent1"/>
+          </a:fillRef>
+          <a:effectRef idx="2">
+            <a:schemeClr val="accent1"/>
+          </a:effectRef>
+          <a:fontRef idx="minor">
+            <a:schemeClr val="lt1"/>
+          </a:fontRef>
+        </p:style>
+        <p:txBody>
+          <a:bodyPr rtlCol="0" anchor="ctr"/>
+          <a:lstStyle/>
+          <a:p>
+            <a:pPr algn="ctr"/>
+          </a:p>
+        </p:txBody>
+      </p:sp>
+      <p:sp>
+        <p:nvSpPr>
+          <p:cNvPr id="6" name="Rectangle 5"/>
+          <p:cNvSpPr/>
+          <p:nvPr/>
+        </p:nvSpPr>
+        <p:spPr>
+          <a:xfrm>
+            <a:off x="548640" y="1051560"/>
+            <a:ext cx="64008" cy="2286000"/>
+          </a:xfrm>
+          <a:prstGeom prst="rect">
+            <a:avLst/>
+          </a:prstGeom>
+          <a:solidFill>
+            <a:srgbClr val="6C757D"/>
+          </a:solidFill>
+          <a:ln>
+            <a:noFill/>
+          </a:ln>
+        </p:spPr>
+        <p:style>
+          <a:lnRef idx="1">
+            <a:schemeClr val="accent1"/>
+          </a:lnRef>
+          <a:fillRef idx="3">
+            <a:schemeClr val="accent1"/>
+          </a:fillRef>
+          <a:effectRef idx="2">
+            <a:schemeClr val="accent1"/>
+          </a:effectRef>
+          <a:fontRef idx="minor">
+            <a:schemeClr val="lt1"/>
+          </a:fontRef>
+        </p:style>
+        <p:txBody>
+          <a:bodyPr rtlCol="0" anchor="ctr"/>
+          <a:lstStyle/>
+          <a:p>
+            <a:pPr algn="ctr"/>
+          </a:p>
+        </p:txBody>
+      </p:sp>
+      <p:sp>
+        <p:nvSpPr>
+          <p:cNvPr id="7" name="TextBox 6"/>
+          <p:cNvSpPr txBox="1"/>
+          <p:nvPr/>
+        </p:nvSpPr>
+        <p:spPr>
+          <a:xfrm>
+            <a:off x="777240" y="1188720"/>
+            <a:ext cx="10637215" cy="548640"/>
           </a:xfrm>
           <a:prstGeom prst="rect">
             <a:avLst/>
@@ -5343,6 +8580,42 @@
           <a:lstStyle/>
           <a:p>
             <a:pPr algn="l">
+              <a:defRPr sz="2000" b="1">
+                <a:solidFill>
+                  <a:srgbClr val="1A1A2E"/>
+                </a:solidFill>
+                <a:latin typeface="Meiryo"/>
+              </a:defRPr>
+            </a:pPr>
+            <a:r>
+              <a:t>★★★★★  Runway、53億ドル評価で3.15億ドル調達 - Gen 4.5で長尺動画生成が可能に</a:t>
+            </a:r>
+          </a:p>
+        </p:txBody>
+      </p:sp>
+      <p:sp>
+        <p:nvSpPr>
+          <p:cNvPr id="8" name="TextBox 7"/>
+          <p:cNvSpPr txBox="1"/>
+          <p:nvPr/>
+        </p:nvSpPr>
+        <p:spPr>
+          <a:xfrm>
+            <a:off x="777240" y="1737360"/>
+            <a:ext cx="10637215" cy="1188720"/>
+          </a:xfrm>
+          <a:prstGeom prst="rect">
+            <a:avLst/>
+          </a:prstGeom>
+          <a:noFill/>
+        </p:spPr>
+        <p:txBody>
+          <a:bodyPr wrap="square">
+            <a:normAutofit/>
+          </a:bodyPr>
+          <a:lstStyle/>
+          <a:p>
+            <a:pPr algn="l">
               <a:defRPr sz="1600" b="0">
                 <a:solidFill>
                   <a:srgbClr val="1A1A2E"/>
@@ -5351,7 +8624,239 @@
               </a:defRPr>
             </a:pPr>
             <a:r>
-              <a:t>日本市場では生成AI活用が企業の実証実験から本格導入フェーズへ移行。経済産業省が2026年1月に発表した「AI活用ガイドライン2.0」により、製造業・金融・医療での利用基準が明確化。しかし、日本独自の大規模言語モデル開発は依然として海外勢に後れを取る。NTT、富士通、NECが共同で「日本版基盤モデル」開発を進めるが、OpenAI・Anthropic・Googleとの性能差は顕著。一方、Runway、Adobe Fireflyなどのクリエイティブツールは日本のコンテンツ産業で急速に普及。アニメ・ゲーム制作での活用事例が増加し、制作効率が大幅向上。規制面では個人情報保護委員会がAI学習データの透明性要求を強化し、企業は対応コスト増大に直面。日本企業の戦略は「自社開発」から「海外AIの活用・統合」へシフトする傾向が明確に。</a:t>
+              <a:t>AI動画生成のRunwayが2月10日、シリーズEラウンドで3.15億ドルを調達し、評価額が前回の28億ドルから53億ドルへ約2倍に上昇。最新モデルGen 4.5はHD動画生成、ネイティブ音声、マルチショット生成、キャラクター一貫性を実現。</a:t>
+            </a:r>
+          </a:p>
+        </p:txBody>
+      </p:sp>
+      <p:sp>
+        <p:nvSpPr>
+          <p:cNvPr id="9" name="TextBox 8"/>
+          <p:cNvSpPr txBox="1"/>
+          <p:nvPr/>
+        </p:nvSpPr>
+        <p:spPr>
+          <a:xfrm>
+            <a:off x="777240" y="3017520"/>
+            <a:ext cx="10637215" cy="274320"/>
+          </a:xfrm>
+          <a:prstGeom prst="rect">
+            <a:avLst/>
+          </a:prstGeom>
+          <a:noFill/>
+        </p:spPr>
+        <p:txBody>
+          <a:bodyPr wrap="square">
+            <a:spAutoFit/>
+          </a:bodyPr>
+          <a:lstStyle/>
+          <a:p>
+            <a:pPr algn="l">
+              <a:defRPr sz="1100" b="0">
+                <a:solidFill>
+                  <a:srgbClr val="959595"/>
+                </a:solidFill>
+                <a:latin typeface="Meiryo"/>
+              </a:defRPr>
+            </a:pPr>
+            <a:r>
+              <a:t>Video    |    TechCrunch</a:t>
+            </a:r>
+          </a:p>
+        </p:txBody>
+      </p:sp>
+      <p:sp>
+        <p:nvSpPr>
+          <p:cNvPr id="10" name="Rectangle 9"/>
+          <p:cNvSpPr/>
+          <p:nvPr/>
+        </p:nvSpPr>
+        <p:spPr>
+          <a:xfrm>
+            <a:off x="548640" y="3657600"/>
+            <a:ext cx="11094415" cy="2286000"/>
+          </a:xfrm>
+          <a:prstGeom prst="rect">
+            <a:avLst/>
+          </a:prstGeom>
+          <a:solidFill>
+            <a:srgbClr val="F8F9FA"/>
+          </a:solidFill>
+          <a:ln w="6350">
+            <a:solidFill>
+              <a:srgbClr val="E0E0E0"/>
+            </a:solidFill>
+          </a:ln>
+        </p:spPr>
+        <p:style>
+          <a:lnRef idx="1">
+            <a:schemeClr val="accent1"/>
+          </a:lnRef>
+          <a:fillRef idx="3">
+            <a:schemeClr val="accent1"/>
+          </a:fillRef>
+          <a:effectRef idx="2">
+            <a:schemeClr val="accent1"/>
+          </a:effectRef>
+          <a:fontRef idx="minor">
+            <a:schemeClr val="lt1"/>
+          </a:fontRef>
+        </p:style>
+        <p:txBody>
+          <a:bodyPr rtlCol="0" anchor="ctr"/>
+          <a:lstStyle/>
+          <a:p>
+            <a:pPr algn="ctr"/>
+          </a:p>
+        </p:txBody>
+      </p:sp>
+      <p:sp>
+        <p:nvSpPr>
+          <p:cNvPr id="11" name="Rectangle 10"/>
+          <p:cNvSpPr/>
+          <p:nvPr/>
+        </p:nvSpPr>
+        <p:spPr>
+          <a:xfrm>
+            <a:off x="548640" y="3657600"/>
+            <a:ext cx="64008" cy="2286000"/>
+          </a:xfrm>
+          <a:prstGeom prst="rect">
+            <a:avLst/>
+          </a:prstGeom>
+          <a:solidFill>
+            <a:srgbClr val="6C757D"/>
+          </a:solidFill>
+          <a:ln>
+            <a:noFill/>
+          </a:ln>
+        </p:spPr>
+        <p:style>
+          <a:lnRef idx="1">
+            <a:schemeClr val="accent1"/>
+          </a:lnRef>
+          <a:fillRef idx="3">
+            <a:schemeClr val="accent1"/>
+          </a:fillRef>
+          <a:effectRef idx="2">
+            <a:schemeClr val="accent1"/>
+          </a:effectRef>
+          <a:fontRef idx="minor">
+            <a:schemeClr val="lt1"/>
+          </a:fontRef>
+        </p:style>
+        <p:txBody>
+          <a:bodyPr rtlCol="0" anchor="ctr"/>
+          <a:lstStyle/>
+          <a:p>
+            <a:pPr algn="ctr"/>
+          </a:p>
+        </p:txBody>
+      </p:sp>
+      <p:sp>
+        <p:nvSpPr>
+          <p:cNvPr id="12" name="TextBox 11"/>
+          <p:cNvSpPr txBox="1"/>
+          <p:nvPr/>
+        </p:nvSpPr>
+        <p:spPr>
+          <a:xfrm>
+            <a:off x="777240" y="3794760"/>
+            <a:ext cx="10637215" cy="548640"/>
+          </a:xfrm>
+          <a:prstGeom prst="rect">
+            <a:avLst/>
+          </a:prstGeom>
+          <a:noFill/>
+        </p:spPr>
+        <p:txBody>
+          <a:bodyPr wrap="square">
+            <a:spAutoFit/>
+          </a:bodyPr>
+          <a:lstStyle/>
+          <a:p>
+            <a:pPr algn="l">
+              <a:defRPr sz="2000" b="1">
+                <a:solidFill>
+                  <a:srgbClr val="1A1A2E"/>
+                </a:solidFill>
+                <a:latin typeface="Meiryo"/>
+              </a:defRPr>
+            </a:pPr>
+            <a:r>
+              <a:t>★★★★☆  2026年1月、AIスタートアップに300億ドル流入 - インフラ・ロボティクスが牽引</a:t>
+            </a:r>
+          </a:p>
+        </p:txBody>
+      </p:sp>
+      <p:sp>
+        <p:nvSpPr>
+          <p:cNvPr id="13" name="TextBox 12"/>
+          <p:cNvSpPr txBox="1"/>
+          <p:nvPr/>
+        </p:nvSpPr>
+        <p:spPr>
+          <a:xfrm>
+            <a:off x="777240" y="4343400"/>
+            <a:ext cx="10637215" cy="1188720"/>
+          </a:xfrm>
+          <a:prstGeom prst="rect">
+            <a:avLst/>
+          </a:prstGeom>
+          <a:noFill/>
+        </p:spPr>
+        <p:txBody>
+          <a:bodyPr wrap="square">
+            <a:normAutofit/>
+          </a:bodyPr>
+          <a:lstStyle/>
+          <a:p>
+            <a:pPr algn="l">
+              <a:defRPr sz="1600" b="0">
+                <a:solidFill>
+                  <a:srgbClr val="1A1A2E"/>
+                </a:solidFill>
+                <a:latin typeface="Meiryo"/>
+              </a:defRPr>
+            </a:pPr>
+            <a:r>
+              <a:t>2026年1月のグローバルスタートアップ資金調達は300億ドル超を記録し、AIインフラ、コンピュート、ロボティクス、データプラットフォームが主導。2025年通年ではAIスタートアップが1500億ドル調達し、全VC資金の40%以上を占めた。</a:t>
+            </a:r>
+          </a:p>
+        </p:txBody>
+      </p:sp>
+      <p:sp>
+        <p:nvSpPr>
+          <p:cNvPr id="14" name="TextBox 13"/>
+          <p:cNvSpPr txBox="1"/>
+          <p:nvPr/>
+        </p:nvSpPr>
+        <p:spPr>
+          <a:xfrm>
+            <a:off x="777240" y="5623560"/>
+            <a:ext cx="10637215" cy="274320"/>
+          </a:xfrm>
+          <a:prstGeom prst="rect">
+            <a:avLst/>
+          </a:prstGeom>
+          <a:noFill/>
+        </p:spPr>
+        <p:txBody>
+          <a:bodyPr wrap="square">
+            <a:spAutoFit/>
+          </a:bodyPr>
+          <a:lstStyle/>
+          <a:p>
+            <a:pPr algn="l">
+              <a:defRPr sz="1100" b="0">
+                <a:solidFill>
+                  <a:srgbClr val="959595"/>
+                </a:solidFill>
+                <a:latin typeface="Meiryo"/>
+              </a:defRPr>
+            </a:pPr>
+            <a:r>
+              <a:t>Business    |    Intellizence</a:t>
             </a:r>
           </a:p>
         </p:txBody>

--- a/2026-02-11/report.pptx
+++ b/2026-02-11/report.pptx
@@ -21,6 +21,7 @@
     <p:sldId id="269" r:id="rId20"/>
     <p:sldId id="270" r:id="rId21"/>
     <p:sldId id="271" r:id="rId22"/>
+    <p:sldId id="272" r:id="rId23"/>
   </p:sldIdLst>
   <p:sldSz cx="12191695" cy="6858000" type="screen4x3"/>
   <p:notesSz cx="6858000" cy="9144000"/>
@@ -4726,7 +4727,7 @@
               </a:defRPr>
             </a:pPr>
             <a:r>
-              <a:t>ニュース重要度</a:t>
+              <a:t>キーワード分布</a:t>
             </a:r>
           </a:p>
         </p:txBody>
@@ -4769,7 +4770,7 @@
       </p:sp>
       <p:pic>
         <p:nvPicPr>
-          <p:cNvPr id="5" name="Picture 4" descr="importance_timeline.png"/>
+          <p:cNvPr id="5" name="Picture 4" descr="wordcloud.png"/>
           <p:cNvPicPr>
             <a:picLocks noChangeAspect="1"/>
           </p:cNvPicPr>
@@ -4883,7 +4884,7 @@
               </a:defRPr>
             </a:pPr>
             <a:r>
-              <a:t>Sources (引用元一覧)</a:t>
+              <a:t>ニュース重要度</a:t>
             </a:r>
           </a:p>
         </p:txBody>
@@ -4920,6 +4921,163 @@
             </a:pPr>
             <a:r>
               <a:t>AI News Daily Deck  |  2026-02-11  |  Page 15</a:t>
+            </a:r>
+          </a:p>
+        </p:txBody>
+      </p:sp>
+      <p:pic>
+        <p:nvPicPr>
+          <p:cNvPr id="5" name="Picture 4" descr="importance_timeline.png"/>
+          <p:cNvPicPr>
+            <a:picLocks noChangeAspect="1"/>
+          </p:cNvPicPr>
+          <p:nvPr/>
+        </p:nvPicPr>
+        <p:blipFill>
+          <a:blip r:embed="rId2"/>
+          <a:stretch>
+            <a:fillRect/>
+          </a:stretch>
+        </p:blipFill>
+        <p:spPr>
+          <a:xfrm>
+            <a:off x="1295247" y="1097280"/>
+            <a:ext cx="9601200" cy="4846320"/>
+          </a:xfrm>
+          <a:prstGeom prst="rect">
+            <a:avLst/>
+          </a:prstGeom>
+        </p:spPr>
+      </p:pic>
+    </p:spTree>
+  </p:cSld>
+  <p:clrMapOvr>
+    <a:masterClrMapping/>
+  </p:clrMapOvr>
+</p:sld>
+</file>
+
+<file path=ppt/slides/slide17.xml><?xml version="1.0" encoding="utf-8"?>
+<p:sld xmlns:a="http://schemas.openxmlformats.org/drawingml/2006/main" xmlns:p="http://schemas.openxmlformats.org/presentationml/2006/main" xmlns:r="http://schemas.openxmlformats.org/officeDocument/2006/relationships">
+  <p:cSld>
+    <p:spTree>
+      <p:nvGrpSpPr>
+        <p:cNvPr id="1" name=""/>
+        <p:cNvGrpSpPr/>
+        <p:nvPr/>
+      </p:nvGrpSpPr>
+      <p:grpSpPr/>
+      <p:sp>
+        <p:nvSpPr>
+          <p:cNvPr id="2" name="Rectangle 1"/>
+          <p:cNvSpPr/>
+          <p:nvPr/>
+        </p:nvSpPr>
+        <p:spPr>
+          <a:xfrm>
+            <a:off x="0" y="0"/>
+            <a:ext cx="12191695" cy="777240"/>
+          </a:xfrm>
+          <a:prstGeom prst="rect">
+            <a:avLst/>
+          </a:prstGeom>
+          <a:solidFill>
+            <a:srgbClr val="005BAB"/>
+          </a:solidFill>
+          <a:ln>
+            <a:noFill/>
+          </a:ln>
+        </p:spPr>
+        <p:style>
+          <a:lnRef idx="1">
+            <a:schemeClr val="accent1"/>
+          </a:lnRef>
+          <a:fillRef idx="3">
+            <a:schemeClr val="accent1"/>
+          </a:fillRef>
+          <a:effectRef idx="2">
+            <a:schemeClr val="accent1"/>
+          </a:effectRef>
+          <a:fontRef idx="minor">
+            <a:schemeClr val="lt1"/>
+          </a:fontRef>
+        </p:style>
+        <p:txBody>
+          <a:bodyPr rtlCol="0" anchor="ctr"/>
+          <a:lstStyle/>
+          <a:p>
+            <a:pPr algn="ctr"/>
+          </a:p>
+        </p:txBody>
+      </p:sp>
+      <p:sp>
+        <p:nvSpPr>
+          <p:cNvPr id="3" name="TextBox 2"/>
+          <p:cNvSpPr txBox="1"/>
+          <p:nvPr/>
+        </p:nvSpPr>
+        <p:spPr>
+          <a:xfrm>
+            <a:off x="548640" y="137160"/>
+            <a:ext cx="11094415" cy="502920"/>
+          </a:xfrm>
+          <a:prstGeom prst="rect">
+            <a:avLst/>
+          </a:prstGeom>
+          <a:noFill/>
+        </p:spPr>
+        <p:txBody>
+          <a:bodyPr wrap="square">
+            <a:spAutoFit/>
+          </a:bodyPr>
+          <a:lstStyle/>
+          <a:p>
+            <a:pPr>
+              <a:defRPr sz="2800" b="1">
+                <a:solidFill>
+                  <a:srgbClr val="FFFFFF"/>
+                </a:solidFill>
+                <a:latin typeface="Meiryo"/>
+              </a:defRPr>
+            </a:pPr>
+            <a:r>
+              <a:t>Sources (引用元一覧)</a:t>
+            </a:r>
+          </a:p>
+        </p:txBody>
+      </p:sp>
+      <p:sp>
+        <p:nvSpPr>
+          <p:cNvPr id="4" name="TextBox 3"/>
+          <p:cNvSpPr txBox="1"/>
+          <p:nvPr/>
+        </p:nvSpPr>
+        <p:spPr>
+          <a:xfrm>
+            <a:off x="548640" y="6446520"/>
+            <a:ext cx="11094415" cy="320040"/>
+          </a:xfrm>
+          <a:prstGeom prst="rect">
+            <a:avLst/>
+          </a:prstGeom>
+          <a:noFill/>
+        </p:spPr>
+        <p:txBody>
+          <a:bodyPr wrap="none">
+            <a:spAutoFit/>
+          </a:bodyPr>
+          <a:lstStyle/>
+          <a:p>
+            <a:pPr algn="r">
+              <a:defRPr sz="1000">
+                <a:solidFill>
+                  <a:srgbClr val="959595"/>
+                </a:solidFill>
+                <a:latin typeface="Meiryo"/>
+              </a:defRPr>
+            </a:pPr>
+            <a:r>
+              <a:t>AI News Daily Deck  |  2026-02-11  |  Page 16</a:t>
             </a:r>
           </a:p>
         </p:txBody>
@@ -4968,7 +5126,7 @@
               </a:defRPr>
             </a:pPr>
             <a:r>
-              <a:t>Tech Xplore: https://techxplore.com/news/2026-02-ai-limits-generative-video.html</a:t>
+              <a:t>InfoQ: https://www.infoq.com/news/2026/01/microsoft-llm-contextual-privacy/</a:t>
             </a:r>
           </a:p>
           <a:p>
@@ -4984,7 +5142,7 @@
               </a:defRPr>
             </a:pPr>
             <a:r>
-              <a:t>Intellizence: https://intellizence.com/insights/startup-funding/startup-funding-trends-january-2026-ai-infrastructure-and-robotics/</a:t>
+              <a:t>Digital Watch Observatory: https://dig.watch/updates/adobe-firefly-unlocks-powerful-unlimited-ai-generation-in-2026</a:t>
             </a:r>
           </a:p>
           <a:p>
@@ -5000,7 +5158,7 @@
               </a:defRPr>
             </a:pPr>
             <a:r>
-              <a:t>Digital Watch Observatory: https://dig.watch/updates/adobe-firefly-unlocks-powerful-unlimited-ai-generation-in-2026</a:t>
+              <a:t>TechCrunch: https://techcrunch.com/2026/02/10/ai-video-startup-runway-raises-315m-at-5-3b-valuation-eyes-more-capable-world-models/</a:t>
             </a:r>
           </a:p>
           <a:p>
@@ -5016,7 +5174,7 @@
               </a:defRPr>
             </a:pPr>
             <a:r>
-              <a:t>TechCrunch: https://techcrunch.com/2026/02/10/ai-video-startup-runway-raises-315m-at-5-3b-valuation-eyes-more-capable-world-models/</a:t>
+              <a:t>Axios: https://www.axios.com/2026/02/10/ai-ceo-feuds-openai-anthropic-google</a:t>
             </a:r>
           </a:p>
           <a:p>
@@ -5032,7 +5190,7 @@
               </a:defRPr>
             </a:pPr>
             <a:r>
-              <a:t>TechCrunch: https://techcrunch.com/2026/01/02/in-2026-ai-will-move-from-hype-to-pragmatism/</a:t>
+              <a:t>Intellizence: https://intellizence.com/insights/startup-funding/startup-funding-trends-january-2026-ai-infrastructure-and-robotics/</a:t>
             </a:r>
           </a:p>
           <a:p>
@@ -5048,7 +5206,7 @@
               </a:defRPr>
             </a:pPr>
             <a:r>
-              <a:t>InfoQ: https://www.infoq.com/news/2026/01/microsoft-llm-contextual-privacy/</a:t>
+              <a:t>Medium: https://medium.com/@urano10/the-future-of-ai-models-in-2026-whats-actually-coming-410141f3c979</a:t>
             </a:r>
           </a:p>
           <a:p>
@@ -5064,7 +5222,7 @@
               </a:defRPr>
             </a:pPr>
             <a:r>
-              <a:t>Axios: https://www.axios.com/2026/02/10/ai-ceo-feuds-openai-anthropic-google</a:t>
+              <a:t>Tech Xplore: https://techxplore.com/news/2026-02-ai-limits-generative-video.html</a:t>
             </a:r>
           </a:p>
           <a:p>
@@ -5080,7 +5238,7 @@
               </a:defRPr>
             </a:pPr>
             <a:r>
-              <a:t>Medium: https://medium.com/@urano10/the-future-of-ai-models-in-2026-whats-actually-coming-410141f3c979</a:t>
+              <a:t>National Law Review: https://natlawreview.com/article/2026-outlook-artificial-intelligence</a:t>
             </a:r>
           </a:p>
           <a:p>
@@ -5096,7 +5254,7 @@
               </a:defRPr>
             </a:pPr>
             <a:r>
-              <a:t>National Law Review: https://natlawreview.com/article/2026-outlook-artificial-intelligence</a:t>
+              <a:t>NBC News: https://www.nbcnews.com/tech/internet/openai-starts-testing-ads-chatgpt-rcna258242</a:t>
             </a:r>
           </a:p>
           <a:p>
@@ -5112,7 +5270,7 @@
               </a:defRPr>
             </a:pPr>
             <a:r>
-              <a:t>MIT Technology Review: https://www.technologyreview.com/2026/01/05/1130662/whats-next-for-ai-in-2026/</a:t>
+              <a:t>DigiTimes: https://www.digitimes.com/news/a20251215PD230/meta-ai-llm-llama-development.html</a:t>
             </a:r>
           </a:p>
           <a:p>
@@ -5128,7 +5286,7 @@
               </a:defRPr>
             </a:pPr>
             <a:r>
-              <a:t>DigiTimes: https://www.digitimes.com/news/a20251215PD230/meta-ai-llm-llama-development.html</a:t>
+              <a:t>TechCrunch: https://techcrunch.com/2026/01/02/in-2026-ai-will-move-from-hype-to-pragmatism/</a:t>
             </a:r>
           </a:p>
           <a:p>
@@ -5144,7 +5302,7 @@
               </a:defRPr>
             </a:pPr>
             <a:r>
-              <a:t>NBC News: https://www.nbcnews.com/tech/internet/openai-starts-testing-ads-chatgpt-rcna258242</a:t>
+              <a:t>MIT Technology Review: https://www.technologyreview.com/2026/01/05/1130662/whats-next-for-ai-in-2026/</a:t>
             </a:r>
           </a:p>
         </p:txBody>

--- a/2026-02-11/report.pptx
+++ b/2026-02-11/report.pptx
@@ -4013,7 +4013,7 @@
               </a:defRPr>
             </a:pPr>
             <a:r>
-              <a:t>► Intellizence: https://intellizence.com/insights/startup-funding/startup-funding-trends-january-2026-ai-infrastructure-and-robotics/</a:t>
+              <a:t>► NBC News: https://www.nbcnews.com/tech/internet/openai-starts-testing-ads-chatgpt-rcna258242</a:t>
             </a:r>
           </a:p>
           <a:p>
@@ -4029,7 +4029,7 @@
               </a:defRPr>
             </a:pPr>
             <a:r>
-              <a:t>► Digital Watch Observatory: https://dig.watch/updates/adobe-firefly-unlocks-powerful-unlimited-ai-generation-in-2026</a:t>
+              <a:t>► Medium: https://medium.com/@urano10/the-future-of-ai-models-in-2026-whats-actually-coming-410141f3c979</a:t>
             </a:r>
           </a:p>
           <a:p>
@@ -4045,7 +4045,7 @@
               </a:defRPr>
             </a:pPr>
             <a:r>
-              <a:t>► Axios: https://www.axios.com/2026/02/10/ai-ceo-feuds-openai-anthropic-google</a:t>
+              <a:t>► DigiTimes: https://www.digitimes.com/news/a20251215PD230/meta-ai-llm-llama-development.html</a:t>
             </a:r>
           </a:p>
           <a:p>
@@ -4061,7 +4061,7 @@
               </a:defRPr>
             </a:pPr>
             <a:r>
-              <a:t>► InfoQ: https://www.infoq.com/news/2026/01/microsoft-llm-contextual-privacy/</a:t>
+              <a:t>► TechCrunch: https://techcrunch.com/2026/01/02/in-2026-ai-will-move-from-hype-to-pragmatism/</a:t>
             </a:r>
           </a:p>
           <a:p>
@@ -4077,7 +4077,7 @@
               </a:defRPr>
             </a:pPr>
             <a:r>
-              <a:t>► Tech Xplore: https://techxplore.com/news/2026-02-ai-limits-generative-video.html</a:t>
+              <a:t>► TechCrunch: https://techcrunch.com/2026/02/10/ai-video-startup-runway-raises-315m-at-5-3b-valuation-eyes-more-capable-world-models/</a:t>
             </a:r>
           </a:p>
           <a:p>
@@ -4093,7 +4093,7 @@
               </a:defRPr>
             </a:pPr>
             <a:r>
-              <a:t>► NBC News: https://www.nbcnews.com/tech/internet/openai-starts-testing-ads-chatgpt-rcna258242</a:t>
+              <a:t>► Tech Xplore: https://techxplore.com/news/2026-02-ai-limits-generative-video.html</a:t>
             </a:r>
           </a:p>
         </p:txBody>
@@ -4142,7 +4142,7 @@
               </a:defRPr>
             </a:pPr>
             <a:r>
-              <a:t>► Medium: https://medium.com/@urano10/the-future-of-ai-models-in-2026-whats-actually-coming-410141f3c979</a:t>
+              <a:t>► Axios: https://www.axios.com/2026/02/10/ai-ceo-feuds-openai-anthropic-google</a:t>
             </a:r>
           </a:p>
           <a:p>
@@ -4158,7 +4158,7 @@
               </a:defRPr>
             </a:pPr>
             <a:r>
-              <a:t>► MIT Technology Review: https://www.technologyreview.com/2026/01/05/1130662/whats-next-for-ai-in-2026/</a:t>
+              <a:t>► Intellizence: https://intellizence.com/insights/startup-funding/startup-funding-trends-january-2026-ai-infrastructure-and-robotics/</a:t>
             </a:r>
           </a:p>
           <a:p>
@@ -4190,7 +4190,7 @@
               </a:defRPr>
             </a:pPr>
             <a:r>
-              <a:t>► TechCrunch: https://techcrunch.com/2026/02/10/ai-video-startup-runway-raises-315m-at-5-3b-valuation-eyes-more-capable-world-models/</a:t>
+              <a:t>► Digital Watch Observatory: https://dig.watch/updates/adobe-firefly-unlocks-powerful-unlimited-ai-generation-in-2026</a:t>
             </a:r>
           </a:p>
           <a:p>
@@ -4206,7 +4206,7 @@
               </a:defRPr>
             </a:pPr>
             <a:r>
-              <a:t>► DigiTimes: https://www.digitimes.com/news/a20251215PD230/meta-ai-llm-llama-development.html</a:t>
+              <a:t>► MIT Technology Review: https://www.technologyreview.com/2026/01/05/1130662/whats-next-for-ai-in-2026/</a:t>
             </a:r>
           </a:p>
           <a:p>
@@ -4222,7 +4222,7 @@
               </a:defRPr>
             </a:pPr>
             <a:r>
-              <a:t>► TechCrunch: https://techcrunch.com/2026/01/02/in-2026-ai-will-move-from-hype-to-pragmatism/</a:t>
+              <a:t>► InfoQ: https://www.infoq.com/news/2026/01/microsoft-llm-contextual-privacy/</a:t>
             </a:r>
           </a:p>
         </p:txBody>

--- a/2026-02-11/report.pptx
+++ b/2026-02-11/report.pptx
@@ -4013,7 +4013,7 @@
               </a:defRPr>
             </a:pPr>
             <a:r>
-              <a:t>► NBC News: https://www.nbcnews.com/tech/internet/openai-starts-testing-ads-chatgpt-rcna258242</a:t>
+              <a:t>► Axios: https://www.axios.com/2026/02/10/ai-ceo-feuds-openai-anthropic-google</a:t>
             </a:r>
           </a:p>
           <a:p>
@@ -4029,7 +4029,7 @@
               </a:defRPr>
             </a:pPr>
             <a:r>
-              <a:t>► Medium: https://medium.com/@urano10/the-future-of-ai-models-in-2026-whats-actually-coming-410141f3c979</a:t>
+              <a:t>► TechCrunch: https://techcrunch.com/2026/02/10/ai-video-startup-runway-raises-315m-at-5-3b-valuation-eyes-more-capable-world-models/</a:t>
             </a:r>
           </a:p>
           <a:p>
@@ -4045,7 +4045,7 @@
               </a:defRPr>
             </a:pPr>
             <a:r>
-              <a:t>► DigiTimes: https://www.digitimes.com/news/a20251215PD230/meta-ai-llm-llama-development.html</a:t>
+              <a:t>► National Law Review: https://natlawreview.com/article/2026-outlook-artificial-intelligence</a:t>
             </a:r>
           </a:p>
           <a:p>
@@ -4061,7 +4061,7 @@
               </a:defRPr>
             </a:pPr>
             <a:r>
-              <a:t>► TechCrunch: https://techcrunch.com/2026/01/02/in-2026-ai-will-move-from-hype-to-pragmatism/</a:t>
+              <a:t>► MIT Technology Review: https://www.technologyreview.com/2026/01/05/1130662/whats-next-for-ai-in-2026/</a:t>
             </a:r>
           </a:p>
           <a:p>
@@ -4077,7 +4077,7 @@
               </a:defRPr>
             </a:pPr>
             <a:r>
-              <a:t>► TechCrunch: https://techcrunch.com/2026/02/10/ai-video-startup-runway-raises-315m-at-5-3b-valuation-eyes-more-capable-world-models/</a:t>
+              <a:t>► Digital Watch Observatory: https://dig.watch/updates/adobe-firefly-unlocks-powerful-unlimited-ai-generation-in-2026</a:t>
             </a:r>
           </a:p>
           <a:p>
@@ -4093,7 +4093,7 @@
               </a:defRPr>
             </a:pPr>
             <a:r>
-              <a:t>► Tech Xplore: https://techxplore.com/news/2026-02-ai-limits-generative-video.html</a:t>
+              <a:t>► InfoQ: https://www.infoq.com/news/2026/01/microsoft-llm-contextual-privacy/</a:t>
             </a:r>
           </a:p>
         </p:txBody>
@@ -4142,7 +4142,7 @@
               </a:defRPr>
             </a:pPr>
             <a:r>
-              <a:t>► Axios: https://www.axios.com/2026/02/10/ai-ceo-feuds-openai-anthropic-google</a:t>
+              <a:t>► Intellizence: https://intellizence.com/insights/startup-funding/startup-funding-trends-january-2026-ai-infrastructure-and-robotics/</a:t>
             </a:r>
           </a:p>
           <a:p>
@@ -4158,7 +4158,7 @@
               </a:defRPr>
             </a:pPr>
             <a:r>
-              <a:t>► Intellizence: https://intellizence.com/insights/startup-funding/startup-funding-trends-january-2026-ai-infrastructure-and-robotics/</a:t>
+              <a:t>► TechCrunch: https://techcrunch.com/2026/01/02/in-2026-ai-will-move-from-hype-to-pragmatism/</a:t>
             </a:r>
           </a:p>
           <a:p>
@@ -4174,7 +4174,7 @@
               </a:defRPr>
             </a:pPr>
             <a:r>
-              <a:t>► National Law Review: https://natlawreview.com/article/2026-outlook-artificial-intelligence</a:t>
+              <a:t>► NBC News: https://www.nbcnews.com/tech/internet/openai-starts-testing-ads-chatgpt-rcna258242</a:t>
             </a:r>
           </a:p>
           <a:p>
@@ -4190,7 +4190,7 @@
               </a:defRPr>
             </a:pPr>
             <a:r>
-              <a:t>► Digital Watch Observatory: https://dig.watch/updates/adobe-firefly-unlocks-powerful-unlimited-ai-generation-in-2026</a:t>
+              <a:t>► DigiTimes: https://www.digitimes.com/news/a20251215PD230/meta-ai-llm-llama-development.html</a:t>
             </a:r>
           </a:p>
           <a:p>
@@ -4206,7 +4206,7 @@
               </a:defRPr>
             </a:pPr>
             <a:r>
-              <a:t>► MIT Technology Review: https://www.technologyreview.com/2026/01/05/1130662/whats-next-for-ai-in-2026/</a:t>
+              <a:t>► Tech Xplore: https://techxplore.com/news/2026-02-ai-limits-generative-video.html</a:t>
             </a:r>
           </a:p>
           <a:p>
@@ -4222,7 +4222,7 @@
               </a:defRPr>
             </a:pPr>
             <a:r>
-              <a:t>► InfoQ: https://www.infoq.com/news/2026/01/microsoft-llm-contextual-privacy/</a:t>
+              <a:t>► Medium: https://medium.com/@urano10/the-future-of-ai-models-in-2026-whats-actually-coming-410141f3c979</a:t>
             </a:r>
           </a:p>
         </p:txBody>
@@ -12234,7 +12234,7 @@
                         </a:defRPr>
                       </a:pPr>
                       <a:r>
-                        <a:t>MCP</a:t>
+                        <a:t>UCP</a:t>
                       </a:r>
                     </a:p>
                   </a:txBody>
@@ -12258,7 +12258,7 @@
                         </a:defRPr>
                       </a:pPr>
                       <a:r>
-                        <a:t>Anthropic</a:t>
+                        <a:t>Google</a:t>
                       </a:r>
                     </a:p>
                   </a:txBody>
@@ -12282,7 +12282,7 @@
                         </a:defRPr>
                       </a:pPr>
                       <a:r>
-                        <a:t>Agent-Tool</a:t>
+                        <a:t>Commerce</a:t>
                       </a:r>
                     </a:p>
                   </a:txBody>
@@ -12306,7 +12306,7 @@
                         </a:defRPr>
                       </a:pPr>
                       <a:r>
-                        <a:t>2024-11</a:t>
+                        <a:t>2026-01</a:t>
                       </a:r>
                     </a:p>
                   </a:txBody>
@@ -12330,7 +12330,495 @@
                         </a:defRPr>
                       </a:pPr>
                       <a:r>
-                        <a:t>AIモデルを外部データソース・ツールに接続するオープン標準。10,000以上のMCPサーバーが公開済み。OpenAI・Google・Microsoft等が採用。</a:t>
+                        <a:t>AIエージェント経由の商取引を標準化。A2A・MCP・AP2を統合オーケストレーションする上位プロトコル。Shopify・Walmart等が支持。</a:t>
+                      </a:r>
+                    </a:p>
+                  </a:txBody>
+                  <a:tcPr>
+                    <a:solidFill>
+                      <a:srgbClr val="FFFFFF"/>
+                    </a:solidFill>
+                  </a:tcPr>
+                </a:tc>
+              </a:tr>
+              <a:tr h="594360">
+                <a:tc>
+                  <a:txBody>
+                    <a:bodyPr/>
+                    <a:lstStyle/>
+                    <a:p>
+                      <a:pPr>
+                        <a:defRPr sz="1000" b="1">
+                          <a:solidFill>
+                            <a:srgbClr val="005BAB"/>
+                          </a:solidFill>
+                          <a:latin typeface="Meiryo"/>
+                        </a:defRPr>
+                      </a:pPr>
+                      <a:r>
+                        <a:t>Agent Skills</a:t>
+                      </a:r>
+                    </a:p>
+                  </a:txBody>
+                  <a:tcPr>
+                    <a:solidFill>
+                      <a:srgbClr val="E8F1F8"/>
+                    </a:solidFill>
+                  </a:tcPr>
+                </a:tc>
+                <a:tc>
+                  <a:txBody>
+                    <a:bodyPr/>
+                    <a:lstStyle/>
+                    <a:p>
+                      <a:pPr>
+                        <a:defRPr sz="1000">
+                          <a:solidFill>
+                            <a:srgbClr val="1A1A2E"/>
+                          </a:solidFill>
+                          <a:latin typeface="Meiryo"/>
+                        </a:defRPr>
+                      </a:pPr>
+                      <a:r>
+                        <a:t>Anthropic</a:t>
+                      </a:r>
+                    </a:p>
+                  </a:txBody>
+                  <a:tcPr>
+                    <a:solidFill>
+                      <a:srgbClr val="E8F1F8"/>
+                    </a:solidFill>
+                  </a:tcPr>
+                </a:tc>
+                <a:tc>
+                  <a:txBody>
+                    <a:bodyPr/>
+                    <a:lstStyle/>
+                    <a:p>
+                      <a:pPr algn="ctr">
+                        <a:defRPr sz="1000" b="1">
+                          <a:solidFill>
+                            <a:srgbClr val="5BA4D9"/>
+                          </a:solidFill>
+                          <a:latin typeface="Meiryo"/>
+                        </a:defRPr>
+                      </a:pPr>
+                      <a:r>
+                        <a:t>Agent Capability</a:t>
+                      </a:r>
+                    </a:p>
+                  </a:txBody>
+                  <a:tcPr>
+                    <a:solidFill>
+                      <a:srgbClr val="E8F1F8"/>
+                    </a:solidFill>
+                  </a:tcPr>
+                </a:tc>
+                <a:tc>
+                  <a:txBody>
+                    <a:bodyPr/>
+                    <a:lstStyle/>
+                    <a:p>
+                      <a:pPr algn="ctr">
+                        <a:defRPr sz="1000">
+                          <a:solidFill>
+                            <a:srgbClr val="6C757D"/>
+                          </a:solidFill>
+                          <a:latin typeface="Meiryo"/>
+                        </a:defRPr>
+                      </a:pPr>
+                      <a:r>
+                        <a:t>2025-12</a:t>
+                      </a:r>
+                    </a:p>
+                  </a:txBody>
+                  <a:tcPr>
+                    <a:solidFill>
+                      <a:srgbClr val="E8F1F8"/>
+                    </a:solidFill>
+                  </a:tcPr>
+                </a:tc>
+                <a:tc>
+                  <a:txBody>
+                    <a:bodyPr/>
+                    <a:lstStyle/>
+                    <a:p>
+                      <a:pPr>
+                        <a:defRPr sz="1000">
+                          <a:solidFill>
+                            <a:srgbClr val="1A1A2E"/>
+                          </a:solidFill>
+                          <a:latin typeface="Meiryo"/>
+                        </a:defRPr>
+                      </a:pPr>
+                      <a:r>
+                        <a:t>AIエージェントに再現可能なワークフローを教えるオープン標準。SKILL.mdベースのプログレッシブ・ディスクロージャー方式。Microsoft・OpenAI等が採用。</a:t>
+                      </a:r>
+                    </a:p>
+                  </a:txBody>
+                  <a:tcPr>
+                    <a:solidFill>
+                      <a:srgbClr val="E8F1F8"/>
+                    </a:solidFill>
+                  </a:tcPr>
+                </a:tc>
+              </a:tr>
+              <a:tr h="594360">
+                <a:tc>
+                  <a:txBody>
+                    <a:bodyPr/>
+                    <a:lstStyle/>
+                    <a:p>
+                      <a:pPr>
+                        <a:defRPr sz="1000" b="1">
+                          <a:solidFill>
+                            <a:srgbClr val="005BAB"/>
+                          </a:solidFill>
+                          <a:latin typeface="Meiryo"/>
+                        </a:defRPr>
+                      </a:pPr>
+                      <a:r>
+                        <a:t>ANP</a:t>
+                      </a:r>
+                    </a:p>
+                  </a:txBody>
+                  <a:tcPr>
+                    <a:solidFill>
+                      <a:srgbClr val="FFFFFF"/>
+                    </a:solidFill>
+                  </a:tcPr>
+                </a:tc>
+                <a:tc>
+                  <a:txBody>
+                    <a:bodyPr/>
+                    <a:lstStyle/>
+                    <a:p>
+                      <a:pPr>
+                        <a:defRPr sz="1000">
+                          <a:solidFill>
+                            <a:srgbClr val="1A1A2E"/>
+                          </a:solidFill>
+                          <a:latin typeface="Meiryo"/>
+                        </a:defRPr>
+                      </a:pPr>
+                      <a:r>
+                        <a:t>ANP Community (中国移動/Huawei等)</a:t>
+                      </a:r>
+                    </a:p>
+                  </a:txBody>
+                  <a:tcPr>
+                    <a:solidFill>
+                      <a:srgbClr val="FFFFFF"/>
+                    </a:solidFill>
+                  </a:tcPr>
+                </a:tc>
+                <a:tc>
+                  <a:txBody>
+                    <a:bodyPr/>
+                    <a:lstStyle/>
+                    <a:p>
+                      <a:pPr algn="ctr">
+                        <a:defRPr sz="1000" b="1">
+                          <a:solidFill>
+                            <a:srgbClr val="5BA4D9"/>
+                          </a:solidFill>
+                          <a:latin typeface="Meiryo"/>
+                        </a:defRPr>
+                      </a:pPr>
+                      <a:r>
+                        <a:t>Network Discovery</a:t>
+                      </a:r>
+                    </a:p>
+                  </a:txBody>
+                  <a:tcPr>
+                    <a:solidFill>
+                      <a:srgbClr val="FFFFFF"/>
+                    </a:solidFill>
+                  </a:tcPr>
+                </a:tc>
+                <a:tc>
+                  <a:txBody>
+                    <a:bodyPr/>
+                    <a:lstStyle/>
+                    <a:p>
+                      <a:pPr algn="ctr">
+                        <a:defRPr sz="1000">
+                          <a:solidFill>
+                            <a:srgbClr val="6C757D"/>
+                          </a:solidFill>
+                          <a:latin typeface="Meiryo"/>
+                        </a:defRPr>
+                      </a:pPr>
+                      <a:r>
+                        <a:t>2025-10</a:t>
+                      </a:r>
+                    </a:p>
+                  </a:txBody>
+                  <a:tcPr>
+                    <a:solidFill>
+                      <a:srgbClr val="FFFFFF"/>
+                    </a:solidFill>
+                  </a:tcPr>
+                </a:tc>
+                <a:tc>
+                  <a:txBody>
+                    <a:bodyPr/>
+                    <a:lstStyle/>
+                    <a:p>
+                      <a:pPr>
+                        <a:defRPr sz="1000">
+                          <a:solidFill>
+                            <a:srgbClr val="1A1A2E"/>
+                          </a:solidFill>
+                          <a:latin typeface="Meiryo"/>
+                        </a:defRPr>
+                      </a:pPr>
+                      <a:r>
+                        <a:t>数十億のエージェントのためのネットワークプロトコル。W3C DIDによるID認証、JSON-LDによる能力公開の3層アーキテクチャ。</a:t>
+                      </a:r>
+                    </a:p>
+                  </a:txBody>
+                  <a:tcPr>
+                    <a:solidFill>
+                      <a:srgbClr val="FFFFFF"/>
+                    </a:solidFill>
+                  </a:tcPr>
+                </a:tc>
+              </a:tr>
+              <a:tr h="594360">
+                <a:tc>
+                  <a:txBody>
+                    <a:bodyPr/>
+                    <a:lstStyle/>
+                    <a:p>
+                      <a:pPr>
+                        <a:defRPr sz="1000" b="1">
+                          <a:solidFill>
+                            <a:srgbClr val="005BAB"/>
+                          </a:solidFill>
+                          <a:latin typeface="Meiryo"/>
+                        </a:defRPr>
+                      </a:pPr>
+                      <a:r>
+                        <a:t>ACP</a:t>
+                      </a:r>
+                    </a:p>
+                  </a:txBody>
+                  <a:tcPr>
+                    <a:solidFill>
+                      <a:srgbClr val="E8F1F8"/>
+                    </a:solidFill>
+                  </a:tcPr>
+                </a:tc>
+                <a:tc>
+                  <a:txBody>
+                    <a:bodyPr/>
+                    <a:lstStyle/>
+                    <a:p>
+                      <a:pPr>
+                        <a:defRPr sz="1000">
+                          <a:solidFill>
+                            <a:srgbClr val="1A1A2E"/>
+                          </a:solidFill>
+                          <a:latin typeface="Meiryo"/>
+                        </a:defRPr>
+                      </a:pPr>
+                      <a:r>
+                        <a:t>OpenAI + Stripe</a:t>
+                      </a:r>
+                    </a:p>
+                  </a:txBody>
+                  <a:tcPr>
+                    <a:solidFill>
+                      <a:srgbClr val="E8F1F8"/>
+                    </a:solidFill>
+                  </a:tcPr>
+                </a:tc>
+                <a:tc>
+                  <a:txBody>
+                    <a:bodyPr/>
+                    <a:lstStyle/>
+                    <a:p>
+                      <a:pPr algn="ctr">
+                        <a:defRPr sz="1000" b="1">
+                          <a:solidFill>
+                            <a:srgbClr val="5BA4D9"/>
+                          </a:solidFill>
+                          <a:latin typeface="Meiryo"/>
+                        </a:defRPr>
+                      </a:pPr>
+                      <a:r>
+                        <a:t>Commerce</a:t>
+                      </a:r>
+                    </a:p>
+                  </a:txBody>
+                  <a:tcPr>
+                    <a:solidFill>
+                      <a:srgbClr val="E8F1F8"/>
+                    </a:solidFill>
+                  </a:tcPr>
+                </a:tc>
+                <a:tc>
+                  <a:txBody>
+                    <a:bodyPr/>
+                    <a:lstStyle/>
+                    <a:p>
+                      <a:pPr algn="ctr">
+                        <a:defRPr sz="1000">
+                          <a:solidFill>
+                            <a:srgbClr val="6C757D"/>
+                          </a:solidFill>
+                          <a:latin typeface="Meiryo"/>
+                        </a:defRPr>
+                      </a:pPr>
+                      <a:r>
+                        <a:t>2025-09</a:t>
+                      </a:r>
+                    </a:p>
+                  </a:txBody>
+                  <a:tcPr>
+                    <a:solidFill>
+                      <a:srgbClr val="E8F1F8"/>
+                    </a:solidFill>
+                  </a:tcPr>
+                </a:tc>
+                <a:tc>
+                  <a:txBody>
+                    <a:bodyPr/>
+                    <a:lstStyle/>
+                    <a:p>
+                      <a:pPr>
+                        <a:defRPr sz="1000">
+                          <a:solidFill>
+                            <a:srgbClr val="1A1A2E"/>
+                          </a:solidFill>
+                          <a:latin typeface="Meiryo"/>
+                        </a:defRPr>
+                      </a:pPr>
+                      <a:r>
+                        <a:t>AIエージェント経由の商取引フローを実現するオープン標準。物理/デジタル商品、サブスクリプション対応。ChatGPTで実装済み。</a:t>
+                      </a:r>
+                    </a:p>
+                  </a:txBody>
+                  <a:tcPr>
+                    <a:solidFill>
+                      <a:srgbClr val="E8F1F8"/>
+                    </a:solidFill>
+                  </a:tcPr>
+                </a:tc>
+              </a:tr>
+              <a:tr h="594360">
+                <a:tc>
+                  <a:txBody>
+                    <a:bodyPr/>
+                    <a:lstStyle/>
+                    <a:p>
+                      <a:pPr>
+                        <a:defRPr sz="1000" b="1">
+                          <a:solidFill>
+                            <a:srgbClr val="005BAB"/>
+                          </a:solidFill>
+                          <a:latin typeface="Meiryo"/>
+                        </a:defRPr>
+                      </a:pPr>
+                      <a:r>
+                        <a:t>AGENTS.md</a:t>
+                      </a:r>
+                    </a:p>
+                  </a:txBody>
+                  <a:tcPr>
+                    <a:solidFill>
+                      <a:srgbClr val="FFFFFF"/>
+                    </a:solidFill>
+                  </a:tcPr>
+                </a:tc>
+                <a:tc>
+                  <a:txBody>
+                    <a:bodyPr/>
+                    <a:lstStyle/>
+                    <a:p>
+                      <a:pPr>
+                        <a:defRPr sz="1000">
+                          <a:solidFill>
+                            <a:srgbClr val="1A1A2E"/>
+                          </a:solidFill>
+                          <a:latin typeface="Meiryo"/>
+                        </a:defRPr>
+                      </a:pPr>
+                      <a:r>
+                        <a:t>OpenAI</a:t>
+                      </a:r>
+                    </a:p>
+                  </a:txBody>
+                  <a:tcPr>
+                    <a:solidFill>
+                      <a:srgbClr val="FFFFFF"/>
+                    </a:solidFill>
+                  </a:tcPr>
+                </a:tc>
+                <a:tc>
+                  <a:txBody>
+                    <a:bodyPr/>
+                    <a:lstStyle/>
+                    <a:p>
+                      <a:pPr algn="ctr">
+                        <a:defRPr sz="1000" b="1">
+                          <a:solidFill>
+                            <a:srgbClr val="5BA4D9"/>
+                          </a:solidFill>
+                          <a:latin typeface="Meiryo"/>
+                        </a:defRPr>
+                      </a:pPr>
+                      <a:r>
+                        <a:t>Project Instruction</a:t>
+                      </a:r>
+                    </a:p>
+                  </a:txBody>
+                  <a:tcPr>
+                    <a:solidFill>
+                      <a:srgbClr val="FFFFFF"/>
+                    </a:solidFill>
+                  </a:tcPr>
+                </a:tc>
+                <a:tc>
+                  <a:txBody>
+                    <a:bodyPr/>
+                    <a:lstStyle/>
+                    <a:p>
+                      <a:pPr algn="ctr">
+                        <a:defRPr sz="1000">
+                          <a:solidFill>
+                            <a:srgbClr val="6C757D"/>
+                          </a:solidFill>
+                          <a:latin typeface="Meiryo"/>
+                        </a:defRPr>
+                      </a:pPr>
+                      <a:r>
+                        <a:t>2025-08</a:t>
+                      </a:r>
+                    </a:p>
+                  </a:txBody>
+                  <a:tcPr>
+                    <a:solidFill>
+                      <a:srgbClr val="FFFFFF"/>
+                    </a:solidFill>
+                  </a:tcPr>
+                </a:tc>
+                <a:tc>
+                  <a:txBody>
+                    <a:bodyPr/>
+                    <a:lstStyle/>
+                    <a:p>
+                      <a:pPr>
+                        <a:defRPr sz="1000">
+                          <a:solidFill>
+                            <a:srgbClr val="1A1A2E"/>
+                          </a:solidFill>
+                          <a:latin typeface="Meiryo"/>
+                        </a:defRPr>
+                      </a:pPr>
+                      <a:r>
+                        <a:t>AIコーディングエージェントにプロジェクト固有のガイダンスを提供するMarkdownベース規約。Copilot・Cursor・Gemini CLI等が対応。</a:t>
                       </a:r>
                     </a:p>
                   </a:txBody>
@@ -12478,7 +12966,7 @@
                         </a:defRPr>
                       </a:pPr>
                       <a:r>
-                        <a:t>Agent Skills</a:t>
+                        <a:t>MCP</a:t>
                       </a:r>
                     </a:p>
                   </a:txBody>
@@ -12526,7 +13014,7 @@
                         </a:defRPr>
                       </a:pPr>
                       <a:r>
-                        <a:t>Agent Capability</a:t>
+                        <a:t>Agent-Tool</a:t>
                       </a:r>
                     </a:p>
                   </a:txBody>
@@ -12550,7 +13038,7 @@
                         </a:defRPr>
                       </a:pPr>
                       <a:r>
-                        <a:t>2025-12</a:t>
+                        <a:t>2024-11</a:t>
                       </a:r>
                     </a:p>
                   </a:txBody>
@@ -12574,495 +13062,7 @@
                         </a:defRPr>
                       </a:pPr>
                       <a:r>
-                        <a:t>AIエージェントに再現可能なワークフローを教えるオープン標準。SKILL.mdベースのプログレッシブ・ディスクロージャー方式。Microsoft・OpenAI等が採用。</a:t>
-                      </a:r>
-                    </a:p>
-                  </a:txBody>
-                  <a:tcPr>
-                    <a:solidFill>
-                      <a:srgbClr val="FFFFFF"/>
-                    </a:solidFill>
-                  </a:tcPr>
-                </a:tc>
-              </a:tr>
-              <a:tr h="594360">
-                <a:tc>
-                  <a:txBody>
-                    <a:bodyPr/>
-                    <a:lstStyle/>
-                    <a:p>
-                      <a:pPr>
-                        <a:defRPr sz="1000" b="1">
-                          <a:solidFill>
-                            <a:srgbClr val="005BAB"/>
-                          </a:solidFill>
-                          <a:latin typeface="Meiryo"/>
-                        </a:defRPr>
-                      </a:pPr>
-                      <a:r>
-                        <a:t>UCP</a:t>
-                      </a:r>
-                    </a:p>
-                  </a:txBody>
-                  <a:tcPr>
-                    <a:solidFill>
-                      <a:srgbClr val="E8F1F8"/>
-                    </a:solidFill>
-                  </a:tcPr>
-                </a:tc>
-                <a:tc>
-                  <a:txBody>
-                    <a:bodyPr/>
-                    <a:lstStyle/>
-                    <a:p>
-                      <a:pPr>
-                        <a:defRPr sz="1000">
-                          <a:solidFill>
-                            <a:srgbClr val="1A1A2E"/>
-                          </a:solidFill>
-                          <a:latin typeface="Meiryo"/>
-                        </a:defRPr>
-                      </a:pPr>
-                      <a:r>
-                        <a:t>Google</a:t>
-                      </a:r>
-                    </a:p>
-                  </a:txBody>
-                  <a:tcPr>
-                    <a:solidFill>
-                      <a:srgbClr val="E8F1F8"/>
-                    </a:solidFill>
-                  </a:tcPr>
-                </a:tc>
-                <a:tc>
-                  <a:txBody>
-                    <a:bodyPr/>
-                    <a:lstStyle/>
-                    <a:p>
-                      <a:pPr algn="ctr">
-                        <a:defRPr sz="1000" b="1">
-                          <a:solidFill>
-                            <a:srgbClr val="5BA4D9"/>
-                          </a:solidFill>
-                          <a:latin typeface="Meiryo"/>
-                        </a:defRPr>
-                      </a:pPr>
-                      <a:r>
-                        <a:t>Commerce</a:t>
-                      </a:r>
-                    </a:p>
-                  </a:txBody>
-                  <a:tcPr>
-                    <a:solidFill>
-                      <a:srgbClr val="E8F1F8"/>
-                    </a:solidFill>
-                  </a:tcPr>
-                </a:tc>
-                <a:tc>
-                  <a:txBody>
-                    <a:bodyPr/>
-                    <a:lstStyle/>
-                    <a:p>
-                      <a:pPr algn="ctr">
-                        <a:defRPr sz="1000">
-                          <a:solidFill>
-                            <a:srgbClr val="6C757D"/>
-                          </a:solidFill>
-                          <a:latin typeface="Meiryo"/>
-                        </a:defRPr>
-                      </a:pPr>
-                      <a:r>
-                        <a:t>2026-01</a:t>
-                      </a:r>
-                    </a:p>
-                  </a:txBody>
-                  <a:tcPr>
-                    <a:solidFill>
-                      <a:srgbClr val="E8F1F8"/>
-                    </a:solidFill>
-                  </a:tcPr>
-                </a:tc>
-                <a:tc>
-                  <a:txBody>
-                    <a:bodyPr/>
-                    <a:lstStyle/>
-                    <a:p>
-                      <a:pPr>
-                        <a:defRPr sz="1000">
-                          <a:solidFill>
-                            <a:srgbClr val="1A1A2E"/>
-                          </a:solidFill>
-                          <a:latin typeface="Meiryo"/>
-                        </a:defRPr>
-                      </a:pPr>
-                      <a:r>
-                        <a:t>AIエージェント経由の商取引を標準化。A2A・MCP・AP2を統合オーケストレーションする上位プロトコル。Shopify・Walmart等が支持。</a:t>
-                      </a:r>
-                    </a:p>
-                  </a:txBody>
-                  <a:tcPr>
-                    <a:solidFill>
-                      <a:srgbClr val="E8F1F8"/>
-                    </a:solidFill>
-                  </a:tcPr>
-                </a:tc>
-              </a:tr>
-              <a:tr h="594360">
-                <a:tc>
-                  <a:txBody>
-                    <a:bodyPr/>
-                    <a:lstStyle/>
-                    <a:p>
-                      <a:pPr>
-                        <a:defRPr sz="1000" b="1">
-                          <a:solidFill>
-                            <a:srgbClr val="005BAB"/>
-                          </a:solidFill>
-                          <a:latin typeface="Meiryo"/>
-                        </a:defRPr>
-                      </a:pPr>
-                      <a:r>
-                        <a:t>ACP</a:t>
-                      </a:r>
-                    </a:p>
-                  </a:txBody>
-                  <a:tcPr>
-                    <a:solidFill>
-                      <a:srgbClr val="FFFFFF"/>
-                    </a:solidFill>
-                  </a:tcPr>
-                </a:tc>
-                <a:tc>
-                  <a:txBody>
-                    <a:bodyPr/>
-                    <a:lstStyle/>
-                    <a:p>
-                      <a:pPr>
-                        <a:defRPr sz="1000">
-                          <a:solidFill>
-                            <a:srgbClr val="1A1A2E"/>
-                          </a:solidFill>
-                          <a:latin typeface="Meiryo"/>
-                        </a:defRPr>
-                      </a:pPr>
-                      <a:r>
-                        <a:t>OpenAI + Stripe</a:t>
-                      </a:r>
-                    </a:p>
-                  </a:txBody>
-                  <a:tcPr>
-                    <a:solidFill>
-                      <a:srgbClr val="FFFFFF"/>
-                    </a:solidFill>
-                  </a:tcPr>
-                </a:tc>
-                <a:tc>
-                  <a:txBody>
-                    <a:bodyPr/>
-                    <a:lstStyle/>
-                    <a:p>
-                      <a:pPr algn="ctr">
-                        <a:defRPr sz="1000" b="1">
-                          <a:solidFill>
-                            <a:srgbClr val="5BA4D9"/>
-                          </a:solidFill>
-                          <a:latin typeface="Meiryo"/>
-                        </a:defRPr>
-                      </a:pPr>
-                      <a:r>
-                        <a:t>Commerce</a:t>
-                      </a:r>
-                    </a:p>
-                  </a:txBody>
-                  <a:tcPr>
-                    <a:solidFill>
-                      <a:srgbClr val="FFFFFF"/>
-                    </a:solidFill>
-                  </a:tcPr>
-                </a:tc>
-                <a:tc>
-                  <a:txBody>
-                    <a:bodyPr/>
-                    <a:lstStyle/>
-                    <a:p>
-                      <a:pPr algn="ctr">
-                        <a:defRPr sz="1000">
-                          <a:solidFill>
-                            <a:srgbClr val="6C757D"/>
-                          </a:solidFill>
-                          <a:latin typeface="Meiryo"/>
-                        </a:defRPr>
-                      </a:pPr>
-                      <a:r>
-                        <a:t>2025-09</a:t>
-                      </a:r>
-                    </a:p>
-                  </a:txBody>
-                  <a:tcPr>
-                    <a:solidFill>
-                      <a:srgbClr val="FFFFFF"/>
-                    </a:solidFill>
-                  </a:tcPr>
-                </a:tc>
-                <a:tc>
-                  <a:txBody>
-                    <a:bodyPr/>
-                    <a:lstStyle/>
-                    <a:p>
-                      <a:pPr>
-                        <a:defRPr sz="1000">
-                          <a:solidFill>
-                            <a:srgbClr val="1A1A2E"/>
-                          </a:solidFill>
-                          <a:latin typeface="Meiryo"/>
-                        </a:defRPr>
-                      </a:pPr>
-                      <a:r>
-                        <a:t>AIエージェント経由の商取引フローを実現するオープン標準。物理/デジタル商品、サブスクリプション対応。ChatGPTで実装済み。</a:t>
-                      </a:r>
-                    </a:p>
-                  </a:txBody>
-                  <a:tcPr>
-                    <a:solidFill>
-                      <a:srgbClr val="FFFFFF"/>
-                    </a:solidFill>
-                  </a:tcPr>
-                </a:tc>
-              </a:tr>
-              <a:tr h="594360">
-                <a:tc>
-                  <a:txBody>
-                    <a:bodyPr/>
-                    <a:lstStyle/>
-                    <a:p>
-                      <a:pPr>
-                        <a:defRPr sz="1000" b="1">
-                          <a:solidFill>
-                            <a:srgbClr val="005BAB"/>
-                          </a:solidFill>
-                          <a:latin typeface="Meiryo"/>
-                        </a:defRPr>
-                      </a:pPr>
-                      <a:r>
-                        <a:t>AGENTS.md</a:t>
-                      </a:r>
-                    </a:p>
-                  </a:txBody>
-                  <a:tcPr>
-                    <a:solidFill>
-                      <a:srgbClr val="E8F1F8"/>
-                    </a:solidFill>
-                  </a:tcPr>
-                </a:tc>
-                <a:tc>
-                  <a:txBody>
-                    <a:bodyPr/>
-                    <a:lstStyle/>
-                    <a:p>
-                      <a:pPr>
-                        <a:defRPr sz="1000">
-                          <a:solidFill>
-                            <a:srgbClr val="1A1A2E"/>
-                          </a:solidFill>
-                          <a:latin typeface="Meiryo"/>
-                        </a:defRPr>
-                      </a:pPr>
-                      <a:r>
-                        <a:t>OpenAI</a:t>
-                      </a:r>
-                    </a:p>
-                  </a:txBody>
-                  <a:tcPr>
-                    <a:solidFill>
-                      <a:srgbClr val="E8F1F8"/>
-                    </a:solidFill>
-                  </a:tcPr>
-                </a:tc>
-                <a:tc>
-                  <a:txBody>
-                    <a:bodyPr/>
-                    <a:lstStyle/>
-                    <a:p>
-                      <a:pPr algn="ctr">
-                        <a:defRPr sz="1000" b="1">
-                          <a:solidFill>
-                            <a:srgbClr val="5BA4D9"/>
-                          </a:solidFill>
-                          <a:latin typeface="Meiryo"/>
-                        </a:defRPr>
-                      </a:pPr>
-                      <a:r>
-                        <a:t>Project Instruction</a:t>
-                      </a:r>
-                    </a:p>
-                  </a:txBody>
-                  <a:tcPr>
-                    <a:solidFill>
-                      <a:srgbClr val="E8F1F8"/>
-                    </a:solidFill>
-                  </a:tcPr>
-                </a:tc>
-                <a:tc>
-                  <a:txBody>
-                    <a:bodyPr/>
-                    <a:lstStyle/>
-                    <a:p>
-                      <a:pPr algn="ctr">
-                        <a:defRPr sz="1000">
-                          <a:solidFill>
-                            <a:srgbClr val="6C757D"/>
-                          </a:solidFill>
-                          <a:latin typeface="Meiryo"/>
-                        </a:defRPr>
-                      </a:pPr>
-                      <a:r>
-                        <a:t>2025-08</a:t>
-                      </a:r>
-                    </a:p>
-                  </a:txBody>
-                  <a:tcPr>
-                    <a:solidFill>
-                      <a:srgbClr val="E8F1F8"/>
-                    </a:solidFill>
-                  </a:tcPr>
-                </a:tc>
-                <a:tc>
-                  <a:txBody>
-                    <a:bodyPr/>
-                    <a:lstStyle/>
-                    <a:p>
-                      <a:pPr>
-                        <a:defRPr sz="1000">
-                          <a:solidFill>
-                            <a:srgbClr val="1A1A2E"/>
-                          </a:solidFill>
-                          <a:latin typeface="Meiryo"/>
-                        </a:defRPr>
-                      </a:pPr>
-                      <a:r>
-                        <a:t>AIコーディングエージェントにプロジェクト固有のガイダンスを提供するMarkdownベース規約。Copilot・Cursor・Gemini CLI等が対応。</a:t>
-                      </a:r>
-                    </a:p>
-                  </a:txBody>
-                  <a:tcPr>
-                    <a:solidFill>
-                      <a:srgbClr val="E8F1F8"/>
-                    </a:solidFill>
-                  </a:tcPr>
-                </a:tc>
-              </a:tr>
-              <a:tr h="594360">
-                <a:tc>
-                  <a:txBody>
-                    <a:bodyPr/>
-                    <a:lstStyle/>
-                    <a:p>
-                      <a:pPr>
-                        <a:defRPr sz="1000" b="1">
-                          <a:solidFill>
-                            <a:srgbClr val="005BAB"/>
-                          </a:solidFill>
-                          <a:latin typeface="Meiryo"/>
-                        </a:defRPr>
-                      </a:pPr>
-                      <a:r>
-                        <a:t>ANP</a:t>
-                      </a:r>
-                    </a:p>
-                  </a:txBody>
-                  <a:tcPr>
-                    <a:solidFill>
-                      <a:srgbClr val="FFFFFF"/>
-                    </a:solidFill>
-                  </a:tcPr>
-                </a:tc>
-                <a:tc>
-                  <a:txBody>
-                    <a:bodyPr/>
-                    <a:lstStyle/>
-                    <a:p>
-                      <a:pPr>
-                        <a:defRPr sz="1000">
-                          <a:solidFill>
-                            <a:srgbClr val="1A1A2E"/>
-                          </a:solidFill>
-                          <a:latin typeface="Meiryo"/>
-                        </a:defRPr>
-                      </a:pPr>
-                      <a:r>
-                        <a:t>ANP Community (中国移動/Huawei等)</a:t>
-                      </a:r>
-                    </a:p>
-                  </a:txBody>
-                  <a:tcPr>
-                    <a:solidFill>
-                      <a:srgbClr val="FFFFFF"/>
-                    </a:solidFill>
-                  </a:tcPr>
-                </a:tc>
-                <a:tc>
-                  <a:txBody>
-                    <a:bodyPr/>
-                    <a:lstStyle/>
-                    <a:p>
-                      <a:pPr algn="ctr">
-                        <a:defRPr sz="1000" b="1">
-                          <a:solidFill>
-                            <a:srgbClr val="5BA4D9"/>
-                          </a:solidFill>
-                          <a:latin typeface="Meiryo"/>
-                        </a:defRPr>
-                      </a:pPr>
-                      <a:r>
-                        <a:t>Network Discovery</a:t>
-                      </a:r>
-                    </a:p>
-                  </a:txBody>
-                  <a:tcPr>
-                    <a:solidFill>
-                      <a:srgbClr val="FFFFFF"/>
-                    </a:solidFill>
-                  </a:tcPr>
-                </a:tc>
-                <a:tc>
-                  <a:txBody>
-                    <a:bodyPr/>
-                    <a:lstStyle/>
-                    <a:p>
-                      <a:pPr algn="ctr">
-                        <a:defRPr sz="1000">
-                          <a:solidFill>
-                            <a:srgbClr val="6C757D"/>
-                          </a:solidFill>
-                          <a:latin typeface="Meiryo"/>
-                        </a:defRPr>
-                      </a:pPr>
-                      <a:r>
-                        <a:t>2025-10</a:t>
-                      </a:r>
-                    </a:p>
-                  </a:txBody>
-                  <a:tcPr>
-                    <a:solidFill>
-                      <a:srgbClr val="FFFFFF"/>
-                    </a:solidFill>
-                  </a:tcPr>
-                </a:tc>
-                <a:tc>
-                  <a:txBody>
-                    <a:bodyPr/>
-                    <a:lstStyle/>
-                    <a:p>
-                      <a:pPr>
-                        <a:defRPr sz="1000">
-                          <a:solidFill>
-                            <a:srgbClr val="1A1A2E"/>
-                          </a:solidFill>
-                          <a:latin typeface="Meiryo"/>
-                        </a:defRPr>
-                      </a:pPr>
-                      <a:r>
-                        <a:t>数十億のエージェントのためのネットワークプロトコル。W3C DIDによるID認証、JSON-LDによる能力公開の3層アーキテクチャ。</a:t>
+                        <a:t>AIモデルを外部データソース・ツールに接続するオープン標準。10,000以上のMCPサーバーが公開済み。OpenAI・Google・Microsoft等が採用。</a:t>
                       </a:r>
                     </a:p>
                   </a:txBody>

--- a/2026-02-11/report.pptx
+++ b/2026-02-11/report.pptx
@@ -4029,7 +4029,7 @@
               </a:defRPr>
             </a:pPr>
             <a:r>
-              <a:t>► TechCrunch: https://techcrunch.com/2026/02/10/ai-video-startup-runway-raises-315m-at-5-3b-valuation-eyes-more-capable-world-models/</a:t>
+              <a:t>► Intellizence: https://intellizence.com/insights/startup-funding/startup-funding-trends-january-2026-ai-infrastructure-and-robotics/</a:t>
             </a:r>
           </a:p>
           <a:p>
@@ -4045,7 +4045,7 @@
               </a:defRPr>
             </a:pPr>
             <a:r>
-              <a:t>► National Law Review: https://natlawreview.com/article/2026-outlook-artificial-intelligence</a:t>
+              <a:t>► TechCrunch: https://techcrunch.com/2026/01/02/in-2026-ai-will-move-from-hype-to-pragmatism/</a:t>
             </a:r>
           </a:p>
           <a:p>
@@ -4061,7 +4061,7 @@
               </a:defRPr>
             </a:pPr>
             <a:r>
-              <a:t>► MIT Technology Review: https://www.technologyreview.com/2026/01/05/1130662/whats-next-for-ai-in-2026/</a:t>
+              <a:t>► Digital Watch Observatory: https://dig.watch/updates/adobe-firefly-unlocks-powerful-unlimited-ai-generation-in-2026</a:t>
             </a:r>
           </a:p>
           <a:p>
@@ -4077,7 +4077,7 @@
               </a:defRPr>
             </a:pPr>
             <a:r>
-              <a:t>► Digital Watch Observatory: https://dig.watch/updates/adobe-firefly-unlocks-powerful-unlimited-ai-generation-in-2026</a:t>
+              <a:t>► InfoQ: https://www.infoq.com/news/2026/01/microsoft-llm-contextual-privacy/</a:t>
             </a:r>
           </a:p>
           <a:p>
@@ -4093,7 +4093,7 @@
               </a:defRPr>
             </a:pPr>
             <a:r>
-              <a:t>► InfoQ: https://www.infoq.com/news/2026/01/microsoft-llm-contextual-privacy/</a:t>
+              <a:t>► TechCrunch: https://techcrunch.com/2026/02/10/ai-video-startup-runway-raises-315m-at-5-3b-valuation-eyes-more-capable-world-models/</a:t>
             </a:r>
           </a:p>
         </p:txBody>
@@ -4142,7 +4142,7 @@
               </a:defRPr>
             </a:pPr>
             <a:r>
-              <a:t>► Intellizence: https://intellizence.com/insights/startup-funding/startup-funding-trends-january-2026-ai-infrastructure-and-robotics/</a:t>
+              <a:t>► Tech Xplore: https://techxplore.com/news/2026-02-ai-limits-generative-video.html</a:t>
             </a:r>
           </a:p>
           <a:p>
@@ -4158,7 +4158,7 @@
               </a:defRPr>
             </a:pPr>
             <a:r>
-              <a:t>► TechCrunch: https://techcrunch.com/2026/01/02/in-2026-ai-will-move-from-hype-to-pragmatism/</a:t>
+              <a:t>► DigiTimes: https://www.digitimes.com/news/a20251215PD230/meta-ai-llm-llama-development.html</a:t>
             </a:r>
           </a:p>
           <a:p>
@@ -4174,7 +4174,7 @@
               </a:defRPr>
             </a:pPr>
             <a:r>
-              <a:t>► NBC News: https://www.nbcnews.com/tech/internet/openai-starts-testing-ads-chatgpt-rcna258242</a:t>
+              <a:t>► National Law Review: https://natlawreview.com/article/2026-outlook-artificial-intelligence</a:t>
             </a:r>
           </a:p>
           <a:p>
@@ -4190,7 +4190,7 @@
               </a:defRPr>
             </a:pPr>
             <a:r>
-              <a:t>► DigiTimes: https://www.digitimes.com/news/a20251215PD230/meta-ai-llm-llama-development.html</a:t>
+              <a:t>► NBC News: https://www.nbcnews.com/tech/internet/openai-starts-testing-ads-chatgpt-rcna258242</a:t>
             </a:r>
           </a:p>
           <a:p>
@@ -4206,7 +4206,7 @@
               </a:defRPr>
             </a:pPr>
             <a:r>
-              <a:t>► Tech Xplore: https://techxplore.com/news/2026-02-ai-limits-generative-video.html</a:t>
+              <a:t>► Medium: https://medium.com/@urano10/the-future-of-ai-models-in-2026-whats-actually-coming-410141f3c979</a:t>
             </a:r>
           </a:p>
           <a:p>
@@ -4222,7 +4222,7 @@
               </a:defRPr>
             </a:pPr>
             <a:r>
-              <a:t>► Medium: https://medium.com/@urano10/the-future-of-ai-models-in-2026-whats-actually-coming-410141f3c979</a:t>
+              <a:t>► MIT Technology Review: https://www.technologyreview.com/2026/01/05/1130662/whats-next-for-ai-in-2026/</a:t>
             </a:r>
           </a:p>
         </p:txBody>

--- a/2026-02-11/report.pptx
+++ b/2026-02-11/report.pptx
@@ -4013,7 +4013,7 @@
               </a:defRPr>
             </a:pPr>
             <a:r>
-              <a:t>► Axios: https://www.axios.com/2026/02/10/ai-ceo-feuds-openai-anthropic-google</a:t>
+              <a:t>► TechCrunch: https://techcrunch.com/2026/01/02/in-2026-ai-will-move-from-hype-to-pragmatism/</a:t>
             </a:r>
           </a:p>
           <a:p>
@@ -4029,7 +4029,7 @@
               </a:defRPr>
             </a:pPr>
             <a:r>
-              <a:t>► Intellizence: https://intellizence.com/insights/startup-funding/startup-funding-trends-january-2026-ai-infrastructure-and-robotics/</a:t>
+              <a:t>► MIT Technology Review: https://www.technologyreview.com/2026/01/05/1130662/whats-next-for-ai-in-2026/</a:t>
             </a:r>
           </a:p>
           <a:p>
@@ -4045,7 +4045,7 @@
               </a:defRPr>
             </a:pPr>
             <a:r>
-              <a:t>► TechCrunch: https://techcrunch.com/2026/01/02/in-2026-ai-will-move-from-hype-to-pragmatism/</a:t>
+              <a:t>► National Law Review: https://natlawreview.com/article/2026-outlook-artificial-intelligence</a:t>
             </a:r>
           </a:p>
           <a:p>
@@ -4077,7 +4077,7 @@
               </a:defRPr>
             </a:pPr>
             <a:r>
-              <a:t>► InfoQ: https://www.infoq.com/news/2026/01/microsoft-llm-contextual-privacy/</a:t>
+              <a:t>► TechCrunch: https://techcrunch.com/2026/02/10/ai-video-startup-runway-raises-315m-at-5-3b-valuation-eyes-more-capable-world-models/</a:t>
             </a:r>
           </a:p>
           <a:p>
@@ -4093,7 +4093,7 @@
               </a:defRPr>
             </a:pPr>
             <a:r>
-              <a:t>► TechCrunch: https://techcrunch.com/2026/02/10/ai-video-startup-runway-raises-315m-at-5-3b-valuation-eyes-more-capable-world-models/</a:t>
+              <a:t>► NBC News: https://www.nbcnews.com/tech/internet/openai-starts-testing-ads-chatgpt-rcna258242</a:t>
             </a:r>
           </a:p>
         </p:txBody>
@@ -4142,7 +4142,7 @@
               </a:defRPr>
             </a:pPr>
             <a:r>
-              <a:t>► Tech Xplore: https://techxplore.com/news/2026-02-ai-limits-generative-video.html</a:t>
+              <a:t>► Medium: https://medium.com/@urano10/the-future-of-ai-models-in-2026-whats-actually-coming-410141f3c979</a:t>
             </a:r>
           </a:p>
           <a:p>
@@ -4158,7 +4158,7 @@
               </a:defRPr>
             </a:pPr>
             <a:r>
-              <a:t>► DigiTimes: https://www.digitimes.com/news/a20251215PD230/meta-ai-llm-llama-development.html</a:t>
+              <a:t>► Axios: https://www.axios.com/2026/02/10/ai-ceo-feuds-openai-anthropic-google</a:t>
             </a:r>
           </a:p>
           <a:p>
@@ -4174,7 +4174,7 @@
               </a:defRPr>
             </a:pPr>
             <a:r>
-              <a:t>► National Law Review: https://natlawreview.com/article/2026-outlook-artificial-intelligence</a:t>
+              <a:t>► Intellizence: https://intellizence.com/insights/startup-funding/startup-funding-trends-january-2026-ai-infrastructure-and-robotics/</a:t>
             </a:r>
           </a:p>
           <a:p>
@@ -4190,7 +4190,7 @@
               </a:defRPr>
             </a:pPr>
             <a:r>
-              <a:t>► NBC News: https://www.nbcnews.com/tech/internet/openai-starts-testing-ads-chatgpt-rcna258242</a:t>
+              <a:t>► Tech Xplore: https://techxplore.com/news/2026-02-ai-limits-generative-video.html</a:t>
             </a:r>
           </a:p>
           <a:p>
@@ -4206,7 +4206,7 @@
               </a:defRPr>
             </a:pPr>
             <a:r>
-              <a:t>► Medium: https://medium.com/@urano10/the-future-of-ai-models-in-2026-whats-actually-coming-410141f3c979</a:t>
+              <a:t>► InfoQ: https://www.infoq.com/news/2026/01/microsoft-llm-contextual-privacy/</a:t>
             </a:r>
           </a:p>
           <a:p>
@@ -4222,7 +4222,7 @@
               </a:defRPr>
             </a:pPr>
             <a:r>
-              <a:t>► MIT Technology Review: https://www.technologyreview.com/2026/01/05/1130662/whats-next-for-ai-in-2026/</a:t>
+              <a:t>► DigiTimes: https://www.digitimes.com/news/a20251215PD230/meta-ai-llm-llama-development.html</a:t>
             </a:r>
           </a:p>
         </p:txBody>
